--- a/eece2160/f18/lectures/eece.2160f18_lec37_e3_preview.pptx
+++ b/eece2160/f18/lectures/eece.2160f18_lec37_e3_preview.pptx
@@ -5,10 +5,10 @@
     <p:sldMasterId id="2147483792" r:id="rId1"/>
   </p:sldMasterIdLst>
   <p:notesMasterIdLst>
-    <p:notesMasterId r:id="rId17"/>
+    <p:notesMasterId r:id="rId19"/>
   </p:notesMasterIdLst>
   <p:handoutMasterIdLst>
-    <p:handoutMasterId r:id="rId18"/>
+    <p:handoutMasterId r:id="rId20"/>
   </p:handoutMasterIdLst>
   <p:sldIdLst>
     <p:sldId id="256" r:id="rId2"/>
@@ -17,15 +17,17 @@
     <p:sldId id="520" r:id="rId5"/>
     <p:sldId id="521" r:id="rId6"/>
     <p:sldId id="510" r:id="rId7"/>
-    <p:sldId id="527" r:id="rId8"/>
-    <p:sldId id="511" r:id="rId9"/>
+    <p:sldId id="531" r:id="rId8"/>
+    <p:sldId id="527" r:id="rId9"/>
     <p:sldId id="528" r:id="rId10"/>
     <p:sldId id="517" r:id="rId11"/>
-    <p:sldId id="518" r:id="rId12"/>
-    <p:sldId id="529" r:id="rId13"/>
-    <p:sldId id="525" r:id="rId14"/>
-    <p:sldId id="526" r:id="rId15"/>
-    <p:sldId id="324" r:id="rId16"/>
+    <p:sldId id="532" r:id="rId12"/>
+    <p:sldId id="530" r:id="rId13"/>
+    <p:sldId id="518" r:id="rId14"/>
+    <p:sldId id="529" r:id="rId15"/>
+    <p:sldId id="525" r:id="rId16"/>
+    <p:sldId id="526" r:id="rId17"/>
+    <p:sldId id="324" r:id="rId18"/>
   </p:sldIdLst>
   <p:sldSz cx="9144000" cy="6858000" type="screen4x3"/>
   <p:notesSz cx="9144000" cy="6858000"/>
@@ -575,15 +577,15 @@
             <a:tailEnd/>
           </a:ln>
           <a:extLst>
+            <a:ext uri="{909E8E84-426E-40DD-AFC4-6F175D3DCCD1}">
+              <a14:hiddenFill xmlns:a14="http://schemas.microsoft.com/office/drawing/2010/main">
+                <a:solidFill>
+                  <a:srgbClr val="FFFFFF"/>
+                </a:solidFill>
+              </a14:hiddenFill>
+            </a:ext>
             <a:ext uri="{FAA26D3D-D897-4be2-8F04-BA451C77F1D7}">
               <ma14:placeholderFlag xmlns:ma14="http://schemas.microsoft.com/office/mac/drawingml/2011/main" val="1"/>
-            </a:ext>
-            <a:ext uri="{909E8E84-426E-40dd-AFC4-6F175D3DCCD1}">
-              <a14:hiddenFill xmlns:a14="http://schemas.microsoft.com/office/drawing/2010/main" xmlns="">
-                <a:solidFill>
-                  <a:srgbClr val="FFFFFF"/>
-                </a:solidFill>
-              </a14:hiddenFill>
             </a:ext>
           </a:extLst>
         </p:spPr>
@@ -922,15 +924,15 @@
           <a:noFill/>
           <a:ln/>
           <a:extLst>
-            <a:ext uri="{909E8E84-426E-40dd-AFC4-6F175D3DCCD1}">
-              <a14:hiddenFill xmlns:a14="http://schemas.microsoft.com/office/drawing/2010/main" xmlns="">
+            <a:ext uri="{909E8E84-426E-40DD-AFC4-6F175D3DCCD1}">
+              <a14:hiddenFill xmlns:a14="http://schemas.microsoft.com/office/drawing/2010/main">
                 <a:solidFill>
                   <a:srgbClr val="FFFFFF"/>
                 </a:solidFill>
               </a14:hiddenFill>
             </a:ext>
-            <a:ext uri="{91240B29-F687-4f45-9708-019B960494DF}">
-              <a14:hiddenLine xmlns:a14="http://schemas.microsoft.com/office/drawing/2010/main" xmlns="" w="9525">
+            <a:ext uri="{91240B29-F687-4F45-9708-019B960494DF}">
+              <a14:hiddenLine xmlns:a14="http://schemas.microsoft.com/office/drawing/2010/main" w="9525">
                 <a:solidFill>
                   <a:srgbClr val="000000"/>
                 </a:solidFill>
@@ -1097,18 +1099,15 @@
           <a:noFill/>
           <a:ln/>
           <a:extLst>
-            <a:ext uri="{FAA26D3D-D897-4be2-8F04-BA451C77F1D7}">
-              <ma14:placeholderFlag xmlns:ma14="http://schemas.microsoft.com/office/mac/drawingml/2011/main" val="1"/>
-            </a:ext>
-            <a:ext uri="{909E8E84-426E-40dd-AFC4-6F175D3DCCD1}">
-              <a14:hiddenFill xmlns:a14="http://schemas.microsoft.com/office/drawing/2010/main" xmlns="">
+            <a:ext uri="{909E8E84-426E-40DD-AFC4-6F175D3DCCD1}">
+              <a14:hiddenFill xmlns:a14="http://schemas.microsoft.com/office/drawing/2010/main">
                 <a:solidFill>
                   <a:srgbClr val="FFFFFF"/>
                 </a:solidFill>
               </a14:hiddenFill>
             </a:ext>
-            <a:ext uri="{91240B29-F687-4f45-9708-019B960494DF}">
-              <a14:hiddenLine xmlns:a14="http://schemas.microsoft.com/office/drawing/2010/main" xmlns="" w="9525">
+            <a:ext uri="{91240B29-F687-4F45-9708-019B960494DF}">
+              <a14:hiddenLine xmlns:a14="http://schemas.microsoft.com/office/drawing/2010/main" w="9525">
                 <a:solidFill>
                   <a:srgbClr val="000000"/>
                 </a:solidFill>
@@ -1116,6 +1115,9 @@
                 <a:headEnd/>
                 <a:tailEnd/>
               </a14:hiddenLine>
+            </a:ext>
+            <a:ext uri="{FAA26D3D-D897-4be2-8F04-BA451C77F1D7}">
+              <ma14:placeholderFlag xmlns:ma14="http://schemas.microsoft.com/office/mac/drawingml/2011/main" val="1"/>
             </a:ext>
           </a:extLst>
         </p:spPr>
@@ -1307,8 +1309,8 @@
             <a:tailEnd/>
           </a:ln>
           <a:extLst>
-            <a:ext uri="{909E8E84-426E-40dd-AFC4-6F175D3DCCD1}">
-              <a14:hiddenFill xmlns:a14="http://schemas.microsoft.com/office/drawing/2010/main" xmlns="">
+            <a:ext uri="{909E8E84-426E-40DD-AFC4-6F175D3DCCD1}">
+              <a14:hiddenFill xmlns:a14="http://schemas.microsoft.com/office/drawing/2010/main">
                 <a:solidFill>
                   <a:srgbClr val="FFFFFF"/>
                 </a:solidFill>
@@ -1350,8 +1352,8 @@
             <a:tailEnd/>
           </a:ln>
           <a:extLst>
-            <a:ext uri="{909E8E84-426E-40dd-AFC4-6F175D3DCCD1}">
-              <a14:hiddenFill xmlns:a14="http://schemas.microsoft.com/office/drawing/2010/main" xmlns="">
+            <a:ext uri="{909E8E84-426E-40DD-AFC4-6F175D3DCCD1}">
+              <a14:hiddenFill xmlns:a14="http://schemas.microsoft.com/office/drawing/2010/main">
                 <a:noFill/>
               </a14:hiddenFill>
             </a:ext>
@@ -1448,9 +1450,9 @@
             </a:lvl1pPr>
           </a:lstStyle>
           <a:p>
-            <a:fld id="{F4A330AF-93F7-A14A-A58E-00E3FEE5AE02}" type="datetime1">
+            <a:fld id="{1F05E673-0E40-EB43-9586-40B9FA020A3D}" type="datetime1">
               <a:rPr lang="en-US" smtClean="0"/>
-              <a:t>12/11/18</a:t>
+              <a:t>12/12/18</a:t>
             </a:fld>
             <a:endParaRPr lang="en-US"/>
           </a:p>
@@ -1645,9 +1647,9 @@
             </a:lvl1pPr>
           </a:lstStyle>
           <a:p>
-            <a:fld id="{65CC8061-5DCA-6642-936F-32AA2C3D8BAF}" type="datetime1">
+            <a:fld id="{C1DF25DE-4938-6742-ABD6-E6759C370DEF}" type="datetime1">
               <a:rPr lang="en-US" smtClean="0"/>
-              <a:t>12/11/18</a:t>
+              <a:t>12/12/18</a:t>
             </a:fld>
             <a:endParaRPr lang="en-US"/>
           </a:p>
@@ -1851,9 +1853,9 @@
             </a:lvl1pPr>
           </a:lstStyle>
           <a:p>
-            <a:fld id="{B4BA568A-ADE5-734F-B8AE-7D5B819947F0}" type="datetime1">
+            <a:fld id="{6FDC5B2C-B042-5D4E-B0EC-7C8AAEEC8B50}" type="datetime1">
               <a:rPr lang="en-US" smtClean="0"/>
-              <a:t>12/11/18</a:t>
+              <a:t>12/12/18</a:t>
             </a:fld>
             <a:endParaRPr lang="en-US"/>
           </a:p>
@@ -2114,9 +2116,9 @@
             </a:lvl1pPr>
           </a:lstStyle>
           <a:p>
-            <a:fld id="{F3355116-0C5C-AA40-BAE2-A58B599A6453}" type="datetime1">
+            <a:fld id="{4F28D1B5-4DD3-8C46-BBC9-A3AF9BB72904}" type="datetime1">
               <a:rPr lang="en-US" smtClean="0"/>
-              <a:t>12/11/18</a:t>
+              <a:t>12/12/18</a:t>
             </a:fld>
             <a:endParaRPr lang="en-US"/>
           </a:p>
@@ -2377,9 +2379,9 @@
             </a:lvl1pPr>
           </a:lstStyle>
           <a:p>
-            <a:fld id="{44B2072D-6B82-B74F-B087-613DD366E056}" type="datetime1">
+            <a:fld id="{687E7E1D-C831-5747-B1A6-180A6D1D53C7}" type="datetime1">
               <a:rPr lang="en-US" smtClean="0"/>
-              <a:t>12/11/18</a:t>
+              <a:t>12/12/18</a:t>
             </a:fld>
             <a:endParaRPr lang="en-US"/>
           </a:p>
@@ -2573,9 +2575,9 @@
             </a:lvl1pPr>
           </a:lstStyle>
           <a:p>
-            <a:fld id="{8A1A3347-B29E-DF4C-917C-41FC18FEDE5E}" type="datetime1">
+            <a:fld id="{551F70BF-2AAA-1643-A01F-0BA687626078}" type="datetime1">
               <a:rPr lang="en-US" smtClean="0"/>
-              <a:t>12/11/18</a:t>
+              <a:t>12/12/18</a:t>
             </a:fld>
             <a:endParaRPr lang="en-US"/>
           </a:p>
@@ -2791,9 +2793,9 @@
             </a:lvl1pPr>
           </a:lstStyle>
           <a:p>
-            <a:fld id="{8098122A-E503-5047-983C-88F4C8328018}" type="datetime1">
+            <a:fld id="{F2E21C6D-0833-2249-9120-7A8E51E0A6D0}" type="datetime1">
               <a:rPr lang="en-US" smtClean="0"/>
-              <a:t>12/11/18</a:t>
+              <a:t>12/12/18</a:t>
             </a:fld>
             <a:endParaRPr lang="en-US"/>
           </a:p>
@@ -3105,9 +3107,9 @@
             </a:lvl1pPr>
           </a:lstStyle>
           <a:p>
-            <a:fld id="{3A974192-8F0C-8742-B2D2-C66B495078F1}" type="datetime1">
+            <a:fld id="{28A0381F-2357-214D-A4DB-6814DFCE4048}" type="datetime1">
               <a:rPr lang="en-US" smtClean="0"/>
-              <a:t>12/11/18</a:t>
+              <a:t>12/12/18</a:t>
             </a:fld>
             <a:endParaRPr lang="en-US"/>
           </a:p>
@@ -3558,9 +3560,9 @@
             </a:lvl1pPr>
           </a:lstStyle>
           <a:p>
-            <a:fld id="{7E3D6FA7-EA3B-4D47-87A4-639CFB3990CB}" type="datetime1">
+            <a:fld id="{904F0456-CC45-E44B-8E90-1BBC73075518}" type="datetime1">
               <a:rPr lang="en-US" smtClean="0"/>
-              <a:t>12/11/18</a:t>
+              <a:t>12/12/18</a:t>
             </a:fld>
             <a:endParaRPr lang="en-US"/>
           </a:p>
@@ -3702,9 +3704,9 @@
             </a:lvl1pPr>
           </a:lstStyle>
           <a:p>
-            <a:fld id="{411524E6-33DB-4E4D-85AF-327264FE3E6D}" type="datetime1">
+            <a:fld id="{78D14D00-F054-D84E-BC0D-001AE2221780}" type="datetime1">
               <a:rPr lang="en-US" smtClean="0"/>
-              <a:t>12/11/18</a:t>
+              <a:t>12/12/18</a:t>
             </a:fld>
             <a:endParaRPr lang="en-US"/>
           </a:p>
@@ -3823,9 +3825,9 @@
             </a:lvl1pPr>
           </a:lstStyle>
           <a:p>
-            <a:fld id="{478FD209-D9B7-3F49-87A1-370CAFAB1DD8}" type="datetime1">
+            <a:fld id="{3D61105C-4B2F-EE44-97DB-853A948937FD}" type="datetime1">
               <a:rPr lang="en-US" smtClean="0"/>
-              <a:t>12/11/18</a:t>
+              <a:t>12/12/18</a:t>
             </a:fld>
             <a:endParaRPr lang="en-US"/>
           </a:p>
@@ -4126,9 +4128,9 @@
             </a:lvl1pPr>
           </a:lstStyle>
           <a:p>
-            <a:fld id="{B64263D1-8F4D-A04D-930A-6F1407C0E2F9}" type="datetime1">
+            <a:fld id="{2FE61F0A-CA61-2A49-8818-18E9C6F1D111}" type="datetime1">
               <a:rPr lang="en-US" smtClean="0"/>
-              <a:t>12/11/18</a:t>
+              <a:t>12/12/18</a:t>
             </a:fld>
             <a:endParaRPr lang="en-US"/>
           </a:p>
@@ -4406,9 +4408,9 @@
             </a:lvl1pPr>
           </a:lstStyle>
           <a:p>
-            <a:fld id="{77CBAADB-F755-CB40-96CD-5CF18F9479DD}" type="datetime1">
+            <a:fld id="{38DB9AB7-D764-1C49-84C7-1C92C67D48C5}" type="datetime1">
               <a:rPr lang="en-US" smtClean="0"/>
-              <a:t>12/11/18</a:t>
+              <a:t>12/12/18</a:t>
             </a:fld>
             <a:endParaRPr lang="en-US"/>
           </a:p>
@@ -4537,18 +4539,15 @@
             <a:noFill/>
           </a:ln>
           <a:extLst>
-            <a:ext uri="{FAA26D3D-D897-4be2-8F04-BA451C77F1D7}">
-              <ma14:placeholderFlag xmlns:ma14="http://schemas.microsoft.com/office/mac/drawingml/2011/main" val="1"/>
-            </a:ext>
-            <a:ext uri="{909E8E84-426E-40dd-AFC4-6F175D3DCCD1}">
-              <a14:hiddenFill xmlns:a14="http://schemas.microsoft.com/office/drawing/2010/main" xmlns="">
+            <a:ext uri="{909E8E84-426E-40DD-AFC4-6F175D3DCCD1}">
+              <a14:hiddenFill xmlns:a14="http://schemas.microsoft.com/office/drawing/2010/main">
                 <a:solidFill>
                   <a:srgbClr val="FFFFFF"/>
                 </a:solidFill>
               </a14:hiddenFill>
             </a:ext>
-            <a:ext uri="{91240B29-F687-4f45-9708-019B960494DF}">
-              <a14:hiddenLine xmlns:a14="http://schemas.microsoft.com/office/drawing/2010/main" xmlns="" w="9525">
+            <a:ext uri="{91240B29-F687-4F45-9708-019B960494DF}">
+              <a14:hiddenLine xmlns:a14="http://schemas.microsoft.com/office/drawing/2010/main" w="9525">
                 <a:solidFill>
                   <a:srgbClr val="000000"/>
                 </a:solidFill>
@@ -4556,6 +4555,9 @@
                 <a:headEnd/>
                 <a:tailEnd/>
               </a14:hiddenLine>
+            </a:ext>
+            <a:ext uri="{FAA26D3D-D897-4be2-8F04-BA451C77F1D7}">
+              <ma14:placeholderFlag xmlns:ma14="http://schemas.microsoft.com/office/mac/drawingml/2011/main" val="1"/>
             </a:ext>
           </a:extLst>
         </p:spPr>
@@ -4598,18 +4600,15 @@
             <a:noFill/>
           </a:ln>
           <a:extLst>
-            <a:ext uri="{FAA26D3D-D897-4be2-8F04-BA451C77F1D7}">
-              <ma14:placeholderFlag xmlns:ma14="http://schemas.microsoft.com/office/mac/drawingml/2011/main" val="1"/>
-            </a:ext>
-            <a:ext uri="{909E8E84-426E-40dd-AFC4-6F175D3DCCD1}">
-              <a14:hiddenFill xmlns:a14="http://schemas.microsoft.com/office/drawing/2010/main" xmlns="">
+            <a:ext uri="{909E8E84-426E-40DD-AFC4-6F175D3DCCD1}">
+              <a14:hiddenFill xmlns:a14="http://schemas.microsoft.com/office/drawing/2010/main">
                 <a:solidFill>
                   <a:srgbClr val="FFFFFF"/>
                 </a:solidFill>
               </a14:hiddenFill>
             </a:ext>
-            <a:ext uri="{91240B29-F687-4f45-9708-019B960494DF}">
-              <a14:hiddenLine xmlns:a14="http://schemas.microsoft.com/office/drawing/2010/main" xmlns="" w="9525">
+            <a:ext uri="{91240B29-F687-4F45-9708-019B960494DF}">
+              <a14:hiddenLine xmlns:a14="http://schemas.microsoft.com/office/drawing/2010/main" w="9525">
                 <a:solidFill>
                   <a:srgbClr val="000000"/>
                 </a:solidFill>
@@ -4617,6 +4616,9 @@
                 <a:headEnd/>
                 <a:tailEnd/>
               </a14:hiddenLine>
+            </a:ext>
+            <a:ext uri="{FAA26D3D-D897-4be2-8F04-BA451C77F1D7}">
+              <ma14:placeholderFlag xmlns:ma14="http://schemas.microsoft.com/office/mac/drawingml/2011/main" val="1"/>
             </a:ext>
           </a:extLst>
         </p:spPr>
@@ -4705,9 +4707,9 @@
             </a:lvl1pPr>
           </a:lstStyle>
           <a:p>
-            <a:fld id="{08569895-F664-6644-8295-9B943122A3FF}" type="datetime1">
+            <a:fld id="{7C7BF3EB-53D5-1C4F-AD17-954CC82BA777}" type="datetime1">
               <a:rPr lang="en-US" smtClean="0"/>
-              <a:t>12/11/18</a:t>
+              <a:t>12/12/18</a:t>
             </a:fld>
             <a:endParaRPr lang="en-US"/>
           </a:p>
@@ -4881,8 +4883,8 @@
             <a:tailEnd/>
           </a:ln>
           <a:extLst>
-            <a:ext uri="{909E8E84-426E-40dd-AFC4-6F175D3DCCD1}">
-              <a14:hiddenFill xmlns:a14="http://schemas.microsoft.com/office/drawing/2010/main" xmlns="">
+            <a:ext uri="{909E8E84-426E-40DD-AFC4-6F175D3DCCD1}">
+              <a14:hiddenFill xmlns:a14="http://schemas.microsoft.com/office/drawing/2010/main">
                 <a:solidFill>
                   <a:srgbClr val="FFFFFF"/>
                 </a:solidFill>
@@ -4924,8 +4926,8 @@
             <a:tailEnd/>
           </a:ln>
           <a:extLst>
-            <a:ext uri="{909E8E84-426E-40dd-AFC4-6F175D3DCCD1}">
-              <a14:hiddenFill xmlns:a14="http://schemas.microsoft.com/office/drawing/2010/main" xmlns="">
+            <a:ext uri="{909E8E84-426E-40DD-AFC4-6F175D3DCCD1}">
+              <a14:hiddenFill xmlns:a14="http://schemas.microsoft.com/office/drawing/2010/main">
                 <a:noFill/>
               </a14:hiddenFill>
             </a:ext>
@@ -6040,15 +6042,15 @@
           <a:noFill/>
           <a:ln/>
           <a:extLst>
-            <a:ext uri="{909E8E84-426E-40dd-AFC4-6F175D3DCCD1}">
-              <a14:hiddenFill xmlns:a14="http://schemas.microsoft.com/office/drawing/2010/main" xmlns="">
+            <a:ext uri="{909E8E84-426E-40DD-AFC4-6F175D3DCCD1}">
+              <a14:hiddenFill xmlns:a14="http://schemas.microsoft.com/office/drawing/2010/main">
                 <a:solidFill>
                   <a:srgbClr val="FFFFFF"/>
                 </a:solidFill>
               </a14:hiddenFill>
             </a:ext>
-            <a:ext uri="{91240B29-F687-4f45-9708-019B960494DF}">
-              <a14:hiddenLine xmlns:a14="http://schemas.microsoft.com/office/drawing/2010/main" xmlns="" w="9525">
+            <a:ext uri="{91240B29-F687-4F45-9708-019B960494DF}">
+              <a14:hiddenLine xmlns:a14="http://schemas.microsoft.com/office/drawing/2010/main" w="9525">
                 <a:solidFill>
                   <a:srgbClr val="000000"/>
                 </a:solidFill>
@@ -6171,11 +6173,11 @@
           </a:lstStyle>
           <a:p>
             <a:pPr eaLnBrk="1" hangingPunct="1"/>
-            <a:fld id="{6067019D-07E3-0442-98E6-26E9F5CA9BCC}" type="datetime1">
+            <a:fld id="{0F971E8C-CDF1-5543-8EFD-57428A3E02E1}" type="datetime1">
               <a:rPr lang="en-US" sz="1200" smtClean="0">
                 <a:latin typeface="Garamond" charset="0"/>
               </a:rPr>
-              <a:t>12/11/18</a:t>
+              <a:t>12/12/18</a:t>
             </a:fld>
             <a:endParaRPr lang="en-US" sz="1200">
               <a:latin typeface="Garamond" charset="0"/>
@@ -6223,15 +6225,15 @@
           <a:noFill/>
           <a:ln/>
           <a:extLst>
-            <a:ext uri="{909E8E84-426E-40dd-AFC4-6F175D3DCCD1}">
-              <a14:hiddenFill xmlns:a14="http://schemas.microsoft.com/office/drawing/2010/main" xmlns="">
+            <a:ext uri="{909E8E84-426E-40DD-AFC4-6F175D3DCCD1}">
+              <a14:hiddenFill xmlns:a14="http://schemas.microsoft.com/office/drawing/2010/main">
                 <a:solidFill>
                   <a:srgbClr val="FFFFFF"/>
                 </a:solidFill>
               </a14:hiddenFill>
             </a:ext>
-            <a:ext uri="{91240B29-F687-4f45-9708-019B960494DF}">
-              <a14:hiddenLine xmlns:a14="http://schemas.microsoft.com/office/drawing/2010/main" xmlns="" w="9525">
+            <a:ext uri="{91240B29-F687-4F45-9708-019B960494DF}">
+              <a14:hiddenLine xmlns:a14="http://schemas.microsoft.com/office/drawing/2010/main" w="9525">
                 <a:solidFill>
                   <a:srgbClr val="000000"/>
                 </a:solidFill>
@@ -6406,7 +6408,7 @@
       </p:grpSpPr>
       <p:sp>
         <p:nvSpPr>
-          <p:cNvPr id="25601" name="Title 1"/>
+          <p:cNvPr id="12290" name="Title 1"/>
           <p:cNvSpPr>
             <a:spLocks noGrp="1"/>
           </p:cNvSpPr>
@@ -6420,26 +6422,23 @@
           <a:lstStyle/>
           <a:p>
             <a:r>
+              <a:rPr lang="en-US" dirty="0" smtClean="0">
+                <a:latin typeface="Garamond" charset="0"/>
+              </a:rPr>
+              <a:t>Review: Generic </a:t>
+            </a:r>
+            <a:r>
               <a:rPr lang="en-US" dirty="0">
                 <a:latin typeface="Garamond" charset="0"/>
               </a:rPr>
-              <a:t>Review: </a:t>
-            </a:r>
-            <a:r>
-              <a:rPr lang="en-US" dirty="0" smtClean="0">
-                <a:latin typeface="Garamond" charset="0"/>
-              </a:rPr>
-              <a:t>character/line input</a:t>
-            </a:r>
-            <a:endParaRPr lang="en-US" dirty="0">
-              <a:latin typeface="Garamond" charset="0"/>
-            </a:endParaRPr>
-          </a:p>
-        </p:txBody>
-      </p:sp>
-      <p:sp>
-        <p:nvSpPr>
-          <p:cNvPr id="5123" name="Content Placeholder 2"/>
+              <a:t>I/O</a:t>
+            </a:r>
+          </a:p>
+        </p:txBody>
+      </p:sp>
+      <p:sp>
+        <p:nvSpPr>
+          <p:cNvPr id="3" name="Content Placeholder 2"/>
           <p:cNvSpPr>
             <a:spLocks noGrp="1"/>
           </p:cNvSpPr>
@@ -6455,239 +6454,353 @@
           <a:lstStyle/>
           <a:p>
             <a:pPr>
-              <a:buFont typeface="Wingdings" pitchFamily="2" charset="2"/>
-              <a:buChar char="n"/>
-              <a:defRPr/>
+              <a:lnSpc>
+                <a:spcPct val="90000"/>
+              </a:lnSpc>
             </a:pPr>
             <a:r>
+              <a:rPr lang="en-US" dirty="0">
+                <a:latin typeface="Arial" charset="0"/>
+              </a:rPr>
+              <a:t>S</a:t>
+            </a:r>
+            <a:r>
               <a:rPr lang="en-US" dirty="0" smtClean="0">
-                <a:ea typeface="+mn-ea"/>
-                <a:cs typeface="Courier New" pitchFamily="49" charset="0"/>
-              </a:rPr>
-              <a:t>Character input</a:t>
+                <a:latin typeface="Arial" charset="0"/>
+              </a:rPr>
+              <a:t>pecial </a:t>
+            </a:r>
+            <a:r>
+              <a:rPr lang="en-US" dirty="0">
+                <a:latin typeface="Arial" charset="0"/>
+              </a:rPr>
+              <a:t>I/O streams in C</a:t>
             </a:r>
           </a:p>
           <a:p>
             <a:pPr lvl="1">
-              <a:buFont typeface="Wingdings" pitchFamily="1" charset="2"/>
-              <a:buChar char="q"/>
-              <a:defRPr/>
+              <a:lnSpc>
+                <a:spcPct val="90000"/>
+              </a:lnSpc>
             </a:pPr>
             <a:r>
+              <a:rPr lang="en-US" dirty="0" err="1">
+                <a:latin typeface="Courier New" charset="0"/>
+                <a:cs typeface="Courier New" charset="0"/>
+              </a:rPr>
+              <a:t>stdin</a:t>
+            </a:r>
+            <a:r>
+              <a:rPr lang="en-US" dirty="0">
+                <a:latin typeface="Arial" charset="0"/>
+              </a:rPr>
+              <a:t>: standard input</a:t>
+            </a:r>
+          </a:p>
+          <a:p>
+            <a:pPr lvl="1">
+              <a:lnSpc>
+                <a:spcPct val="90000"/>
+              </a:lnSpc>
+            </a:pPr>
+            <a:r>
+              <a:rPr lang="en-US" dirty="0" err="1">
+                <a:latin typeface="Courier New" charset="0"/>
+                <a:cs typeface="Courier New" charset="0"/>
+              </a:rPr>
+              <a:t>stdout</a:t>
+            </a:r>
+            <a:r>
+              <a:rPr lang="en-US" dirty="0">
+                <a:latin typeface="Arial" charset="0"/>
+              </a:rPr>
+              <a:t>: standard </a:t>
+            </a:r>
+            <a:r>
+              <a:rPr lang="en-US" dirty="0" smtClean="0">
+                <a:latin typeface="Arial" charset="0"/>
+              </a:rPr>
+              <a:t>output</a:t>
+            </a:r>
+            <a:endParaRPr lang="en-US" dirty="0">
+              <a:latin typeface="Arial" charset="0"/>
+            </a:endParaRPr>
+          </a:p>
+          <a:p>
+            <a:pPr>
+              <a:lnSpc>
+                <a:spcPct val="90000"/>
+              </a:lnSpc>
+            </a:pPr>
+            <a:r>
               <a:rPr lang="en-US" dirty="0" err="1" smtClean="0">
-                <a:latin typeface="Courier New" pitchFamily="49" charset="0"/>
-                <a:cs typeface="Courier New" pitchFamily="49" charset="0"/>
-              </a:rPr>
-              <a:t>int</a:t>
+                <a:latin typeface="Courier New" charset="0"/>
+                <a:cs typeface="Courier New" charset="0"/>
+              </a:rPr>
+              <a:t>printf</a:t>
+            </a:r>
+            <a:r>
+              <a:rPr lang="en-US" dirty="0">
+                <a:latin typeface="Courier New" charset="0"/>
+                <a:cs typeface="Courier New" charset="0"/>
+              </a:rPr>
+              <a:t>(</a:t>
+            </a:r>
+            <a:r>
+              <a:rPr lang="ja-JP" altLang="en-US" dirty="0">
+                <a:latin typeface="Courier New" charset="0"/>
+                <a:cs typeface="Courier New" charset="0"/>
+              </a:rPr>
+              <a:t>“</a:t>
+            </a:r>
+            <a:r>
+              <a:rPr lang="en-US" dirty="0">
+                <a:latin typeface="Courier New" charset="0"/>
+                <a:cs typeface="Courier New" charset="0"/>
+              </a:rPr>
+              <a:t>Hello\n</a:t>
+            </a:r>
+            <a:r>
+              <a:rPr lang="ja-JP" altLang="en-US" dirty="0">
+                <a:latin typeface="Courier New" charset="0"/>
+                <a:cs typeface="Courier New" charset="0"/>
+              </a:rPr>
+              <a:t>”</a:t>
+            </a:r>
+            <a:r>
+              <a:rPr lang="en-US" dirty="0">
+                <a:latin typeface="Courier New" charset="0"/>
+                <a:cs typeface="Courier New" charset="0"/>
+              </a:rPr>
+              <a:t>) == </a:t>
+            </a:r>
+          </a:p>
+          <a:p>
+            <a:pPr>
+              <a:lnSpc>
+                <a:spcPct val="90000"/>
+              </a:lnSpc>
+              <a:buFont typeface="Wingdings" charset="0"/>
+              <a:buNone/>
+            </a:pPr>
+            <a:r>
+              <a:rPr lang="en-US" dirty="0">
+                <a:latin typeface="Courier New" charset="0"/>
+                <a:cs typeface="Courier New" charset="0"/>
+              </a:rPr>
+              <a:t>		</a:t>
+            </a:r>
+            <a:r>
+              <a:rPr lang="en-US" dirty="0" err="1">
+                <a:latin typeface="Courier New" charset="0"/>
+                <a:cs typeface="Courier New" charset="0"/>
+              </a:rPr>
+              <a:t>fprintf</a:t>
+            </a:r>
+            <a:r>
+              <a:rPr lang="en-US" dirty="0">
+                <a:latin typeface="Courier New" charset="0"/>
+                <a:cs typeface="Courier New" charset="0"/>
+              </a:rPr>
+              <a:t>(</a:t>
+            </a:r>
+            <a:r>
+              <a:rPr lang="en-US" dirty="0" err="1">
+                <a:latin typeface="Courier New" charset="0"/>
+                <a:cs typeface="Courier New" charset="0"/>
+              </a:rPr>
+              <a:t>stdout</a:t>
+            </a:r>
+            <a:r>
+              <a:rPr lang="en-US" dirty="0">
+                <a:latin typeface="Courier New" charset="0"/>
+                <a:cs typeface="Courier New" charset="0"/>
+              </a:rPr>
+              <a:t>, </a:t>
+            </a:r>
+            <a:r>
+              <a:rPr lang="ja-JP" altLang="en-US" dirty="0">
+                <a:latin typeface="Courier New" charset="0"/>
+                <a:cs typeface="Courier New" charset="0"/>
+              </a:rPr>
+              <a:t>“</a:t>
+            </a:r>
+            <a:r>
+              <a:rPr lang="en-US" dirty="0">
+                <a:latin typeface="Courier New" charset="0"/>
+                <a:cs typeface="Courier New" charset="0"/>
+              </a:rPr>
+              <a:t>Hello\n</a:t>
+            </a:r>
+            <a:r>
+              <a:rPr lang="ja-JP" altLang="en-US" dirty="0">
+                <a:latin typeface="Courier New" charset="0"/>
+                <a:cs typeface="Courier New" charset="0"/>
+              </a:rPr>
+              <a:t>”</a:t>
+            </a:r>
+            <a:r>
+              <a:rPr lang="en-US" dirty="0">
+                <a:latin typeface="Courier New" charset="0"/>
+                <a:cs typeface="Courier New" charset="0"/>
+              </a:rPr>
+              <a:t>);</a:t>
+            </a:r>
+          </a:p>
+          <a:p>
+            <a:pPr>
+              <a:lnSpc>
+                <a:spcPct val="90000"/>
+              </a:lnSpc>
+            </a:pPr>
+            <a:r>
+              <a:rPr lang="en-US" dirty="0" err="1">
+                <a:latin typeface="Courier New" charset="0"/>
+                <a:cs typeface="Courier New" charset="0"/>
+              </a:rPr>
+              <a:t>scanf</a:t>
+            </a:r>
+            <a:r>
+              <a:rPr lang="en-US" dirty="0">
+                <a:latin typeface="Courier New" charset="0"/>
+                <a:cs typeface="Courier New" charset="0"/>
+              </a:rPr>
+              <a:t>(</a:t>
+            </a:r>
+            <a:r>
+              <a:rPr lang="ja-JP" altLang="en-US" dirty="0">
+                <a:latin typeface="Courier New" charset="0"/>
+                <a:cs typeface="Courier New" charset="0"/>
+              </a:rPr>
+              <a:t>“</a:t>
+            </a:r>
+            <a:r>
+              <a:rPr lang="en-US" dirty="0">
+                <a:latin typeface="Courier New" charset="0"/>
+                <a:cs typeface="Courier New" charset="0"/>
+              </a:rPr>
+              <a:t>%d</a:t>
+            </a:r>
+            <a:r>
+              <a:rPr lang="ja-JP" altLang="en-US" dirty="0">
+                <a:latin typeface="Courier New" charset="0"/>
+                <a:cs typeface="Courier New" charset="0"/>
+              </a:rPr>
+              <a:t>”</a:t>
+            </a:r>
+            <a:r>
+              <a:rPr lang="en-US" dirty="0">
+                <a:latin typeface="Courier New" charset="0"/>
+                <a:cs typeface="Courier New" charset="0"/>
+              </a:rPr>
+              <a:t>, &amp;x) == </a:t>
+            </a:r>
+          </a:p>
+          <a:p>
+            <a:pPr>
+              <a:lnSpc>
+                <a:spcPct val="90000"/>
+              </a:lnSpc>
+              <a:buFont typeface="Wingdings" charset="0"/>
+              <a:buNone/>
+            </a:pPr>
+            <a:r>
+              <a:rPr lang="en-US" dirty="0">
+                <a:latin typeface="Courier New" charset="0"/>
+                <a:cs typeface="Courier New" charset="0"/>
+              </a:rPr>
+              <a:t>		</a:t>
+            </a:r>
+            <a:r>
+              <a:rPr lang="en-US" dirty="0" err="1">
+                <a:latin typeface="Courier New" charset="0"/>
+                <a:cs typeface="Courier New" charset="0"/>
+              </a:rPr>
+              <a:t>fscanf</a:t>
+            </a:r>
+            <a:r>
+              <a:rPr lang="en-US" dirty="0">
+                <a:latin typeface="Courier New" charset="0"/>
+                <a:cs typeface="Courier New" charset="0"/>
+              </a:rPr>
+              <a:t>(</a:t>
+            </a:r>
+            <a:r>
+              <a:rPr lang="en-US" dirty="0" err="1">
+                <a:latin typeface="Courier New" charset="0"/>
+                <a:cs typeface="Courier New" charset="0"/>
+              </a:rPr>
+              <a:t>stdin</a:t>
+            </a:r>
+            <a:r>
+              <a:rPr lang="en-US" dirty="0">
+                <a:latin typeface="Courier New" charset="0"/>
+                <a:cs typeface="Courier New" charset="0"/>
+              </a:rPr>
+              <a:t>, </a:t>
+            </a:r>
+            <a:r>
+              <a:rPr lang="ja-JP" altLang="en-US" dirty="0">
+                <a:latin typeface="Courier New" charset="0"/>
+                <a:cs typeface="Courier New" charset="0"/>
+              </a:rPr>
+              <a:t>“</a:t>
+            </a:r>
+            <a:r>
+              <a:rPr lang="en-US" dirty="0">
+                <a:latin typeface="Courier New" charset="0"/>
+                <a:cs typeface="Courier New" charset="0"/>
+              </a:rPr>
+              <a:t>%d</a:t>
+            </a:r>
+            <a:r>
+              <a:rPr lang="ja-JP" altLang="en-US" dirty="0">
+                <a:latin typeface="Courier New" charset="0"/>
+                <a:cs typeface="Courier New" charset="0"/>
+              </a:rPr>
+              <a:t>”</a:t>
+            </a:r>
+            <a:r>
+              <a:rPr lang="en-US" dirty="0">
+                <a:latin typeface="Courier New" charset="0"/>
+                <a:cs typeface="Courier New" charset="0"/>
+              </a:rPr>
+              <a:t>, &amp;x);</a:t>
+            </a:r>
+          </a:p>
+          <a:p>
+            <a:pPr>
+              <a:lnSpc>
+                <a:spcPct val="90000"/>
+              </a:lnSpc>
+            </a:pPr>
+            <a:r>
+              <a:rPr lang="en-US" dirty="0">
+                <a:latin typeface="Arial" charset="0"/>
+                <a:cs typeface="Courier New" charset="0"/>
+              </a:rPr>
+              <a:t>Can write generic </a:t>
             </a:r>
             <a:r>
               <a:rPr lang="en-US" dirty="0" smtClean="0">
-                <a:latin typeface="Courier New" pitchFamily="49" charset="0"/>
-                <a:cs typeface="Courier New" pitchFamily="49" charset="0"/>
-              </a:rPr>
-              <a:t> </a:t>
-            </a:r>
-            <a:r>
-              <a:rPr lang="en-US" dirty="0" err="1" smtClean="0">
-                <a:latin typeface="Courier New" pitchFamily="49" charset="0"/>
-                <a:cs typeface="Courier New" pitchFamily="49" charset="0"/>
-              </a:rPr>
-              <a:t>fgetc</a:t>
-            </a:r>
-            <a:r>
-              <a:rPr lang="en-US" dirty="0" smtClean="0">
-                <a:latin typeface="Courier New" pitchFamily="49" charset="0"/>
-                <a:cs typeface="Courier New" pitchFamily="49" charset="0"/>
-              </a:rPr>
-              <a:t>(FILE *stream);</a:t>
-            </a:r>
-          </a:p>
-          <a:p>
-            <a:pPr lvl="1">
-              <a:buFont typeface="Wingdings" pitchFamily="1" charset="2"/>
-              <a:buChar char="q"/>
-              <a:defRPr/>
-            </a:pPr>
-            <a:r>
-              <a:rPr lang="en-US" dirty="0" err="1" smtClean="0">
-                <a:latin typeface="Courier New" pitchFamily="49" charset="0"/>
-                <a:cs typeface="Courier New" pitchFamily="49" charset="0"/>
-              </a:rPr>
-              <a:t>int</a:t>
-            </a:r>
-            <a:r>
-              <a:rPr lang="en-US" dirty="0" smtClean="0">
-                <a:latin typeface="Courier New" pitchFamily="49" charset="0"/>
-                <a:cs typeface="Courier New" pitchFamily="49" charset="0"/>
-              </a:rPr>
-              <a:t> </a:t>
-            </a:r>
-            <a:r>
-              <a:rPr lang="en-US" dirty="0" err="1" smtClean="0">
-                <a:latin typeface="Courier New" pitchFamily="49" charset="0"/>
-                <a:cs typeface="Courier New" pitchFamily="49" charset="0"/>
-              </a:rPr>
-              <a:t>getchar</a:t>
-            </a:r>
-            <a:r>
-              <a:rPr lang="en-US" dirty="0" smtClean="0">
-                <a:latin typeface="Courier New" pitchFamily="49" charset="0"/>
-                <a:cs typeface="Courier New" pitchFamily="49" charset="0"/>
-              </a:rPr>
-              <a:t>();</a:t>
-            </a:r>
-          </a:p>
-          <a:p>
-            <a:pPr lvl="1">
-              <a:buFont typeface="Wingdings" pitchFamily="2" charset="2"/>
-              <a:buChar char="q"/>
-              <a:defRPr/>
-            </a:pPr>
-            <a:r>
-              <a:rPr lang="en-US" dirty="0" err="1" smtClean="0">
-                <a:latin typeface="Courier New" pitchFamily="49" charset="0"/>
-                <a:cs typeface="Courier New" pitchFamily="49" charset="0"/>
-              </a:rPr>
-              <a:t>int</a:t>
-            </a:r>
-            <a:r>
-              <a:rPr lang="en-US" dirty="0" smtClean="0">
-                <a:latin typeface="Courier New" pitchFamily="49" charset="0"/>
-                <a:cs typeface="Courier New" pitchFamily="49" charset="0"/>
-              </a:rPr>
-              <a:t> </a:t>
-            </a:r>
-            <a:r>
-              <a:rPr lang="en-US" dirty="0" err="1" smtClean="0">
-                <a:latin typeface="Courier New" pitchFamily="49" charset="0"/>
-                <a:cs typeface="Courier New" pitchFamily="49" charset="0"/>
-              </a:rPr>
-              <a:t>ungetc</a:t>
-            </a:r>
-            <a:r>
-              <a:rPr lang="en-US" dirty="0" smtClean="0">
-                <a:latin typeface="Courier New" pitchFamily="49" charset="0"/>
-                <a:cs typeface="Courier New" pitchFamily="49" charset="0"/>
-              </a:rPr>
-              <a:t>(</a:t>
-            </a:r>
-            <a:r>
-              <a:rPr lang="en-US" dirty="0" err="1" smtClean="0">
-                <a:latin typeface="Courier New" pitchFamily="49" charset="0"/>
-                <a:cs typeface="Courier New" pitchFamily="49" charset="0"/>
-              </a:rPr>
-              <a:t>int</a:t>
-            </a:r>
-            <a:r>
-              <a:rPr lang="en-US" dirty="0" smtClean="0">
-                <a:latin typeface="Courier New" pitchFamily="49" charset="0"/>
-                <a:cs typeface="Courier New" pitchFamily="49" charset="0"/>
-              </a:rPr>
-              <a:t> c, FILE *stream);</a:t>
-            </a:r>
-          </a:p>
-          <a:p>
-            <a:pPr>
-              <a:buFont typeface="Wingdings" pitchFamily="2" charset="2"/>
-              <a:buChar char="n"/>
-              <a:defRPr/>
-            </a:pPr>
-            <a:r>
-              <a:rPr lang="en-US" dirty="0" smtClean="0">
-                <a:ea typeface="+mn-ea"/>
-                <a:cs typeface="Courier New" pitchFamily="49" charset="0"/>
-              </a:rPr>
-              <a:t>Line input</a:t>
-            </a:r>
-          </a:p>
-          <a:p>
-            <a:pPr lvl="1">
-              <a:buFont typeface="Wingdings" pitchFamily="1" charset="2"/>
-              <a:buChar char="q"/>
-              <a:defRPr/>
-            </a:pPr>
-            <a:r>
-              <a:rPr lang="en-US" dirty="0" smtClean="0">
-                <a:latin typeface="Courier New" pitchFamily="49" charset="0"/>
-                <a:cs typeface="Courier New" pitchFamily="49" charset="0"/>
-              </a:rPr>
-              <a:t>char </a:t>
+                <a:latin typeface="Arial" charset="0"/>
+                <a:cs typeface="Courier New" charset="0"/>
+              </a:rPr>
+              <a:t>code that deals either </a:t>
             </a:r>
             <a:r>
               <a:rPr lang="en-US" dirty="0">
-                <a:latin typeface="Courier New" pitchFamily="49" charset="0"/>
-                <a:cs typeface="Courier New" pitchFamily="49" charset="0"/>
-              </a:rPr>
-              <a:t>*</a:t>
-            </a:r>
-            <a:r>
-              <a:rPr lang="en-US" dirty="0" err="1">
-                <a:latin typeface="Courier New" pitchFamily="49" charset="0"/>
-                <a:cs typeface="Courier New" pitchFamily="49" charset="0"/>
-              </a:rPr>
-              <a:t>fgets</a:t>
-            </a:r>
-            <a:r>
-              <a:rPr lang="en-US" dirty="0">
-                <a:latin typeface="Courier New" pitchFamily="49" charset="0"/>
-                <a:cs typeface="Courier New" pitchFamily="49" charset="0"/>
-              </a:rPr>
-              <a:t>(char *s, </a:t>
-            </a:r>
-            <a:r>
-              <a:rPr lang="en-US" dirty="0" err="1">
-                <a:latin typeface="Courier New" pitchFamily="49" charset="0"/>
-                <a:cs typeface="Courier New" pitchFamily="49" charset="0"/>
-              </a:rPr>
-              <a:t>int</a:t>
-            </a:r>
-            <a:r>
-              <a:rPr lang="en-US" dirty="0">
-                <a:latin typeface="Courier New" pitchFamily="49" charset="0"/>
-                <a:cs typeface="Courier New" pitchFamily="49" charset="0"/>
-              </a:rPr>
-              <a:t> </a:t>
-            </a:r>
-            <a:r>
-              <a:rPr lang="en-US" dirty="0" smtClean="0">
-                <a:latin typeface="Courier New" pitchFamily="49" charset="0"/>
-                <a:cs typeface="Courier New" pitchFamily="49" charset="0"/>
-              </a:rPr>
-              <a:t>n, FILE </a:t>
-            </a:r>
-            <a:r>
-              <a:rPr lang="en-US" dirty="0">
-                <a:latin typeface="Courier New" pitchFamily="49" charset="0"/>
-                <a:cs typeface="Courier New" pitchFamily="49" charset="0"/>
-              </a:rPr>
-              <a:t>*stream</a:t>
-            </a:r>
-            <a:r>
-              <a:rPr lang="en-US" dirty="0" smtClean="0">
-                <a:latin typeface="Courier New" pitchFamily="49" charset="0"/>
-                <a:cs typeface="Courier New" pitchFamily="49" charset="0"/>
-              </a:rPr>
-              <a:t>);</a:t>
-            </a:r>
-            <a:endParaRPr lang="en-US" dirty="0" smtClean="0">
-              <a:latin typeface="Courier New" pitchFamily="49" charset="0"/>
-              <a:ea typeface="+mn-ea"/>
-              <a:cs typeface="Courier New" pitchFamily="49" charset="0"/>
-            </a:endParaRPr>
-          </a:p>
-          <a:p>
-            <a:pPr lvl="1">
-              <a:buFont typeface="Wingdings" pitchFamily="1" charset="2"/>
-              <a:buChar char="q"/>
-              <a:defRPr/>
-            </a:pPr>
-            <a:endParaRPr lang="en-US" dirty="0" smtClean="0"/>
-          </a:p>
-        </p:txBody>
-      </p:sp>
-      <p:sp>
-        <p:nvSpPr>
-          <p:cNvPr id="25603" name="Date Placeholder 3"/>
+                <a:latin typeface="Arial" charset="0"/>
+                <a:cs typeface="Courier New" charset="0"/>
+              </a:rPr>
+              <a:t>with specific file or standard input/output</a:t>
+            </a:r>
+          </a:p>
+        </p:txBody>
+      </p:sp>
+      <p:sp>
+        <p:nvSpPr>
+          <p:cNvPr id="4" name="Date Placeholder 3"/>
           <p:cNvSpPr>
             <a:spLocks noGrp="1"/>
           </p:cNvSpPr>
@@ -6695,76 +6808,58 @@
             <p:ph type="dt" sz="quarter" idx="10"/>
           </p:nvPr>
         </p:nvSpPr>
-        <p:spPr>
-          <a:noFill/>
-          <a:ln/>
-          <a:extLst>
-            <a:ext uri="{909E8E84-426E-40dd-AFC4-6F175D3DCCD1}">
-              <a14:hiddenFill xmlns:a14="http://schemas.microsoft.com/office/drawing/2010/main" xmlns="">
-                <a:solidFill>
-                  <a:srgbClr val="FFFFFF"/>
-                </a:solidFill>
-              </a14:hiddenFill>
-            </a:ext>
-            <a:ext uri="{91240B29-F687-4f45-9708-019B960494DF}">
-              <a14:hiddenLine xmlns:a14="http://schemas.microsoft.com/office/drawing/2010/main" xmlns="" w="9525">
-                <a:solidFill>
-                  <a:srgbClr val="000000"/>
-                </a:solidFill>
-                <a:miter lim="800000"/>
-                <a:headEnd/>
-                <a:tailEnd/>
-              </a14:hiddenLine>
-            </a:ext>
-          </a:extLst>
-        </p:spPr>
+        <p:spPr/>
         <p:txBody>
           <a:bodyPr/>
           <a:lstStyle>
             <a:lvl1pPr eaLnBrk="0" hangingPunct="0">
-              <a:defRPr sz="2400">
-                <a:solidFill>
-                  <a:schemeClr val="tx1"/>
-                </a:solidFill>
-                <a:latin typeface="Arial" charset="0"/>
-                <a:ea typeface="ＭＳ Ｐゴシック" charset="0"/>
-                <a:cs typeface="ＭＳ Ｐゴシック" charset="0"/>
+              <a:defRPr>
+                <a:solidFill>
+                  <a:schemeClr val="tx1"/>
+                </a:solidFill>
+                <a:latin typeface="Arial" charset="0"/>
+                <a:ea typeface="ＭＳ Ｐゴシック" charset="0"/>
+                <a:cs typeface="Arial" charset="0"/>
               </a:defRPr>
             </a:lvl1pPr>
             <a:lvl2pPr marL="742950" indent="-285750" eaLnBrk="0" hangingPunct="0">
-              <a:defRPr sz="2400">
-                <a:solidFill>
-                  <a:schemeClr val="tx1"/>
-                </a:solidFill>
-                <a:latin typeface="Arial" charset="0"/>
-                <a:ea typeface="ＭＳ Ｐゴシック" charset="0"/>
+              <a:defRPr>
+                <a:solidFill>
+                  <a:schemeClr val="tx1"/>
+                </a:solidFill>
+                <a:latin typeface="Arial" charset="0"/>
+                <a:ea typeface="Arial" charset="0"/>
+                <a:cs typeface="Arial" charset="0"/>
               </a:defRPr>
             </a:lvl2pPr>
             <a:lvl3pPr marL="1143000" indent="-228600" eaLnBrk="0" hangingPunct="0">
-              <a:defRPr sz="2400">
-                <a:solidFill>
-                  <a:schemeClr val="tx1"/>
-                </a:solidFill>
-                <a:latin typeface="Arial" charset="0"/>
-                <a:ea typeface="ＭＳ Ｐゴシック" charset="0"/>
+              <a:defRPr>
+                <a:solidFill>
+                  <a:schemeClr val="tx1"/>
+                </a:solidFill>
+                <a:latin typeface="Arial" charset="0"/>
+                <a:ea typeface="Arial" charset="0"/>
+                <a:cs typeface="Arial" charset="0"/>
               </a:defRPr>
             </a:lvl3pPr>
             <a:lvl4pPr marL="1600200" indent="-228600" eaLnBrk="0" hangingPunct="0">
-              <a:defRPr sz="2400">
-                <a:solidFill>
-                  <a:schemeClr val="tx1"/>
-                </a:solidFill>
-                <a:latin typeface="Arial" charset="0"/>
-                <a:ea typeface="ＭＳ Ｐゴシック" charset="0"/>
+              <a:defRPr>
+                <a:solidFill>
+                  <a:schemeClr val="tx1"/>
+                </a:solidFill>
+                <a:latin typeface="Arial" charset="0"/>
+                <a:ea typeface="Arial" charset="0"/>
+                <a:cs typeface="Arial" charset="0"/>
               </a:defRPr>
             </a:lvl4pPr>
             <a:lvl5pPr marL="2057400" indent="-228600" eaLnBrk="0" hangingPunct="0">
-              <a:defRPr sz="2400">
-                <a:solidFill>
-                  <a:schemeClr val="tx1"/>
-                </a:solidFill>
-                <a:latin typeface="Arial" charset="0"/>
-                <a:ea typeface="ＭＳ Ｐゴシック" charset="0"/>
+              <a:defRPr>
+                <a:solidFill>
+                  <a:schemeClr val="tx1"/>
+                </a:solidFill>
+                <a:latin typeface="Arial" charset="0"/>
+                <a:ea typeface="Arial" charset="0"/>
+                <a:cs typeface="Arial" charset="0"/>
               </a:defRPr>
             </a:lvl5pPr>
             <a:lvl6pPr marL="2514600" indent="-228600" eaLnBrk="0" fontAlgn="base" hangingPunct="0">
@@ -6774,12 +6869,13 @@
               <a:spcAft>
                 <a:spcPct val="0"/>
               </a:spcAft>
-              <a:defRPr sz="2400">
-                <a:solidFill>
-                  <a:schemeClr val="tx1"/>
-                </a:solidFill>
-                <a:latin typeface="Arial" charset="0"/>
-                <a:ea typeface="ＭＳ Ｐゴシック" charset="0"/>
+              <a:defRPr>
+                <a:solidFill>
+                  <a:schemeClr val="tx1"/>
+                </a:solidFill>
+                <a:latin typeface="Arial" charset="0"/>
+                <a:ea typeface="Arial" charset="0"/>
+                <a:cs typeface="Arial" charset="0"/>
               </a:defRPr>
             </a:lvl6pPr>
             <a:lvl7pPr marL="2971800" indent="-228600" eaLnBrk="0" fontAlgn="base" hangingPunct="0">
@@ -6789,12 +6885,13 @@
               <a:spcAft>
                 <a:spcPct val="0"/>
               </a:spcAft>
-              <a:defRPr sz="2400">
-                <a:solidFill>
-                  <a:schemeClr val="tx1"/>
-                </a:solidFill>
-                <a:latin typeface="Arial" charset="0"/>
-                <a:ea typeface="ＭＳ Ｐゴシック" charset="0"/>
+              <a:defRPr>
+                <a:solidFill>
+                  <a:schemeClr val="tx1"/>
+                </a:solidFill>
+                <a:latin typeface="Arial" charset="0"/>
+                <a:ea typeface="Arial" charset="0"/>
+                <a:cs typeface="Arial" charset="0"/>
               </a:defRPr>
             </a:lvl7pPr>
             <a:lvl8pPr marL="3429000" indent="-228600" eaLnBrk="0" fontAlgn="base" hangingPunct="0">
@@ -6804,12 +6901,13 @@
               <a:spcAft>
                 <a:spcPct val="0"/>
               </a:spcAft>
-              <a:defRPr sz="2400">
-                <a:solidFill>
-                  <a:schemeClr val="tx1"/>
-                </a:solidFill>
-                <a:latin typeface="Arial" charset="0"/>
-                <a:ea typeface="ＭＳ Ｐゴシック" charset="0"/>
+              <a:defRPr>
+                <a:solidFill>
+                  <a:schemeClr val="tx1"/>
+                </a:solidFill>
+                <a:latin typeface="Arial" charset="0"/>
+                <a:ea typeface="Arial" charset="0"/>
+                <a:cs typeface="Arial" charset="0"/>
               </a:defRPr>
             </a:lvl8pPr>
             <a:lvl9pPr marL="3886200" indent="-228600" eaLnBrk="0" fontAlgn="base" hangingPunct="0">
@@ -6819,24 +6917,25 @@
               <a:spcAft>
                 <a:spcPct val="0"/>
               </a:spcAft>
-              <a:defRPr sz="2400">
-                <a:solidFill>
-                  <a:schemeClr val="tx1"/>
-                </a:solidFill>
-                <a:latin typeface="Arial" charset="0"/>
-                <a:ea typeface="ＭＳ Ｐゴシック" charset="0"/>
+              <a:defRPr>
+                <a:solidFill>
+                  <a:schemeClr val="tx1"/>
+                </a:solidFill>
+                <a:latin typeface="Arial" charset="0"/>
+                <a:ea typeface="Arial" charset="0"/>
+                <a:cs typeface="Arial" charset="0"/>
               </a:defRPr>
             </a:lvl9pPr>
           </a:lstStyle>
           <a:p>
             <a:pPr eaLnBrk="1" hangingPunct="1"/>
-            <a:fld id="{F16E52EF-532F-CC49-AF34-5FFAA95F94EC}" type="datetime1">
-              <a:rPr lang="en-US" sz="1200" smtClean="0">
+            <a:fld id="{2C1724BC-7274-1540-962F-632B55B96563}" type="datetime1">
+              <a:rPr lang="en-US" smtClean="0">
                 <a:latin typeface="Garamond" charset="0"/>
               </a:rPr>
-              <a:t>12/11/18</a:t>
+              <a:t>12/12/18</a:t>
             </a:fld>
-            <a:endParaRPr lang="en-US" sz="1200">
+            <a:endParaRPr lang="en-US">
               <a:latin typeface="Garamond" charset="0"/>
             </a:endParaRPr>
           </a:p>
@@ -6870,7 +6969,7 @@
       </p:sp>
       <p:sp>
         <p:nvSpPr>
-          <p:cNvPr id="25605" name="Slide Number Placeholder 5"/>
+          <p:cNvPr id="6" name="Slide Number Placeholder 5"/>
           <p:cNvSpPr>
             <a:spLocks noGrp="1"/>
           </p:cNvSpPr>
@@ -6878,76 +6977,58 @@
             <p:ph type="sldNum" sz="quarter" idx="12"/>
           </p:nvPr>
         </p:nvSpPr>
-        <p:spPr>
-          <a:noFill/>
-          <a:ln/>
-          <a:extLst>
-            <a:ext uri="{909E8E84-426E-40dd-AFC4-6F175D3DCCD1}">
-              <a14:hiddenFill xmlns:a14="http://schemas.microsoft.com/office/drawing/2010/main" xmlns="">
-                <a:solidFill>
-                  <a:srgbClr val="FFFFFF"/>
-                </a:solidFill>
-              </a14:hiddenFill>
-            </a:ext>
-            <a:ext uri="{91240B29-F687-4f45-9708-019B960494DF}">
-              <a14:hiddenLine xmlns:a14="http://schemas.microsoft.com/office/drawing/2010/main" xmlns="" w="9525">
-                <a:solidFill>
-                  <a:srgbClr val="000000"/>
-                </a:solidFill>
-                <a:miter lim="800000"/>
-                <a:headEnd/>
-                <a:tailEnd/>
-              </a14:hiddenLine>
-            </a:ext>
-          </a:extLst>
-        </p:spPr>
+        <p:spPr/>
         <p:txBody>
           <a:bodyPr/>
           <a:lstStyle>
             <a:lvl1pPr eaLnBrk="0" hangingPunct="0">
-              <a:defRPr sz="2400">
-                <a:solidFill>
-                  <a:schemeClr val="tx1"/>
-                </a:solidFill>
-                <a:latin typeface="Arial" charset="0"/>
-                <a:ea typeface="ＭＳ Ｐゴシック" charset="0"/>
-                <a:cs typeface="ＭＳ Ｐゴシック" charset="0"/>
+              <a:defRPr>
+                <a:solidFill>
+                  <a:schemeClr val="tx1"/>
+                </a:solidFill>
+                <a:latin typeface="Arial" charset="0"/>
+                <a:ea typeface="ＭＳ Ｐゴシック" charset="0"/>
+                <a:cs typeface="Arial" charset="0"/>
               </a:defRPr>
             </a:lvl1pPr>
             <a:lvl2pPr marL="742950" indent="-285750" eaLnBrk="0" hangingPunct="0">
-              <a:defRPr sz="2400">
-                <a:solidFill>
-                  <a:schemeClr val="tx1"/>
-                </a:solidFill>
-                <a:latin typeface="Arial" charset="0"/>
-                <a:ea typeface="ＭＳ Ｐゴシック" charset="0"/>
+              <a:defRPr>
+                <a:solidFill>
+                  <a:schemeClr val="tx1"/>
+                </a:solidFill>
+                <a:latin typeface="Arial" charset="0"/>
+                <a:ea typeface="Arial" charset="0"/>
+                <a:cs typeface="Arial" charset="0"/>
               </a:defRPr>
             </a:lvl2pPr>
             <a:lvl3pPr marL="1143000" indent="-228600" eaLnBrk="0" hangingPunct="0">
-              <a:defRPr sz="2400">
-                <a:solidFill>
-                  <a:schemeClr val="tx1"/>
-                </a:solidFill>
-                <a:latin typeface="Arial" charset="0"/>
-                <a:ea typeface="ＭＳ Ｐゴシック" charset="0"/>
+              <a:defRPr>
+                <a:solidFill>
+                  <a:schemeClr val="tx1"/>
+                </a:solidFill>
+                <a:latin typeface="Arial" charset="0"/>
+                <a:ea typeface="Arial" charset="0"/>
+                <a:cs typeface="Arial" charset="0"/>
               </a:defRPr>
             </a:lvl3pPr>
             <a:lvl4pPr marL="1600200" indent="-228600" eaLnBrk="0" hangingPunct="0">
-              <a:defRPr sz="2400">
-                <a:solidFill>
-                  <a:schemeClr val="tx1"/>
-                </a:solidFill>
-                <a:latin typeface="Arial" charset="0"/>
-                <a:ea typeface="ＭＳ Ｐゴシック" charset="0"/>
+              <a:defRPr>
+                <a:solidFill>
+                  <a:schemeClr val="tx1"/>
+                </a:solidFill>
+                <a:latin typeface="Arial" charset="0"/>
+                <a:ea typeface="Arial" charset="0"/>
+                <a:cs typeface="Arial" charset="0"/>
               </a:defRPr>
             </a:lvl4pPr>
             <a:lvl5pPr marL="2057400" indent="-228600" eaLnBrk="0" hangingPunct="0">
-              <a:defRPr sz="2400">
-                <a:solidFill>
-                  <a:schemeClr val="tx1"/>
-                </a:solidFill>
-                <a:latin typeface="Arial" charset="0"/>
-                <a:ea typeface="ＭＳ Ｐゴシック" charset="0"/>
+              <a:defRPr>
+                <a:solidFill>
+                  <a:schemeClr val="tx1"/>
+                </a:solidFill>
+                <a:latin typeface="Arial" charset="0"/>
+                <a:ea typeface="Arial" charset="0"/>
+                <a:cs typeface="Arial" charset="0"/>
               </a:defRPr>
             </a:lvl5pPr>
             <a:lvl6pPr marL="2514600" indent="-228600" eaLnBrk="0" fontAlgn="base" hangingPunct="0">
@@ -6957,12 +7038,13 @@
               <a:spcAft>
                 <a:spcPct val="0"/>
               </a:spcAft>
-              <a:defRPr sz="2400">
-                <a:solidFill>
-                  <a:schemeClr val="tx1"/>
-                </a:solidFill>
-                <a:latin typeface="Arial" charset="0"/>
-                <a:ea typeface="ＭＳ Ｐゴシック" charset="0"/>
+              <a:defRPr>
+                <a:solidFill>
+                  <a:schemeClr val="tx1"/>
+                </a:solidFill>
+                <a:latin typeface="Arial" charset="0"/>
+                <a:ea typeface="Arial" charset="0"/>
+                <a:cs typeface="Arial" charset="0"/>
               </a:defRPr>
             </a:lvl6pPr>
             <a:lvl7pPr marL="2971800" indent="-228600" eaLnBrk="0" fontAlgn="base" hangingPunct="0">
@@ -6972,12 +7054,13 @@
               <a:spcAft>
                 <a:spcPct val="0"/>
               </a:spcAft>
-              <a:defRPr sz="2400">
-                <a:solidFill>
-                  <a:schemeClr val="tx1"/>
-                </a:solidFill>
-                <a:latin typeface="Arial" charset="0"/>
-                <a:ea typeface="ＭＳ Ｐゴシック" charset="0"/>
+              <a:defRPr>
+                <a:solidFill>
+                  <a:schemeClr val="tx1"/>
+                </a:solidFill>
+                <a:latin typeface="Arial" charset="0"/>
+                <a:ea typeface="Arial" charset="0"/>
+                <a:cs typeface="Arial" charset="0"/>
               </a:defRPr>
             </a:lvl7pPr>
             <a:lvl8pPr marL="3429000" indent="-228600" eaLnBrk="0" fontAlgn="base" hangingPunct="0">
@@ -6987,12 +7070,13 @@
               <a:spcAft>
                 <a:spcPct val="0"/>
               </a:spcAft>
-              <a:defRPr sz="2400">
-                <a:solidFill>
-                  <a:schemeClr val="tx1"/>
-                </a:solidFill>
-                <a:latin typeface="Arial" charset="0"/>
-                <a:ea typeface="ＭＳ Ｐゴシック" charset="0"/>
+              <a:defRPr>
+                <a:solidFill>
+                  <a:schemeClr val="tx1"/>
+                </a:solidFill>
+                <a:latin typeface="Arial" charset="0"/>
+                <a:ea typeface="Arial" charset="0"/>
+                <a:cs typeface="Arial" charset="0"/>
               </a:defRPr>
             </a:lvl8pPr>
             <a:lvl9pPr marL="3886200" indent="-228600" eaLnBrk="0" fontAlgn="base" hangingPunct="0">
@@ -7002,25 +7086,26 @@
               <a:spcAft>
                 <a:spcPct val="0"/>
               </a:spcAft>
-              <a:defRPr sz="2400">
-                <a:solidFill>
-                  <a:schemeClr val="tx1"/>
-                </a:solidFill>
-                <a:latin typeface="Arial" charset="0"/>
-                <a:ea typeface="ＭＳ Ｐゴシック" charset="0"/>
+              <a:defRPr>
+                <a:solidFill>
+                  <a:schemeClr val="tx1"/>
+                </a:solidFill>
+                <a:latin typeface="Arial" charset="0"/>
+                <a:ea typeface="Arial" charset="0"/>
+                <a:cs typeface="Arial" charset="0"/>
               </a:defRPr>
             </a:lvl9pPr>
           </a:lstStyle>
           <a:p>
             <a:pPr eaLnBrk="1" hangingPunct="1"/>
-            <a:fld id="{70A6253D-13DB-EE49-999B-1EB0DFDA76DB}" type="slidenum">
-              <a:rPr lang="en-US" sz="1200">
+            <a:fld id="{DDCD016F-B84D-D846-96CA-33B40BE22D67}" type="slidenum">
+              <a:rPr lang="en-US">
                 <a:latin typeface="Garamond" charset="0"/>
               </a:rPr>
               <a:pPr eaLnBrk="1" hangingPunct="1"/>
               <a:t>11</a:t>
             </a:fld>
-            <a:endParaRPr lang="en-US" sz="1200">
+            <a:endParaRPr lang="en-US">
               <a:latin typeface="Garamond" charset="0"/>
             </a:endParaRPr>
           </a:p>
@@ -7029,7 +7114,7 @@
     </p:spTree>
     <p:extLst>
       <p:ext uri="{BB962C8B-B14F-4D97-AF65-F5344CB8AC3E}">
-        <p14:creationId xmlns:p14="http://schemas.microsoft.com/office/powerpoint/2010/main" val="1033930952"/>
+        <p14:creationId xmlns:p14="http://schemas.microsoft.com/office/powerpoint/2010/main" val="757803594"/>
       </p:ext>
     </p:extLst>
   </p:cSld>
@@ -7065,7 +7150,7 @@
       </p:grpSpPr>
       <p:sp>
         <p:nvSpPr>
-          <p:cNvPr id="2" name="Title 1"/>
+          <p:cNvPr id="8194" name="Title 1"/>
           <p:cNvSpPr>
             <a:spLocks noGrp="1"/>
           </p:cNvSpPr>
@@ -7079,16 +7164,32 @@
           <a:lstStyle/>
           <a:p>
             <a:r>
-              <a:rPr lang="en-US" dirty="0" smtClean="0"/>
-              <a:t>Review: binary and hexadecimal</a:t>
-            </a:r>
-            <a:endParaRPr lang="en-US" dirty="0"/>
-          </a:p>
-        </p:txBody>
-      </p:sp>
-      <p:sp>
-        <p:nvSpPr>
-          <p:cNvPr id="3" name="Content Placeholder 2"/>
+              <a:rPr lang="en-US" dirty="0" smtClean="0">
+                <a:latin typeface="Garamond" charset="0"/>
+              </a:rPr>
+              <a:t>Review: End </a:t>
+            </a:r>
+            <a:r>
+              <a:rPr lang="en-US">
+                <a:latin typeface="Garamond" charset="0"/>
+              </a:rPr>
+              <a:t>of </a:t>
+            </a:r>
+            <a:r>
+              <a:rPr lang="en-US" smtClean="0">
+                <a:latin typeface="Garamond" charset="0"/>
+              </a:rPr>
+              <a:t>file</a:t>
+            </a:r>
+            <a:endParaRPr lang="en-US" dirty="0">
+              <a:latin typeface="Garamond" charset="0"/>
+            </a:endParaRPr>
+          </a:p>
+        </p:txBody>
+      </p:sp>
+      <p:sp>
+        <p:nvSpPr>
+          <p:cNvPr id="15363" name="Content Placeholder 2"/>
           <p:cNvSpPr>
             <a:spLocks noGrp="1"/>
           </p:cNvSpPr>
@@ -7099,156 +7200,257 @@
         <p:spPr/>
         <p:txBody>
           <a:bodyPr>
-            <a:normAutofit fontScale="92500" lnSpcReduction="10000"/>
+            <a:normAutofit/>
           </a:bodyPr>
           <a:lstStyle/>
           <a:p>
-            <a:r>
-              <a:rPr lang="en-US" dirty="0" smtClean="0"/>
-              <a:t>All data encoded in binary (base 2)</a:t>
-            </a:r>
-          </a:p>
-          <a:p>
-            <a:pPr lvl="1"/>
-            <a:r>
-              <a:rPr lang="en-US" dirty="0" smtClean="0"/>
-              <a:t>Useful knowing bit patterns to evaluate bitwise ops</a:t>
-            </a:r>
-          </a:p>
-          <a:p>
-            <a:r>
-              <a:rPr lang="en-US" dirty="0" smtClean="0"/>
-              <a:t>Hexadecimal (base 16) used with bitwise ops</a:t>
-            </a:r>
-          </a:p>
-          <a:p>
-            <a:pPr lvl="1"/>
-            <a:r>
-              <a:rPr lang="en-US" dirty="0" smtClean="0"/>
-              <a:t>Closer to binary than base 10 is</a:t>
-            </a:r>
-          </a:p>
-          <a:p>
-            <a:pPr lvl="1"/>
-            <a:r>
-              <a:rPr lang="en-US" dirty="0" smtClean="0"/>
-              <a:t>Each hexadecimal digit = 4 bits</a:t>
-            </a:r>
-          </a:p>
-          <a:p>
-            <a:pPr lvl="1"/>
-            <a:r>
-              <a:rPr lang="en-US" dirty="0"/>
-              <a:t>Leading </a:t>
-            </a:r>
-            <a:r>
-              <a:rPr lang="en-US" dirty="0" smtClean="0"/>
-              <a:t>0x indicates hexadecimal constant</a:t>
-            </a:r>
-            <a:endParaRPr lang="en-US" dirty="0"/>
-          </a:p>
-          <a:p>
-            <a:pPr lvl="1"/>
-            <a:r>
-              <a:rPr lang="en-US" dirty="0" smtClean="0"/>
-              <a:t>Digits 0-9 same as decimal, 10-15 = A-F</a:t>
-            </a:r>
-          </a:p>
-          <a:p>
-            <a:pPr lvl="2"/>
-            <a:r>
-              <a:rPr lang="en-US" dirty="0" smtClean="0"/>
-              <a:t>0x0 = 0000</a:t>
-            </a:r>
-            <a:r>
-              <a:rPr lang="en-US" baseline="-25000" dirty="0" smtClean="0"/>
-              <a:t>2</a:t>
-            </a:r>
-            <a:r>
-              <a:rPr lang="en-US" dirty="0" smtClean="0"/>
-              <a:t>, 0x1 = 0001</a:t>
-            </a:r>
-            <a:r>
-              <a:rPr lang="en-US" baseline="-25000" dirty="0" smtClean="0"/>
-              <a:t>2</a:t>
-            </a:r>
-            <a:r>
-              <a:rPr lang="en-US" dirty="0" smtClean="0"/>
-              <a:t> </a:t>
-            </a:r>
-            <a:r>
-              <a:rPr lang="mr-IN" dirty="0" smtClean="0"/>
-              <a:t>…</a:t>
-            </a:r>
-            <a:r>
-              <a:rPr lang="en-US" dirty="0" smtClean="0"/>
-              <a:t> 0x9 = 1001</a:t>
-            </a:r>
-            <a:r>
-              <a:rPr lang="en-US" baseline="-25000" dirty="0" smtClean="0"/>
-              <a:t>2</a:t>
-            </a:r>
-            <a:endParaRPr lang="en-US" dirty="0" smtClean="0"/>
-          </a:p>
-          <a:p>
-            <a:pPr lvl="2"/>
-            <a:r>
-              <a:rPr lang="en-US" dirty="0" smtClean="0"/>
-              <a:t>0xA = 1010</a:t>
-            </a:r>
-            <a:r>
-              <a:rPr lang="en-US" baseline="-25000" dirty="0" smtClean="0"/>
-              <a:t>2</a:t>
-            </a:r>
-            <a:r>
-              <a:rPr lang="en-US" dirty="0" smtClean="0"/>
-              <a:t>, 0xB = 1011</a:t>
-            </a:r>
-            <a:r>
-              <a:rPr lang="en-US" baseline="-25000" dirty="0" smtClean="0"/>
-              <a:t>2</a:t>
-            </a:r>
-            <a:r>
-              <a:rPr lang="en-US" dirty="0" smtClean="0"/>
-              <a:t> </a:t>
-            </a:r>
-            <a:r>
-              <a:rPr lang="mr-IN" dirty="0" smtClean="0"/>
-              <a:t>…</a:t>
-            </a:r>
-            <a:r>
-              <a:rPr lang="en-US" dirty="0" smtClean="0"/>
-              <a:t> 0xF = 1111</a:t>
-            </a:r>
-            <a:r>
-              <a:rPr lang="en-US" baseline="-25000" dirty="0" smtClean="0"/>
-              <a:t>2</a:t>
-            </a:r>
-          </a:p>
-          <a:p>
-            <a:r>
-              <a:rPr lang="en-US" dirty="0" smtClean="0"/>
-              <a:t>Variables typically declared as unsigned </a:t>
-            </a:r>
-            <a:r>
-              <a:rPr lang="en-US" dirty="0" err="1" smtClean="0"/>
-              <a:t>int</a:t>
-            </a:r>
-            <a:endParaRPr lang="en-US" dirty="0" smtClean="0"/>
-          </a:p>
-          <a:p>
-            <a:pPr lvl="1"/>
-            <a:r>
-              <a:rPr lang="en-US" dirty="0" smtClean="0"/>
-              <a:t>Strictly non-negative whole numbers</a:t>
-            </a:r>
-          </a:p>
-          <a:p>
-            <a:pPr lvl="1"/>
-            <a:r>
-              <a:rPr lang="en-US" dirty="0" smtClean="0"/>
-              <a:t>32 bits in length</a:t>
-            </a:r>
+            <a:pPr>
+              <a:lnSpc>
+                <a:spcPct val="90000"/>
+              </a:lnSpc>
+            </a:pPr>
+            <a:r>
+              <a:rPr lang="en-US" sz="2800" dirty="0">
+                <a:latin typeface="Arial" charset="0"/>
+              </a:rPr>
+              <a:t>Two ways to check for end of file:</a:t>
+            </a:r>
+          </a:p>
+          <a:p>
+            <a:pPr lvl="1">
+              <a:lnSpc>
+                <a:spcPct val="90000"/>
+              </a:lnSpc>
+            </a:pPr>
+            <a:r>
+              <a:rPr lang="en-US" sz="2400" dirty="0" smtClean="0">
+                <a:latin typeface="Arial" charset="0"/>
+              </a:rPr>
+              <a:t>Text files: </a:t>
+            </a:r>
+            <a:r>
+              <a:rPr lang="en-US" sz="2400" dirty="0">
+                <a:latin typeface="Arial" charset="0"/>
+              </a:rPr>
+              <a:t>Check if </a:t>
+            </a:r>
+            <a:r>
+              <a:rPr lang="en-US" sz="2400" dirty="0" err="1">
+                <a:latin typeface="Courier New" charset="0"/>
+                <a:cs typeface="Courier New" charset="0"/>
+              </a:rPr>
+              <a:t>fscanf</a:t>
+            </a:r>
+            <a:r>
+              <a:rPr lang="en-US" sz="2400" dirty="0">
+                <a:latin typeface="Courier New" charset="0"/>
+                <a:cs typeface="Courier New" charset="0"/>
+              </a:rPr>
+              <a:t>() == EOF</a:t>
+            </a:r>
+          </a:p>
+          <a:p>
+            <a:pPr lvl="2">
+              <a:lnSpc>
+                <a:spcPct val="90000"/>
+              </a:lnSpc>
+            </a:pPr>
+            <a:r>
+              <a:rPr lang="en-US" sz="2000" dirty="0">
+                <a:latin typeface="Arial" charset="0"/>
+                <a:cs typeface="Courier New" charset="0"/>
+              </a:rPr>
+              <a:t>More common: do </a:t>
+            </a:r>
+            <a:r>
+              <a:rPr lang="en-US" sz="2000" dirty="0" err="1">
+                <a:latin typeface="Arial" charset="0"/>
+                <a:cs typeface="Courier New" charset="0"/>
+              </a:rPr>
+              <a:t>fscanf</a:t>
+            </a:r>
+            <a:r>
+              <a:rPr lang="en-US" sz="2000" dirty="0">
+                <a:latin typeface="Arial" charset="0"/>
+                <a:cs typeface="Courier New" charset="0"/>
+              </a:rPr>
+              <a:t>() as part of loop condition, and continue while EOF not reached</a:t>
+            </a:r>
+          </a:p>
+          <a:p>
+            <a:pPr lvl="2">
+              <a:lnSpc>
+                <a:spcPct val="90000"/>
+              </a:lnSpc>
+            </a:pPr>
+            <a:r>
+              <a:rPr lang="en-US" sz="2000" dirty="0">
+                <a:latin typeface="Arial" charset="0"/>
+                <a:cs typeface="Courier New" charset="0"/>
+              </a:rPr>
+              <a:t>e.g. </a:t>
+            </a:r>
+            <a:r>
+              <a:rPr lang="en-US" sz="2000" dirty="0">
+                <a:latin typeface="Courier New" charset="0"/>
+                <a:cs typeface="Courier New" charset="0"/>
+              </a:rPr>
+              <a:t>while (</a:t>
+            </a:r>
+            <a:r>
+              <a:rPr lang="en-US" sz="2000" dirty="0" err="1">
+                <a:latin typeface="Courier New" charset="0"/>
+                <a:cs typeface="Courier New" charset="0"/>
+              </a:rPr>
+              <a:t>fscanf</a:t>
+            </a:r>
+            <a:r>
+              <a:rPr lang="en-US" sz="2000" dirty="0">
+                <a:latin typeface="Courier New" charset="0"/>
+                <a:cs typeface="Courier New" charset="0"/>
+              </a:rPr>
+              <a:t>(</a:t>
+            </a:r>
+            <a:r>
+              <a:rPr lang="en-US" sz="2000" dirty="0" err="1">
+                <a:latin typeface="Courier New" charset="0"/>
+                <a:cs typeface="Courier New" charset="0"/>
+              </a:rPr>
+              <a:t>fp</a:t>
+            </a:r>
+            <a:r>
+              <a:rPr lang="en-US" sz="2000" dirty="0">
+                <a:latin typeface="Courier New" charset="0"/>
+                <a:cs typeface="Courier New" charset="0"/>
+              </a:rPr>
+              <a:t>, </a:t>
+            </a:r>
+            <a:r>
+              <a:rPr lang="ja-JP" altLang="en-US" sz="2000" dirty="0">
+                <a:latin typeface="Courier New" charset="0"/>
+                <a:cs typeface="Courier New" charset="0"/>
+              </a:rPr>
+              <a:t>“</a:t>
+            </a:r>
+            <a:r>
+              <a:rPr lang="en-US" sz="2000" dirty="0">
+                <a:latin typeface="Courier New" charset="0"/>
+                <a:cs typeface="Courier New" charset="0"/>
+              </a:rPr>
+              <a:t>%d</a:t>
+            </a:r>
+            <a:r>
+              <a:rPr lang="ja-JP" altLang="en-US" sz="2000" dirty="0">
+                <a:latin typeface="Courier New" charset="0"/>
+                <a:cs typeface="Courier New" charset="0"/>
+              </a:rPr>
+              <a:t>”</a:t>
+            </a:r>
+            <a:r>
+              <a:rPr lang="en-US" sz="2000" dirty="0">
+                <a:latin typeface="Courier New" charset="0"/>
+                <a:cs typeface="Courier New" charset="0"/>
+              </a:rPr>
+              <a:t>, &amp;y) != EOF)</a:t>
+            </a:r>
+          </a:p>
+          <a:p>
+            <a:pPr lvl="1">
+              <a:lnSpc>
+                <a:spcPct val="90000"/>
+              </a:lnSpc>
+            </a:pPr>
+            <a:r>
+              <a:rPr lang="en-US" sz="2400" dirty="0" smtClean="0">
+                <a:latin typeface="Arial" charset="0"/>
+              </a:rPr>
+              <a:t>Binary files: </a:t>
+            </a:r>
+            <a:r>
+              <a:rPr lang="en-US" sz="2400" dirty="0" err="1">
+                <a:latin typeface="Courier New" charset="0"/>
+                <a:cs typeface="Courier New" charset="0"/>
+              </a:rPr>
+              <a:t>feof</a:t>
+            </a:r>
+            <a:r>
+              <a:rPr lang="en-US" sz="2400" dirty="0">
+                <a:latin typeface="Courier New" charset="0"/>
+                <a:cs typeface="Courier New" charset="0"/>
+              </a:rPr>
+              <a:t>(</a:t>
+            </a:r>
+            <a:r>
+              <a:rPr lang="en-US" sz="2400" i="1" dirty="0" err="1">
+                <a:latin typeface="Courier New" charset="0"/>
+                <a:cs typeface="Courier New" charset="0"/>
+              </a:rPr>
+              <a:t>file_handle</a:t>
+            </a:r>
+            <a:r>
+              <a:rPr lang="en-US" sz="2400" i="1" dirty="0">
+                <a:latin typeface="Courier New" charset="0"/>
+                <a:cs typeface="Courier New" charset="0"/>
+              </a:rPr>
+              <a:t>);</a:t>
+            </a:r>
+            <a:endParaRPr lang="en-US" sz="2400" dirty="0">
+              <a:latin typeface="Arial" charset="0"/>
+              <a:cs typeface="Courier New" charset="0"/>
+            </a:endParaRPr>
+          </a:p>
+          <a:p>
+            <a:pPr>
+              <a:lnSpc>
+                <a:spcPct val="90000"/>
+              </a:lnSpc>
+            </a:pPr>
+            <a:r>
+              <a:rPr lang="en-US" sz="2800" dirty="0">
+                <a:latin typeface="Arial" charset="0"/>
+                <a:cs typeface="Courier New" charset="0"/>
+              </a:rPr>
+              <a:t>Note: both functions indicate EOF after failed read operation</a:t>
+            </a:r>
+          </a:p>
+          <a:p>
+            <a:pPr lvl="1">
+              <a:lnSpc>
+                <a:spcPct val="90000"/>
+              </a:lnSpc>
+            </a:pPr>
+            <a:r>
+              <a:rPr lang="en-US" sz="2400" dirty="0">
+                <a:latin typeface="Arial" charset="0"/>
+                <a:cs typeface="Courier New" charset="0"/>
+              </a:rPr>
+              <a:t>Must try to read data and discover that </a:t>
+            </a:r>
+            <a:r>
+              <a:rPr lang="en-US" sz="2400" dirty="0" smtClean="0">
+                <a:latin typeface="Arial" charset="0"/>
+                <a:cs typeface="Courier New" charset="0"/>
+              </a:rPr>
+              <a:t>there’s </a:t>
+            </a:r>
+            <a:r>
+              <a:rPr lang="en-US" sz="2400" dirty="0">
+                <a:latin typeface="Arial" charset="0"/>
+                <a:cs typeface="Courier New" charset="0"/>
+              </a:rPr>
+              <a:t>nothing to read before testing for </a:t>
+            </a:r>
+            <a:r>
+              <a:rPr lang="en-US" sz="2400" dirty="0" smtClean="0">
+                <a:latin typeface="Arial" charset="0"/>
+                <a:cs typeface="Courier New" charset="0"/>
+              </a:rPr>
+              <a:t>EOF</a:t>
+            </a:r>
+            <a:endParaRPr lang="en-US" sz="2400" dirty="0">
+              <a:latin typeface="Arial" charset="0"/>
+              <a:cs typeface="Courier New" charset="0"/>
+            </a:endParaRPr>
           </a:p>
         </p:txBody>
       </p:sp>
@@ -7259,19 +7461,139 @@
             <a:spLocks noGrp="1"/>
           </p:cNvSpPr>
           <p:nvPr>
-            <p:ph type="dt" sz="half" idx="10"/>
+            <p:ph type="dt" sz="quarter" idx="10"/>
           </p:nvPr>
         </p:nvSpPr>
         <p:spPr/>
         <p:txBody>
           <a:bodyPr/>
-          <a:lstStyle/>
-          <a:p>
-            <a:fld id="{B8044CE5-C4E5-1240-9AEA-4BF2AB7CB830}" type="datetime1">
-              <a:rPr lang="en-US" smtClean="0"/>
-              <a:t>12/11/18</a:t>
+          <a:lstStyle>
+            <a:lvl1pPr eaLnBrk="0" hangingPunct="0">
+              <a:defRPr>
+                <a:solidFill>
+                  <a:schemeClr val="tx1"/>
+                </a:solidFill>
+                <a:latin typeface="Arial" charset="0"/>
+                <a:ea typeface="ＭＳ Ｐゴシック" charset="0"/>
+                <a:cs typeface="Arial" charset="0"/>
+              </a:defRPr>
+            </a:lvl1pPr>
+            <a:lvl2pPr marL="742950" indent="-285750" eaLnBrk="0" hangingPunct="0">
+              <a:defRPr>
+                <a:solidFill>
+                  <a:schemeClr val="tx1"/>
+                </a:solidFill>
+                <a:latin typeface="Arial" charset="0"/>
+                <a:ea typeface="Arial" charset="0"/>
+                <a:cs typeface="Arial" charset="0"/>
+              </a:defRPr>
+            </a:lvl2pPr>
+            <a:lvl3pPr marL="1143000" indent="-228600" eaLnBrk="0" hangingPunct="0">
+              <a:defRPr>
+                <a:solidFill>
+                  <a:schemeClr val="tx1"/>
+                </a:solidFill>
+                <a:latin typeface="Arial" charset="0"/>
+                <a:ea typeface="Arial" charset="0"/>
+                <a:cs typeface="Arial" charset="0"/>
+              </a:defRPr>
+            </a:lvl3pPr>
+            <a:lvl4pPr marL="1600200" indent="-228600" eaLnBrk="0" hangingPunct="0">
+              <a:defRPr>
+                <a:solidFill>
+                  <a:schemeClr val="tx1"/>
+                </a:solidFill>
+                <a:latin typeface="Arial" charset="0"/>
+                <a:ea typeface="Arial" charset="0"/>
+                <a:cs typeface="Arial" charset="0"/>
+              </a:defRPr>
+            </a:lvl4pPr>
+            <a:lvl5pPr marL="2057400" indent="-228600" eaLnBrk="0" hangingPunct="0">
+              <a:defRPr>
+                <a:solidFill>
+                  <a:schemeClr val="tx1"/>
+                </a:solidFill>
+                <a:latin typeface="Arial" charset="0"/>
+                <a:ea typeface="Arial" charset="0"/>
+                <a:cs typeface="Arial" charset="0"/>
+              </a:defRPr>
+            </a:lvl5pPr>
+            <a:lvl6pPr marL="2514600" indent="-228600" eaLnBrk="0" fontAlgn="base" hangingPunct="0">
+              <a:spcBef>
+                <a:spcPct val="0"/>
+              </a:spcBef>
+              <a:spcAft>
+                <a:spcPct val="0"/>
+              </a:spcAft>
+              <a:defRPr>
+                <a:solidFill>
+                  <a:schemeClr val="tx1"/>
+                </a:solidFill>
+                <a:latin typeface="Arial" charset="0"/>
+                <a:ea typeface="Arial" charset="0"/>
+                <a:cs typeface="Arial" charset="0"/>
+              </a:defRPr>
+            </a:lvl6pPr>
+            <a:lvl7pPr marL="2971800" indent="-228600" eaLnBrk="0" fontAlgn="base" hangingPunct="0">
+              <a:spcBef>
+                <a:spcPct val="0"/>
+              </a:spcBef>
+              <a:spcAft>
+                <a:spcPct val="0"/>
+              </a:spcAft>
+              <a:defRPr>
+                <a:solidFill>
+                  <a:schemeClr val="tx1"/>
+                </a:solidFill>
+                <a:latin typeface="Arial" charset="0"/>
+                <a:ea typeface="Arial" charset="0"/>
+                <a:cs typeface="Arial" charset="0"/>
+              </a:defRPr>
+            </a:lvl7pPr>
+            <a:lvl8pPr marL="3429000" indent="-228600" eaLnBrk="0" fontAlgn="base" hangingPunct="0">
+              <a:spcBef>
+                <a:spcPct val="0"/>
+              </a:spcBef>
+              <a:spcAft>
+                <a:spcPct val="0"/>
+              </a:spcAft>
+              <a:defRPr>
+                <a:solidFill>
+                  <a:schemeClr val="tx1"/>
+                </a:solidFill>
+                <a:latin typeface="Arial" charset="0"/>
+                <a:ea typeface="Arial" charset="0"/>
+                <a:cs typeface="Arial" charset="0"/>
+              </a:defRPr>
+            </a:lvl8pPr>
+            <a:lvl9pPr marL="3886200" indent="-228600" eaLnBrk="0" fontAlgn="base" hangingPunct="0">
+              <a:spcBef>
+                <a:spcPct val="0"/>
+              </a:spcBef>
+              <a:spcAft>
+                <a:spcPct val="0"/>
+              </a:spcAft>
+              <a:defRPr>
+                <a:solidFill>
+                  <a:schemeClr val="tx1"/>
+                </a:solidFill>
+                <a:latin typeface="Arial" charset="0"/>
+                <a:ea typeface="Arial" charset="0"/>
+                <a:cs typeface="Arial" charset="0"/>
+              </a:defRPr>
+            </a:lvl9pPr>
+          </a:lstStyle>
+          <a:p>
+            <a:pPr eaLnBrk="1" hangingPunct="1"/>
+            <a:fld id="{2F8A29CD-378B-9F46-8391-541E6DD59DF6}" type="datetime1">
+              <a:rPr lang="en-US" smtClean="0">
+                <a:latin typeface="Garamond" charset="0"/>
+              </a:rPr>
+              <a:t>12/12/18</a:t>
             </a:fld>
-            <a:endParaRPr lang="en-US"/>
+            <a:endParaRPr lang="en-US">
+              <a:latin typeface="Garamond" charset="0"/>
+            </a:endParaRPr>
           </a:p>
         </p:txBody>
       </p:sp>
@@ -7295,7 +7617,7 @@
             </a:pPr>
             <a:r>
               <a:rPr lang="en-US" altLang="en-US" smtClean="0"/>
-              <a:t>ECE Application Programming:  Lecture 36</a:t>
+              <a:t>ECE Application Programming: Exam 3 Preview</a:t>
             </a:r>
             <a:endParaRPr lang="en-US" altLang="en-US"/>
           </a:p>
@@ -7314,27 +7636,154 @@
         <p:spPr/>
         <p:txBody>
           <a:bodyPr/>
-          <a:lstStyle/>
-          <a:p>
-            <a:fld id="{D23FD0AC-E4C5-8D4A-A8DE-DF5F74D25232}" type="slidenum">
-              <a:rPr lang="en-US" smtClean="0"/>
-              <a:pPr/>
+          <a:lstStyle>
+            <a:lvl1pPr eaLnBrk="0" hangingPunct="0">
+              <a:defRPr>
+                <a:solidFill>
+                  <a:schemeClr val="tx1"/>
+                </a:solidFill>
+                <a:latin typeface="Arial" charset="0"/>
+                <a:ea typeface="ＭＳ Ｐゴシック" charset="0"/>
+                <a:cs typeface="Arial" charset="0"/>
+              </a:defRPr>
+            </a:lvl1pPr>
+            <a:lvl2pPr marL="742950" indent="-285750" eaLnBrk="0" hangingPunct="0">
+              <a:defRPr>
+                <a:solidFill>
+                  <a:schemeClr val="tx1"/>
+                </a:solidFill>
+                <a:latin typeface="Arial" charset="0"/>
+                <a:ea typeface="Arial" charset="0"/>
+                <a:cs typeface="Arial" charset="0"/>
+              </a:defRPr>
+            </a:lvl2pPr>
+            <a:lvl3pPr marL="1143000" indent="-228600" eaLnBrk="0" hangingPunct="0">
+              <a:defRPr>
+                <a:solidFill>
+                  <a:schemeClr val="tx1"/>
+                </a:solidFill>
+                <a:latin typeface="Arial" charset="0"/>
+                <a:ea typeface="Arial" charset="0"/>
+                <a:cs typeface="Arial" charset="0"/>
+              </a:defRPr>
+            </a:lvl3pPr>
+            <a:lvl4pPr marL="1600200" indent="-228600" eaLnBrk="0" hangingPunct="0">
+              <a:defRPr>
+                <a:solidFill>
+                  <a:schemeClr val="tx1"/>
+                </a:solidFill>
+                <a:latin typeface="Arial" charset="0"/>
+                <a:ea typeface="Arial" charset="0"/>
+                <a:cs typeface="Arial" charset="0"/>
+              </a:defRPr>
+            </a:lvl4pPr>
+            <a:lvl5pPr marL="2057400" indent="-228600" eaLnBrk="0" hangingPunct="0">
+              <a:defRPr>
+                <a:solidFill>
+                  <a:schemeClr val="tx1"/>
+                </a:solidFill>
+                <a:latin typeface="Arial" charset="0"/>
+                <a:ea typeface="Arial" charset="0"/>
+                <a:cs typeface="Arial" charset="0"/>
+              </a:defRPr>
+            </a:lvl5pPr>
+            <a:lvl6pPr marL="2514600" indent="-228600" eaLnBrk="0" fontAlgn="base" hangingPunct="0">
+              <a:spcBef>
+                <a:spcPct val="0"/>
+              </a:spcBef>
+              <a:spcAft>
+                <a:spcPct val="0"/>
+              </a:spcAft>
+              <a:defRPr>
+                <a:solidFill>
+                  <a:schemeClr val="tx1"/>
+                </a:solidFill>
+                <a:latin typeface="Arial" charset="0"/>
+                <a:ea typeface="Arial" charset="0"/>
+                <a:cs typeface="Arial" charset="0"/>
+              </a:defRPr>
+            </a:lvl6pPr>
+            <a:lvl7pPr marL="2971800" indent="-228600" eaLnBrk="0" fontAlgn="base" hangingPunct="0">
+              <a:spcBef>
+                <a:spcPct val="0"/>
+              </a:spcBef>
+              <a:spcAft>
+                <a:spcPct val="0"/>
+              </a:spcAft>
+              <a:defRPr>
+                <a:solidFill>
+                  <a:schemeClr val="tx1"/>
+                </a:solidFill>
+                <a:latin typeface="Arial" charset="0"/>
+                <a:ea typeface="Arial" charset="0"/>
+                <a:cs typeface="Arial" charset="0"/>
+              </a:defRPr>
+            </a:lvl7pPr>
+            <a:lvl8pPr marL="3429000" indent="-228600" eaLnBrk="0" fontAlgn="base" hangingPunct="0">
+              <a:spcBef>
+                <a:spcPct val="0"/>
+              </a:spcBef>
+              <a:spcAft>
+                <a:spcPct val="0"/>
+              </a:spcAft>
+              <a:defRPr>
+                <a:solidFill>
+                  <a:schemeClr val="tx1"/>
+                </a:solidFill>
+                <a:latin typeface="Arial" charset="0"/>
+                <a:ea typeface="Arial" charset="0"/>
+                <a:cs typeface="Arial" charset="0"/>
+              </a:defRPr>
+            </a:lvl8pPr>
+            <a:lvl9pPr marL="3886200" indent="-228600" eaLnBrk="0" fontAlgn="base" hangingPunct="0">
+              <a:spcBef>
+                <a:spcPct val="0"/>
+              </a:spcBef>
+              <a:spcAft>
+                <a:spcPct val="0"/>
+              </a:spcAft>
+              <a:defRPr>
+                <a:solidFill>
+                  <a:schemeClr val="tx1"/>
+                </a:solidFill>
+                <a:latin typeface="Arial" charset="0"/>
+                <a:ea typeface="Arial" charset="0"/>
+                <a:cs typeface="Arial" charset="0"/>
+              </a:defRPr>
+            </a:lvl9pPr>
+          </a:lstStyle>
+          <a:p>
+            <a:pPr eaLnBrk="1" hangingPunct="1"/>
+            <a:fld id="{F37DBB6D-4763-CB4F-9929-3EB97B34363E}" type="slidenum">
+              <a:rPr lang="en-US">
+                <a:latin typeface="Garamond" charset="0"/>
+              </a:rPr>
+              <a:pPr eaLnBrk="1" hangingPunct="1"/>
               <a:t>12</a:t>
             </a:fld>
-            <a:endParaRPr lang="en-US"/>
+            <a:endParaRPr lang="en-US">
+              <a:latin typeface="Garamond" charset="0"/>
+            </a:endParaRPr>
           </a:p>
         </p:txBody>
       </p:sp>
     </p:spTree>
     <p:extLst>
       <p:ext uri="{BB962C8B-B14F-4D97-AF65-F5344CB8AC3E}">
-        <p14:creationId xmlns:p14="http://schemas.microsoft.com/office/powerpoint/2010/main" val="1026086206"/>
+        <p14:creationId xmlns:p14="http://schemas.microsoft.com/office/powerpoint/2010/main" val="2652605310"/>
       </p:ext>
     </p:extLst>
   </p:cSld>
   <p:clrMapOvr>
     <a:masterClrMapping/>
   </p:clrMapOvr>
+  <p:timing>
+    <p:tnLst>
+      <p:par>
+        <p:cTn id="1" dur="indefinite" restart="never" nodeType="tmRoot"/>
+      </p:par>
+    </p:tnLst>
+  </p:timing>
 </p:sld>
 </file>
 
@@ -7357,7 +7806,7 @@
       </p:grpSpPr>
       <p:sp>
         <p:nvSpPr>
-          <p:cNvPr id="26625" name="Title 1"/>
+          <p:cNvPr id="25601" name="Title 1"/>
           <p:cNvSpPr>
             <a:spLocks noGrp="1"/>
           </p:cNvSpPr>
@@ -7371,17 +7820,26 @@
           <a:lstStyle/>
           <a:p>
             <a:r>
-              <a:rPr lang="en-US">
+              <a:rPr lang="en-US" dirty="0">
                 <a:latin typeface="Garamond" charset="0"/>
               </a:rPr>
-              <a:t>Review: bit manipulation</a:t>
-            </a:r>
-          </a:p>
-        </p:txBody>
-      </p:sp>
-      <p:sp>
-        <p:nvSpPr>
-          <p:cNvPr id="26626" name="Content Placeholder 2"/>
+              <a:t>Review: </a:t>
+            </a:r>
+            <a:r>
+              <a:rPr lang="en-US" dirty="0" smtClean="0">
+                <a:latin typeface="Garamond" charset="0"/>
+              </a:rPr>
+              <a:t>character/line input</a:t>
+            </a:r>
+            <a:endParaRPr lang="en-US" dirty="0">
+              <a:latin typeface="Garamond" charset="0"/>
+            </a:endParaRPr>
+          </a:p>
+        </p:txBody>
+      </p:sp>
+      <p:sp>
+        <p:nvSpPr>
+          <p:cNvPr id="5123" name="Content Placeholder 2"/>
           <p:cNvSpPr>
             <a:spLocks noGrp="1"/>
           </p:cNvSpPr>
@@ -7396,71 +7854,240 @@
           </a:bodyPr>
           <a:lstStyle/>
           <a:p>
+            <a:pPr>
+              <a:buFont typeface="Wingdings" pitchFamily="2" charset="2"/>
+              <a:buChar char="n"/>
+              <a:defRPr/>
+            </a:pPr>
+            <a:r>
+              <a:rPr lang="en-US" dirty="0" smtClean="0">
+                <a:ea typeface="+mn-ea"/>
+                <a:cs typeface="Courier New" pitchFamily="49" charset="0"/>
+              </a:rPr>
+              <a:t>Character input</a:t>
+            </a:r>
+          </a:p>
+          <a:p>
+            <a:pPr lvl="1">
+              <a:buFont typeface="Wingdings" pitchFamily="1" charset="2"/>
+              <a:buChar char="q"/>
+              <a:defRPr/>
+            </a:pPr>
+            <a:r>
+              <a:rPr lang="en-US" dirty="0" err="1" smtClean="0">
+                <a:latin typeface="Courier New" pitchFamily="49" charset="0"/>
+                <a:cs typeface="Courier New" pitchFamily="49" charset="0"/>
+              </a:rPr>
+              <a:t>int</a:t>
+            </a:r>
+            <a:r>
+              <a:rPr lang="en-US" dirty="0" smtClean="0">
+                <a:latin typeface="Courier New" pitchFamily="49" charset="0"/>
+                <a:cs typeface="Courier New" pitchFamily="49" charset="0"/>
+              </a:rPr>
+              <a:t> </a:t>
+            </a:r>
+            <a:r>
+              <a:rPr lang="en-US" dirty="0" err="1" smtClean="0">
+                <a:latin typeface="Courier New" pitchFamily="49" charset="0"/>
+                <a:cs typeface="Courier New" pitchFamily="49" charset="0"/>
+              </a:rPr>
+              <a:t>fgetc</a:t>
+            </a:r>
+            <a:r>
+              <a:rPr lang="en-US" dirty="0" smtClean="0">
+                <a:latin typeface="Courier New" pitchFamily="49" charset="0"/>
+                <a:cs typeface="Courier New" pitchFamily="49" charset="0"/>
+              </a:rPr>
+              <a:t>(FILE *stream);</a:t>
+            </a:r>
+          </a:p>
+          <a:p>
+            <a:pPr lvl="1">
+              <a:buFont typeface="Wingdings" pitchFamily="1" charset="2"/>
+              <a:buChar char="q"/>
+              <a:defRPr/>
+            </a:pPr>
+            <a:r>
+              <a:rPr lang="en-US" dirty="0" err="1" smtClean="0">
+                <a:latin typeface="Courier New" pitchFamily="49" charset="0"/>
+                <a:cs typeface="Courier New" pitchFamily="49" charset="0"/>
+              </a:rPr>
+              <a:t>int</a:t>
+            </a:r>
+            <a:r>
+              <a:rPr lang="en-US" dirty="0" smtClean="0">
+                <a:latin typeface="Courier New" pitchFamily="49" charset="0"/>
+                <a:cs typeface="Courier New" pitchFamily="49" charset="0"/>
+              </a:rPr>
+              <a:t> </a:t>
+            </a:r>
+            <a:r>
+              <a:rPr lang="en-US" dirty="0" err="1" smtClean="0">
+                <a:latin typeface="Courier New" pitchFamily="49" charset="0"/>
+                <a:cs typeface="Courier New" pitchFamily="49" charset="0"/>
+              </a:rPr>
+              <a:t>getchar</a:t>
+            </a:r>
+            <a:r>
+              <a:rPr lang="en-US" dirty="0" smtClean="0">
+                <a:latin typeface="Courier New" pitchFamily="49" charset="0"/>
+                <a:cs typeface="Courier New" pitchFamily="49" charset="0"/>
+              </a:rPr>
+              <a:t>();</a:t>
+            </a:r>
+          </a:p>
+          <a:p>
+            <a:pPr lvl="1">
+              <a:buFont typeface="Wingdings" pitchFamily="2" charset="2"/>
+              <a:buChar char="q"/>
+              <a:defRPr/>
+            </a:pPr>
+            <a:r>
+              <a:rPr lang="en-US" dirty="0" err="1" smtClean="0">
+                <a:latin typeface="Courier New" pitchFamily="49" charset="0"/>
+                <a:cs typeface="Courier New" pitchFamily="49" charset="0"/>
+              </a:rPr>
+              <a:t>int</a:t>
+            </a:r>
+            <a:r>
+              <a:rPr lang="en-US" dirty="0" smtClean="0">
+                <a:latin typeface="Courier New" pitchFamily="49" charset="0"/>
+                <a:cs typeface="Courier New" pitchFamily="49" charset="0"/>
+              </a:rPr>
+              <a:t> </a:t>
+            </a:r>
+            <a:r>
+              <a:rPr lang="en-US" dirty="0" err="1" smtClean="0">
+                <a:latin typeface="Courier New" pitchFamily="49" charset="0"/>
+                <a:cs typeface="Courier New" pitchFamily="49" charset="0"/>
+              </a:rPr>
+              <a:t>ungetc</a:t>
+            </a:r>
+            <a:r>
+              <a:rPr lang="en-US" dirty="0" smtClean="0">
+                <a:latin typeface="Courier New" pitchFamily="49" charset="0"/>
+                <a:cs typeface="Courier New" pitchFamily="49" charset="0"/>
+              </a:rPr>
+              <a:t>(</a:t>
+            </a:r>
+            <a:r>
+              <a:rPr lang="en-US" dirty="0" err="1" smtClean="0">
+                <a:latin typeface="Courier New" pitchFamily="49" charset="0"/>
+                <a:cs typeface="Courier New" pitchFamily="49" charset="0"/>
+              </a:rPr>
+              <a:t>int</a:t>
+            </a:r>
+            <a:r>
+              <a:rPr lang="en-US" dirty="0" smtClean="0">
+                <a:latin typeface="Courier New" pitchFamily="49" charset="0"/>
+                <a:cs typeface="Courier New" pitchFamily="49" charset="0"/>
+              </a:rPr>
+              <a:t> c, FILE *stream);</a:t>
+            </a:r>
+          </a:p>
+          <a:p>
+            <a:pPr>
+              <a:buFont typeface="Wingdings" pitchFamily="2" charset="2"/>
+              <a:buChar char="n"/>
+              <a:defRPr/>
+            </a:pPr>
+            <a:r>
+              <a:rPr lang="en-US" dirty="0" smtClean="0">
+                <a:ea typeface="+mn-ea"/>
+                <a:cs typeface="Courier New" pitchFamily="49" charset="0"/>
+              </a:rPr>
+              <a:t>Line input</a:t>
+            </a:r>
+          </a:p>
+          <a:p>
+            <a:pPr lvl="1">
+              <a:buFont typeface="Wingdings" pitchFamily="1" charset="2"/>
+              <a:buChar char="q"/>
+              <a:defRPr/>
+            </a:pPr>
+            <a:r>
+              <a:rPr lang="en-US" dirty="0" smtClean="0">
+                <a:latin typeface="Courier New" pitchFamily="49" charset="0"/>
+                <a:cs typeface="Courier New" pitchFamily="49" charset="0"/>
+              </a:rPr>
+              <a:t>char </a:t>
+            </a:r>
             <a:r>
               <a:rPr lang="en-US" dirty="0">
-                <a:latin typeface="Arial" charset="0"/>
-              </a:rPr>
-              <a:t>Bitwise operators: |  &amp;  ^  ~</a:t>
-            </a:r>
-          </a:p>
-          <a:p>
-            <a:pPr lvl="1"/>
+                <a:latin typeface="Courier New" pitchFamily="49" charset="0"/>
+                <a:cs typeface="Courier New" pitchFamily="49" charset="0"/>
+              </a:rPr>
+              <a:t>*</a:t>
+            </a:r>
+            <a:r>
+              <a:rPr lang="en-US" dirty="0" err="1">
+                <a:latin typeface="Courier New" pitchFamily="49" charset="0"/>
+                <a:cs typeface="Courier New" pitchFamily="49" charset="0"/>
+              </a:rPr>
+              <a:t>fgets</a:t>
+            </a:r>
             <a:r>
               <a:rPr lang="en-US" dirty="0">
-                <a:latin typeface="Arial" charset="0"/>
-              </a:rPr>
-              <a:t>Used for desired logical operations</a:t>
-            </a:r>
-          </a:p>
-          <a:p>
-            <a:pPr lvl="1"/>
+                <a:latin typeface="Courier New" pitchFamily="49" charset="0"/>
+                <a:cs typeface="Courier New" pitchFamily="49" charset="0"/>
+              </a:rPr>
+              <a:t>(char *s, </a:t>
+            </a:r>
+            <a:r>
+              <a:rPr lang="en-US" dirty="0" err="1">
+                <a:latin typeface="Courier New" pitchFamily="49" charset="0"/>
+                <a:cs typeface="Courier New" pitchFamily="49" charset="0"/>
+              </a:rPr>
+              <a:t>int</a:t>
+            </a:r>
             <a:r>
               <a:rPr lang="en-US" dirty="0">
-                <a:latin typeface="Arial" charset="0"/>
-              </a:rPr>
-              <a:t>Used to set/clear bits</a:t>
-            </a:r>
-          </a:p>
-          <a:p>
+                <a:latin typeface="Courier New" pitchFamily="49" charset="0"/>
+                <a:cs typeface="Courier New" pitchFamily="49" charset="0"/>
+              </a:rPr>
+              <a:t> </a:t>
+            </a:r>
+            <a:r>
+              <a:rPr lang="en-US" dirty="0" smtClean="0">
+                <a:latin typeface="Courier New" pitchFamily="49" charset="0"/>
+                <a:cs typeface="Courier New" pitchFamily="49" charset="0"/>
+              </a:rPr>
+              <a:t>n, FILE </a:t>
+            </a:r>
             <a:r>
               <a:rPr lang="en-US" dirty="0">
-                <a:latin typeface="Arial" charset="0"/>
-              </a:rPr>
-              <a:t>Bit shifts: &lt;&lt;    &gt;&gt;</a:t>
-            </a:r>
-          </a:p>
-          <a:p>
-            <a:pPr lvl="1"/>
-            <a:r>
-              <a:rPr lang="en-US" dirty="0">
-                <a:latin typeface="Arial" charset="0"/>
-              </a:rPr>
-              <a:t>Used to shift bits into position</a:t>
-            </a:r>
-          </a:p>
-          <a:p>
-            <a:pPr lvl="1"/>
-            <a:r>
-              <a:rPr lang="en-US" dirty="0">
-                <a:latin typeface="Arial" charset="0"/>
-              </a:rPr>
-              <a:t>Used for multiplication/division by powers of </a:t>
+                <a:latin typeface="Courier New" pitchFamily="49" charset="0"/>
+                <a:cs typeface="Courier New" pitchFamily="49" charset="0"/>
+              </a:rPr>
+              <a:t>*stream</a:t>
             </a:r>
             <a:r>
               <a:rPr lang="en-US" dirty="0" smtClean="0">
-                <a:latin typeface="Arial" charset="0"/>
-              </a:rPr>
-              <a:t>2</a:t>
-            </a:r>
-            <a:endParaRPr lang="en-US" dirty="0">
-              <a:latin typeface="Arial" charset="0"/>
+                <a:latin typeface="Courier New" pitchFamily="49" charset="0"/>
+                <a:cs typeface="Courier New" pitchFamily="49" charset="0"/>
+              </a:rPr>
+              <a:t>);</a:t>
+            </a:r>
+            <a:endParaRPr lang="en-US" dirty="0" smtClean="0">
+              <a:latin typeface="Courier New" pitchFamily="49" charset="0"/>
+              <a:ea typeface="+mn-ea"/>
+              <a:cs typeface="Courier New" pitchFamily="49" charset="0"/>
             </a:endParaRPr>
           </a:p>
-        </p:txBody>
-      </p:sp>
-      <p:sp>
-        <p:nvSpPr>
-          <p:cNvPr id="26627" name="Date Placeholder 3"/>
+          <a:p>
+            <a:pPr lvl="1">
+              <a:buFont typeface="Wingdings" pitchFamily="1" charset="2"/>
+              <a:buChar char="q"/>
+              <a:defRPr/>
+            </a:pPr>
+            <a:endParaRPr lang="en-US" dirty="0" smtClean="0"/>
+          </a:p>
+        </p:txBody>
+      </p:sp>
+      <p:sp>
+        <p:nvSpPr>
+          <p:cNvPr id="25603" name="Date Placeholder 3"/>
           <p:cNvSpPr>
             <a:spLocks noGrp="1"/>
           </p:cNvSpPr>
@@ -7472,15 +8099,15 @@
           <a:noFill/>
           <a:ln/>
           <a:extLst>
-            <a:ext uri="{909E8E84-426E-40dd-AFC4-6F175D3DCCD1}">
-              <a14:hiddenFill xmlns="" xmlns:a14="http://schemas.microsoft.com/office/drawing/2010/main">
+            <a:ext uri="{909E8E84-426E-40DD-AFC4-6F175D3DCCD1}">
+              <a14:hiddenFill xmlns:a14="http://schemas.microsoft.com/office/drawing/2010/main">
                 <a:solidFill>
                   <a:srgbClr val="FFFFFF"/>
                 </a:solidFill>
               </a14:hiddenFill>
             </a:ext>
-            <a:ext uri="{91240B29-F687-4f45-9708-019B960494DF}">
-              <a14:hiddenLine xmlns="" xmlns:a14="http://schemas.microsoft.com/office/drawing/2010/main" w="9525">
+            <a:ext uri="{91240B29-F687-4F45-9708-019B960494DF}">
+              <a14:hiddenLine xmlns:a14="http://schemas.microsoft.com/office/drawing/2010/main" w="9525">
                 <a:solidFill>
                   <a:srgbClr val="000000"/>
                 </a:solidFill>
@@ -7603,11 +8230,11 @@
           </a:lstStyle>
           <a:p>
             <a:pPr eaLnBrk="1" hangingPunct="1"/>
-            <a:fld id="{2378A59F-8E6A-4F4B-9152-8B7E80A96FA4}" type="datetime1">
+            <a:fld id="{AA0131A4-36BF-044A-9FB4-AD5B6587BE42}" type="datetime1">
               <a:rPr lang="en-US" sz="1200" smtClean="0">
                 <a:latin typeface="Garamond" charset="0"/>
               </a:rPr>
-              <a:t>12/11/18</a:t>
+              <a:t>12/12/18</a:t>
             </a:fld>
             <a:endParaRPr lang="en-US" sz="1200">
               <a:latin typeface="Garamond" charset="0"/>
@@ -7634,15 +8261,16 @@
               <a:defRPr/>
             </a:pPr>
             <a:r>
-              <a:rPr lang="en-US" altLang="en-US"/>
+              <a:rPr lang="en-US" altLang="en-US" smtClean="0"/>
               <a:t>ECE Application Programming: Exam 3 Preview</a:t>
             </a:r>
-          </a:p>
-        </p:txBody>
-      </p:sp>
-      <p:sp>
-        <p:nvSpPr>
-          <p:cNvPr id="26629" name="Slide Number Placeholder 5"/>
+            <a:endParaRPr lang="en-US" altLang="en-US"/>
+          </a:p>
+        </p:txBody>
+      </p:sp>
+      <p:sp>
+        <p:nvSpPr>
+          <p:cNvPr id="25605" name="Slide Number Placeholder 5"/>
           <p:cNvSpPr>
             <a:spLocks noGrp="1"/>
           </p:cNvSpPr>
@@ -7654,15 +8282,15 @@
           <a:noFill/>
           <a:ln/>
           <a:extLst>
-            <a:ext uri="{909E8E84-426E-40dd-AFC4-6F175D3DCCD1}">
-              <a14:hiddenFill xmlns="" xmlns:a14="http://schemas.microsoft.com/office/drawing/2010/main">
+            <a:ext uri="{909E8E84-426E-40DD-AFC4-6F175D3DCCD1}">
+              <a14:hiddenFill xmlns:a14="http://schemas.microsoft.com/office/drawing/2010/main">
                 <a:solidFill>
                   <a:srgbClr val="FFFFFF"/>
                 </a:solidFill>
               </a14:hiddenFill>
             </a:ext>
-            <a:ext uri="{91240B29-F687-4f45-9708-019B960494DF}">
-              <a14:hiddenLine xmlns="" xmlns:a14="http://schemas.microsoft.com/office/drawing/2010/main" w="9525">
+            <a:ext uri="{91240B29-F687-4F45-9708-019B960494DF}">
+              <a14:hiddenLine xmlns:a14="http://schemas.microsoft.com/office/drawing/2010/main" w="9525">
                 <a:solidFill>
                   <a:srgbClr val="000000"/>
                 </a:solidFill>
@@ -7785,7 +8413,7 @@
           </a:lstStyle>
           <a:p>
             <a:pPr eaLnBrk="1" hangingPunct="1"/>
-            <a:fld id="{0FDF98AE-A784-DA4F-AAA7-4DCA46B027AA}" type="slidenum">
+            <a:fld id="{70A6253D-13DB-EE49-999B-1EB0DFDA76DB}" type="slidenum">
               <a:rPr lang="en-US" sz="1200">
                 <a:latin typeface="Garamond" charset="0"/>
               </a:rPr>
@@ -7801,7 +8429,7 @@
     </p:spTree>
     <p:extLst>
       <p:ext uri="{BB962C8B-B14F-4D97-AF65-F5344CB8AC3E}">
-        <p14:creationId xmlns:p14="http://schemas.microsoft.com/office/powerpoint/2010/main" val="1520710015"/>
+        <p14:creationId xmlns:p14="http://schemas.microsoft.com/office/powerpoint/2010/main" val="1033930952"/>
       </p:ext>
     </p:extLst>
   </p:cSld>
@@ -7837,7 +8465,7 @@
       </p:grpSpPr>
       <p:sp>
         <p:nvSpPr>
-          <p:cNvPr id="27649" name="Title 1"/>
+          <p:cNvPr id="2" name="Title 1"/>
           <p:cNvSpPr>
             <a:spLocks noGrp="1"/>
           </p:cNvSpPr>
@@ -7851,22 +8479,187 @@
           <a:lstStyle/>
           <a:p>
             <a:r>
-              <a:rPr lang="en-US">
-                <a:latin typeface="Garamond" charset="0"/>
-              </a:rPr>
-              <a:t>Review: hexadecimal output</a:t>
-            </a:r>
-          </a:p>
-        </p:txBody>
-      </p:sp>
-      <p:sp>
-        <p:nvSpPr>
-          <p:cNvPr id="27650" name="Content Placeholder 2"/>
+              <a:rPr lang="en-US" dirty="0" smtClean="0"/>
+              <a:t>Review: binary and hexadecimal</a:t>
+            </a:r>
+            <a:endParaRPr lang="en-US" dirty="0"/>
+          </a:p>
+        </p:txBody>
+      </p:sp>
+      <p:sp>
+        <p:nvSpPr>
+          <p:cNvPr id="3" name="Content Placeholder 2"/>
           <p:cNvSpPr>
             <a:spLocks noGrp="1"/>
           </p:cNvSpPr>
           <p:nvPr>
             <p:ph idx="1"/>
+          </p:nvPr>
+        </p:nvSpPr>
+        <p:spPr/>
+        <p:txBody>
+          <a:bodyPr>
+            <a:normAutofit fontScale="92500" lnSpcReduction="10000"/>
+          </a:bodyPr>
+          <a:lstStyle/>
+          <a:p>
+            <a:r>
+              <a:rPr lang="en-US" dirty="0" smtClean="0"/>
+              <a:t>All data encoded in binary (base 2)</a:t>
+            </a:r>
+          </a:p>
+          <a:p>
+            <a:pPr lvl="1"/>
+            <a:r>
+              <a:rPr lang="en-US" dirty="0" smtClean="0"/>
+              <a:t>Useful knowing bit patterns to evaluate bitwise ops</a:t>
+            </a:r>
+          </a:p>
+          <a:p>
+            <a:r>
+              <a:rPr lang="en-US" dirty="0" smtClean="0"/>
+              <a:t>Hexadecimal (base 16) used with bitwise ops</a:t>
+            </a:r>
+          </a:p>
+          <a:p>
+            <a:pPr lvl="1"/>
+            <a:r>
+              <a:rPr lang="en-US" dirty="0" smtClean="0"/>
+              <a:t>Closer to binary than base 10 is</a:t>
+            </a:r>
+          </a:p>
+          <a:p>
+            <a:pPr lvl="1"/>
+            <a:r>
+              <a:rPr lang="en-US" dirty="0" smtClean="0"/>
+              <a:t>Each hexadecimal digit = 4 bits</a:t>
+            </a:r>
+          </a:p>
+          <a:p>
+            <a:pPr lvl="1"/>
+            <a:r>
+              <a:rPr lang="en-US" dirty="0"/>
+              <a:t>Leading </a:t>
+            </a:r>
+            <a:r>
+              <a:rPr lang="en-US" dirty="0" smtClean="0"/>
+              <a:t>0x indicates hexadecimal constant</a:t>
+            </a:r>
+            <a:endParaRPr lang="en-US" dirty="0"/>
+          </a:p>
+          <a:p>
+            <a:pPr lvl="1"/>
+            <a:r>
+              <a:rPr lang="en-US" dirty="0" smtClean="0"/>
+              <a:t>Digits 0-9 same as decimal, 10-15 = A-F</a:t>
+            </a:r>
+          </a:p>
+          <a:p>
+            <a:pPr lvl="2"/>
+            <a:r>
+              <a:rPr lang="en-US" dirty="0" smtClean="0"/>
+              <a:t>0x0 = 0000</a:t>
+            </a:r>
+            <a:r>
+              <a:rPr lang="en-US" baseline="-25000" dirty="0" smtClean="0"/>
+              <a:t>2</a:t>
+            </a:r>
+            <a:r>
+              <a:rPr lang="en-US" dirty="0" smtClean="0"/>
+              <a:t>, 0x1 = 0001</a:t>
+            </a:r>
+            <a:r>
+              <a:rPr lang="en-US" baseline="-25000" dirty="0" smtClean="0"/>
+              <a:t>2</a:t>
+            </a:r>
+            <a:r>
+              <a:rPr lang="en-US" dirty="0" smtClean="0"/>
+              <a:t> </a:t>
+            </a:r>
+            <a:r>
+              <a:rPr lang="mr-IN" dirty="0" smtClean="0"/>
+              <a:t>…</a:t>
+            </a:r>
+            <a:r>
+              <a:rPr lang="en-US" dirty="0" smtClean="0"/>
+              <a:t> 0x9 = 1001</a:t>
+            </a:r>
+            <a:r>
+              <a:rPr lang="en-US" baseline="-25000" dirty="0" smtClean="0"/>
+              <a:t>2</a:t>
+            </a:r>
+            <a:endParaRPr lang="en-US" dirty="0" smtClean="0"/>
+          </a:p>
+          <a:p>
+            <a:pPr lvl="2"/>
+            <a:r>
+              <a:rPr lang="en-US" dirty="0" smtClean="0"/>
+              <a:t>0xA = 1010</a:t>
+            </a:r>
+            <a:r>
+              <a:rPr lang="en-US" baseline="-25000" dirty="0" smtClean="0"/>
+              <a:t>2</a:t>
+            </a:r>
+            <a:r>
+              <a:rPr lang="en-US" dirty="0" smtClean="0"/>
+              <a:t>, 0xB = 1011</a:t>
+            </a:r>
+            <a:r>
+              <a:rPr lang="en-US" baseline="-25000" dirty="0" smtClean="0"/>
+              <a:t>2</a:t>
+            </a:r>
+            <a:r>
+              <a:rPr lang="en-US" dirty="0" smtClean="0"/>
+              <a:t> </a:t>
+            </a:r>
+            <a:r>
+              <a:rPr lang="mr-IN" dirty="0" smtClean="0"/>
+              <a:t>…</a:t>
+            </a:r>
+            <a:r>
+              <a:rPr lang="en-US" dirty="0" smtClean="0"/>
+              <a:t> 0xF = 1111</a:t>
+            </a:r>
+            <a:r>
+              <a:rPr lang="en-US" baseline="-25000" dirty="0" smtClean="0"/>
+              <a:t>2</a:t>
+            </a:r>
+          </a:p>
+          <a:p>
+            <a:r>
+              <a:rPr lang="en-US" dirty="0" smtClean="0"/>
+              <a:t>Variables typically declared as unsigned </a:t>
+            </a:r>
+            <a:r>
+              <a:rPr lang="en-US" dirty="0" err="1" smtClean="0"/>
+              <a:t>int</a:t>
+            </a:r>
+            <a:endParaRPr lang="en-US" dirty="0" smtClean="0"/>
+          </a:p>
+          <a:p>
+            <a:pPr lvl="1"/>
+            <a:r>
+              <a:rPr lang="en-US" dirty="0" smtClean="0"/>
+              <a:t>Strictly non-negative whole numbers</a:t>
+            </a:r>
+          </a:p>
+          <a:p>
+            <a:pPr lvl="1"/>
+            <a:r>
+              <a:rPr lang="en-US" dirty="0" smtClean="0"/>
+              <a:t>32 bits in length</a:t>
+            </a:r>
+          </a:p>
+        </p:txBody>
+      </p:sp>
+      <p:sp>
+        <p:nvSpPr>
+          <p:cNvPr id="4" name="Date Placeholder 3"/>
+          <p:cNvSpPr>
+            <a:spLocks noGrp="1"/>
+          </p:cNvSpPr>
+          <p:nvPr>
+            <p:ph type="dt" sz="half" idx="10"/>
           </p:nvPr>
         </p:nvSpPr>
         <p:spPr/>
@@ -7874,711 +8667,11 @@
           <a:bodyPr/>
           <a:lstStyle/>
           <a:p>
-            <a:pPr>
-              <a:lnSpc>
-                <a:spcPct val="80000"/>
-              </a:lnSpc>
-            </a:pPr>
-            <a:r>
-              <a:rPr lang="en-US" sz="2800">
-                <a:latin typeface="Arial" charset="0"/>
-              </a:rPr>
-              <a:t>To print a number in hex, use </a:t>
-            </a:r>
-            <a:r>
-              <a:rPr lang="en-US" sz="2800" b="1">
-                <a:solidFill>
-                  <a:srgbClr val="FF0000"/>
-                </a:solidFill>
-                <a:latin typeface="Courier New" charset="0"/>
-                <a:cs typeface="Courier New" charset="0"/>
-              </a:rPr>
-              <a:t>%x</a:t>
-            </a:r>
-            <a:r>
-              <a:rPr lang="en-US" sz="2800">
-                <a:latin typeface="Arial" charset="0"/>
-              </a:rPr>
-              <a:t> or </a:t>
-            </a:r>
-            <a:r>
-              <a:rPr lang="en-US" sz="2800" b="1">
-                <a:solidFill>
-                  <a:srgbClr val="FF0000"/>
-                </a:solidFill>
-                <a:latin typeface="Courier New" charset="0"/>
-                <a:cs typeface="Courier New" charset="0"/>
-              </a:rPr>
-              <a:t>%X</a:t>
-            </a:r>
-          </a:p>
-          <a:p>
-            <a:pPr lvl="1">
-              <a:lnSpc>
-                <a:spcPct val="80000"/>
-              </a:lnSpc>
-            </a:pPr>
-            <a:r>
-              <a:rPr lang="en-US" sz="2400">
-                <a:latin typeface="Courier New" charset="0"/>
-                <a:cs typeface="Courier New" charset="0"/>
-              </a:rPr>
-              <a:t>%x</a:t>
-            </a:r>
-            <a:r>
-              <a:rPr lang="en-US" sz="2400">
-                <a:latin typeface="Arial" charset="0"/>
-              </a:rPr>
-              <a:t> prints characters </a:t>
-            </a:r>
-            <a:r>
-              <a:rPr lang="en-US" sz="2400">
-                <a:latin typeface="Courier New" charset="0"/>
-                <a:cs typeface="Courier New" charset="0"/>
-              </a:rPr>
-              <a:t>a-f</a:t>
-            </a:r>
-            <a:r>
-              <a:rPr lang="en-US" sz="2400">
-                <a:latin typeface="Arial" charset="0"/>
-              </a:rPr>
-              <a:t> in lowercase</a:t>
-            </a:r>
-          </a:p>
-          <a:p>
-            <a:pPr lvl="1">
-              <a:lnSpc>
-                <a:spcPct val="80000"/>
-              </a:lnSpc>
-            </a:pPr>
-            <a:r>
-              <a:rPr lang="en-US" sz="2400">
-                <a:latin typeface="Courier New" charset="0"/>
-                <a:cs typeface="Courier New" charset="0"/>
-              </a:rPr>
-              <a:t>%X</a:t>
-            </a:r>
-            <a:r>
-              <a:rPr lang="en-US" sz="2400">
-                <a:latin typeface="Arial" charset="0"/>
-              </a:rPr>
-              <a:t> prints characters </a:t>
-            </a:r>
-            <a:r>
-              <a:rPr lang="en-US" sz="2400">
-                <a:latin typeface="Courier New" charset="0"/>
-                <a:cs typeface="Courier New" charset="0"/>
-              </a:rPr>
-              <a:t>A-F</a:t>
-            </a:r>
-            <a:r>
-              <a:rPr lang="en-US" sz="2400">
-                <a:latin typeface="Arial" charset="0"/>
-              </a:rPr>
-              <a:t> in uppercase</a:t>
-            </a:r>
-          </a:p>
-          <a:p>
-            <a:pPr>
-              <a:lnSpc>
-                <a:spcPct val="80000"/>
-              </a:lnSpc>
-            </a:pPr>
-            <a:r>
-              <a:rPr lang="en-US" sz="2800">
-                <a:latin typeface="Arial" charset="0"/>
-              </a:rPr>
-              <a:t>To show leading </a:t>
-            </a:r>
-            <a:r>
-              <a:rPr lang="en-US" sz="2800">
-                <a:latin typeface="Courier New" charset="0"/>
-                <a:cs typeface="Courier New" charset="0"/>
-              </a:rPr>
-              <a:t>0x</a:t>
-            </a:r>
-            <a:r>
-              <a:rPr lang="en-US" sz="2800">
-                <a:latin typeface="Arial" charset="0"/>
-                <a:cs typeface="Courier New" charset="0"/>
-              </a:rPr>
-              <a:t>, </a:t>
-            </a:r>
-            <a:r>
-              <a:rPr lang="en-US" sz="2800">
-                <a:latin typeface="Arial" charset="0"/>
-              </a:rPr>
-              <a:t>use the </a:t>
-            </a:r>
-            <a:r>
-              <a:rPr lang="en-US" sz="2800">
-                <a:latin typeface="Courier New" charset="0"/>
-                <a:cs typeface="Courier New" charset="0"/>
-              </a:rPr>
-              <a:t>#</a:t>
-            </a:r>
-            <a:r>
-              <a:rPr lang="en-US" sz="2800">
-                <a:latin typeface="Arial" charset="0"/>
-              </a:rPr>
-              <a:t> flag</a:t>
-            </a:r>
-          </a:p>
-          <a:p>
-            <a:pPr>
-              <a:lnSpc>
-                <a:spcPct val="80000"/>
-              </a:lnSpc>
-            </a:pPr>
-            <a:r>
-              <a:rPr lang="en-US" sz="2800">
-                <a:latin typeface="Arial" charset="0"/>
-              </a:rPr>
-              <a:t>To show leading </a:t>
-            </a:r>
-            <a:r>
-              <a:rPr lang="en-US" sz="2800">
-                <a:latin typeface="Courier New" charset="0"/>
-                <a:cs typeface="Courier New" charset="0"/>
-              </a:rPr>
-              <a:t>0</a:t>
-            </a:r>
-            <a:r>
-              <a:rPr lang="en-US" sz="2800">
-                <a:latin typeface="Arial" charset="0"/>
-              </a:rPr>
-              <a:t>s, use precision with total # chars</a:t>
-            </a:r>
-          </a:p>
-          <a:p>
-            <a:pPr lvl="1">
-              <a:lnSpc>
-                <a:spcPct val="80000"/>
-              </a:lnSpc>
-            </a:pPr>
-            <a:r>
-              <a:rPr lang="en-US" sz="2400">
-                <a:latin typeface="Arial" charset="0"/>
-              </a:rPr>
-              <a:t>Field width + 0 flag also works </a:t>
-            </a:r>
-            <a:r>
-              <a:rPr lang="en-US" sz="2400" u="sng">
-                <a:latin typeface="Arial" charset="0"/>
-              </a:rPr>
-              <a:t>unless</a:t>
-            </a:r>
-            <a:r>
-              <a:rPr lang="en-US" sz="2400">
-                <a:latin typeface="Arial" charset="0"/>
-              </a:rPr>
-              <a:t> value = 0</a:t>
-            </a:r>
-          </a:p>
-          <a:p>
-            <a:pPr>
-              <a:lnSpc>
-                <a:spcPct val="80000"/>
-              </a:lnSpc>
-            </a:pPr>
-            <a:r>
-              <a:rPr lang="en-US" sz="2800">
-                <a:latin typeface="Arial" charset="0"/>
-              </a:rPr>
-              <a:t>Examples (assume </a:t>
-            </a:r>
-            <a:r>
-              <a:rPr lang="en-US" sz="2800">
-                <a:latin typeface="Courier New" charset="0"/>
-                <a:cs typeface="Courier New" charset="0"/>
-              </a:rPr>
-              <a:t>var1 = 0x1A2B</a:t>
-            </a:r>
-            <a:r>
-              <a:rPr lang="en-US" sz="2800">
-                <a:latin typeface="Arial" charset="0"/>
-              </a:rPr>
-              <a:t>)</a:t>
-            </a:r>
-          </a:p>
-          <a:p>
-            <a:pPr lvl="1">
-              <a:lnSpc>
-                <a:spcPct val="80000"/>
-              </a:lnSpc>
-            </a:pPr>
-            <a:r>
-              <a:rPr lang="en-US" sz="2400">
-                <a:latin typeface="Courier New" charset="0"/>
-                <a:cs typeface="Courier New" charset="0"/>
-              </a:rPr>
-              <a:t>printf(</a:t>
-            </a:r>
-            <a:r>
-              <a:rPr lang="ja-JP" altLang="en-US" sz="2400">
-                <a:latin typeface="Courier New" charset="0"/>
-                <a:cs typeface="Courier New" charset="0"/>
-              </a:rPr>
-              <a:t>“</a:t>
-            </a:r>
-            <a:r>
-              <a:rPr lang="en-US" altLang="ja-JP" sz="2400">
-                <a:latin typeface="Courier New" charset="0"/>
-                <a:cs typeface="Courier New" charset="0"/>
-              </a:rPr>
-              <a:t>%x</a:t>
-            </a:r>
-            <a:r>
-              <a:rPr lang="ja-JP" altLang="en-US" sz="2400">
-                <a:latin typeface="Courier New" charset="0"/>
-                <a:cs typeface="Courier New" charset="0"/>
-              </a:rPr>
-              <a:t>”</a:t>
-            </a:r>
-            <a:r>
-              <a:rPr lang="en-US" altLang="ja-JP" sz="2400">
-                <a:latin typeface="Courier New" charset="0"/>
-                <a:cs typeface="Courier New" charset="0"/>
-              </a:rPr>
-              <a:t>, var1) </a:t>
-            </a:r>
-            <a:r>
-              <a:rPr lang="en-US" altLang="ja-JP" sz="2400">
-                <a:latin typeface="Courier New" charset="0"/>
-                <a:cs typeface="Courier New" charset="0"/>
-                <a:sym typeface="Wingdings" charset="0"/>
-              </a:rPr>
-              <a:t> </a:t>
-            </a:r>
-            <a:r>
-              <a:rPr lang="en-US" altLang="ja-JP" sz="2400" b="1">
-                <a:solidFill>
-                  <a:srgbClr val="0000FF"/>
-                </a:solidFill>
-                <a:latin typeface="Courier New" charset="0"/>
-                <a:cs typeface="Courier New" charset="0"/>
-                <a:sym typeface="Wingdings" charset="0"/>
-              </a:rPr>
-              <a:t>1a2b</a:t>
-            </a:r>
-          </a:p>
-          <a:p>
-            <a:pPr lvl="1">
-              <a:lnSpc>
-                <a:spcPct val="80000"/>
-              </a:lnSpc>
-            </a:pPr>
-            <a:r>
-              <a:rPr lang="en-US" sz="2400">
-                <a:latin typeface="Courier New" charset="0"/>
-                <a:cs typeface="Courier New" charset="0"/>
-              </a:rPr>
-              <a:t>printf(</a:t>
-            </a:r>
-            <a:r>
-              <a:rPr lang="ja-JP" altLang="en-US" sz="2400">
-                <a:latin typeface="Courier New" charset="0"/>
-                <a:cs typeface="Courier New" charset="0"/>
-              </a:rPr>
-              <a:t>“</a:t>
-            </a:r>
-            <a:r>
-              <a:rPr lang="en-US" altLang="ja-JP" sz="2400">
-                <a:latin typeface="Courier New" charset="0"/>
-                <a:cs typeface="Courier New" charset="0"/>
-              </a:rPr>
-              <a:t>%X</a:t>
-            </a:r>
-            <a:r>
-              <a:rPr lang="ja-JP" altLang="en-US" sz="2400">
-                <a:latin typeface="Courier New" charset="0"/>
-                <a:cs typeface="Courier New" charset="0"/>
-              </a:rPr>
-              <a:t>”</a:t>
-            </a:r>
-            <a:r>
-              <a:rPr lang="en-US" altLang="ja-JP" sz="2400">
-                <a:latin typeface="Courier New" charset="0"/>
-                <a:cs typeface="Courier New" charset="0"/>
-              </a:rPr>
-              <a:t>, var1) </a:t>
-            </a:r>
-            <a:r>
-              <a:rPr lang="en-US" altLang="ja-JP" sz="2400">
-                <a:latin typeface="Courier New" charset="0"/>
-                <a:cs typeface="Courier New" charset="0"/>
-                <a:sym typeface="Wingdings" charset="0"/>
-              </a:rPr>
-              <a:t> </a:t>
-            </a:r>
-            <a:r>
-              <a:rPr lang="en-US" altLang="ja-JP" sz="2400" b="1">
-                <a:solidFill>
-                  <a:srgbClr val="0000FF"/>
-                </a:solidFill>
-                <a:latin typeface="Courier New" charset="0"/>
-                <a:cs typeface="Courier New" charset="0"/>
-                <a:sym typeface="Wingdings" charset="0"/>
-              </a:rPr>
-              <a:t>1A2B</a:t>
-            </a:r>
-            <a:endParaRPr lang="en-US" altLang="ja-JP" sz="2400" b="1">
-              <a:latin typeface="Courier New" charset="0"/>
-              <a:cs typeface="Courier New" charset="0"/>
-            </a:endParaRPr>
-          </a:p>
-          <a:p>
-            <a:pPr lvl="1">
-              <a:lnSpc>
-                <a:spcPct val="80000"/>
-              </a:lnSpc>
-            </a:pPr>
-            <a:r>
-              <a:rPr lang="en-US" sz="2400">
-                <a:latin typeface="Courier New" charset="0"/>
-                <a:cs typeface="Courier New" charset="0"/>
-              </a:rPr>
-              <a:t>printf(</a:t>
-            </a:r>
-            <a:r>
-              <a:rPr lang="ja-JP" altLang="en-US" sz="2400">
-                <a:latin typeface="Courier New" charset="0"/>
-                <a:cs typeface="Courier New" charset="0"/>
-              </a:rPr>
-              <a:t>“</a:t>
-            </a:r>
-            <a:r>
-              <a:rPr lang="en-US" altLang="ja-JP" sz="2400">
-                <a:latin typeface="Courier New" charset="0"/>
-                <a:cs typeface="Courier New" charset="0"/>
-              </a:rPr>
-              <a:t>%#x</a:t>
-            </a:r>
-            <a:r>
-              <a:rPr lang="ja-JP" altLang="en-US" sz="2400">
-                <a:latin typeface="Courier New" charset="0"/>
-                <a:cs typeface="Courier New" charset="0"/>
-              </a:rPr>
-              <a:t>”</a:t>
-            </a:r>
-            <a:r>
-              <a:rPr lang="en-US" altLang="ja-JP" sz="2400">
-                <a:latin typeface="Courier New" charset="0"/>
-                <a:cs typeface="Courier New" charset="0"/>
-              </a:rPr>
-              <a:t>, var1) </a:t>
-            </a:r>
-            <a:r>
-              <a:rPr lang="en-US" altLang="ja-JP" sz="2400">
-                <a:latin typeface="Courier New" charset="0"/>
-                <a:cs typeface="Courier New" charset="0"/>
-                <a:sym typeface="Wingdings" charset="0"/>
-              </a:rPr>
-              <a:t> </a:t>
-            </a:r>
-            <a:r>
-              <a:rPr lang="en-US" altLang="ja-JP" sz="2400" b="1">
-                <a:solidFill>
-                  <a:srgbClr val="0000FF"/>
-                </a:solidFill>
-                <a:latin typeface="Courier New" charset="0"/>
-                <a:cs typeface="Courier New" charset="0"/>
-                <a:sym typeface="Wingdings" charset="0"/>
-              </a:rPr>
-              <a:t>0x1a2b</a:t>
-            </a:r>
-            <a:endParaRPr lang="en-US" altLang="ja-JP" sz="2400" b="1">
-              <a:latin typeface="Courier New" charset="0"/>
-              <a:cs typeface="Courier New" charset="0"/>
-            </a:endParaRPr>
-          </a:p>
-          <a:p>
-            <a:pPr lvl="1">
-              <a:lnSpc>
-                <a:spcPct val="80000"/>
-              </a:lnSpc>
-            </a:pPr>
-            <a:r>
-              <a:rPr lang="en-US" sz="2400">
-                <a:latin typeface="Courier New" charset="0"/>
-                <a:cs typeface="Courier New" charset="0"/>
-              </a:rPr>
-              <a:t>printf(</a:t>
-            </a:r>
-            <a:r>
-              <a:rPr lang="ja-JP" altLang="en-US" sz="2400">
-                <a:latin typeface="Courier New" charset="0"/>
-                <a:cs typeface="Courier New" charset="0"/>
-              </a:rPr>
-              <a:t>“</a:t>
-            </a:r>
-            <a:r>
-              <a:rPr lang="en-US" altLang="ja-JP" sz="2400">
-                <a:latin typeface="Courier New" charset="0"/>
-                <a:cs typeface="Courier New" charset="0"/>
-              </a:rPr>
-              <a:t>%.6x</a:t>
-            </a:r>
-            <a:r>
-              <a:rPr lang="ja-JP" altLang="en-US" sz="2400">
-                <a:latin typeface="Courier New" charset="0"/>
-                <a:cs typeface="Courier New" charset="0"/>
-              </a:rPr>
-              <a:t>”</a:t>
-            </a:r>
-            <a:r>
-              <a:rPr lang="en-US" altLang="ja-JP" sz="2400">
-                <a:latin typeface="Courier New" charset="0"/>
-                <a:cs typeface="Courier New" charset="0"/>
-              </a:rPr>
-              <a:t>, var1) </a:t>
-            </a:r>
-            <a:r>
-              <a:rPr lang="en-US" altLang="ja-JP" sz="2400">
-                <a:latin typeface="Courier New" charset="0"/>
-                <a:cs typeface="Courier New" charset="0"/>
-                <a:sym typeface="Wingdings" charset="0"/>
-              </a:rPr>
-              <a:t> </a:t>
-            </a:r>
-            <a:r>
-              <a:rPr lang="en-US" altLang="ja-JP" sz="2400" b="1">
-                <a:solidFill>
-                  <a:srgbClr val="0000FF"/>
-                </a:solidFill>
-                <a:latin typeface="Courier New" charset="0"/>
-                <a:cs typeface="Courier New" charset="0"/>
-                <a:sym typeface="Wingdings" charset="0"/>
-              </a:rPr>
-              <a:t>001a2b</a:t>
-            </a:r>
-            <a:endParaRPr lang="en-US" altLang="ja-JP" sz="2400" b="1">
-              <a:latin typeface="Courier New" charset="0"/>
-              <a:cs typeface="Courier New" charset="0"/>
-            </a:endParaRPr>
-          </a:p>
-          <a:p>
-            <a:pPr lvl="1">
-              <a:lnSpc>
-                <a:spcPct val="80000"/>
-              </a:lnSpc>
-            </a:pPr>
-            <a:r>
-              <a:rPr lang="en-US" sz="2400">
-                <a:latin typeface="Courier New" charset="0"/>
-                <a:cs typeface="Courier New" charset="0"/>
-              </a:rPr>
-              <a:t>printf(</a:t>
-            </a:r>
-            <a:r>
-              <a:rPr lang="ja-JP" altLang="en-US" sz="2400">
-                <a:latin typeface="Courier New" charset="0"/>
-                <a:cs typeface="Courier New" charset="0"/>
-              </a:rPr>
-              <a:t>“</a:t>
-            </a:r>
-            <a:r>
-              <a:rPr lang="en-US" altLang="ja-JP" sz="2400">
-                <a:latin typeface="Courier New" charset="0"/>
-                <a:cs typeface="Courier New" charset="0"/>
-              </a:rPr>
-              <a:t>%#.6x</a:t>
-            </a:r>
-            <a:r>
-              <a:rPr lang="ja-JP" altLang="en-US" sz="2400">
-                <a:latin typeface="Courier New" charset="0"/>
-                <a:cs typeface="Courier New" charset="0"/>
-              </a:rPr>
-              <a:t>”</a:t>
-            </a:r>
-            <a:r>
-              <a:rPr lang="en-US" altLang="ja-JP" sz="2400">
-                <a:latin typeface="Courier New" charset="0"/>
-                <a:cs typeface="Courier New" charset="0"/>
-              </a:rPr>
-              <a:t>, var1) </a:t>
-            </a:r>
-            <a:r>
-              <a:rPr lang="en-US" altLang="ja-JP" sz="2400">
-                <a:latin typeface="Courier New" charset="0"/>
-                <a:cs typeface="Courier New" charset="0"/>
-                <a:sym typeface="Wingdings" charset="0"/>
-              </a:rPr>
-              <a:t> </a:t>
-            </a:r>
-            <a:r>
-              <a:rPr lang="en-US" altLang="ja-JP" sz="2400" b="1">
-                <a:solidFill>
-                  <a:srgbClr val="0000FF"/>
-                </a:solidFill>
-                <a:latin typeface="Courier New" charset="0"/>
-                <a:cs typeface="Courier New" charset="0"/>
-                <a:sym typeface="Wingdings" charset="0"/>
-              </a:rPr>
-              <a:t>0x001a2b</a:t>
-            </a:r>
-            <a:endParaRPr lang="en-US" sz="2400" b="1">
-              <a:latin typeface="Courier New" charset="0"/>
-              <a:cs typeface="Courier New" charset="0"/>
-              <a:sym typeface="Wingdings" charset="0"/>
-            </a:endParaRPr>
-          </a:p>
-        </p:txBody>
-      </p:sp>
-      <p:sp>
-        <p:nvSpPr>
-          <p:cNvPr id="27651" name="Date Placeholder 3"/>
-          <p:cNvSpPr>
-            <a:spLocks noGrp="1"/>
-          </p:cNvSpPr>
-          <p:nvPr>
-            <p:ph type="dt" sz="quarter" idx="10"/>
-          </p:nvPr>
-        </p:nvSpPr>
-        <p:spPr>
-          <a:noFill/>
-          <a:ln/>
-          <a:extLst>
-            <a:ext uri="{909E8E84-426E-40dd-AFC4-6F175D3DCCD1}">
-              <a14:hiddenFill xmlns="" xmlns:a14="http://schemas.microsoft.com/office/drawing/2010/main">
-                <a:solidFill>
-                  <a:srgbClr val="FFFFFF"/>
-                </a:solidFill>
-              </a14:hiddenFill>
-            </a:ext>
-            <a:ext uri="{91240B29-F687-4f45-9708-019B960494DF}">
-              <a14:hiddenLine xmlns="" xmlns:a14="http://schemas.microsoft.com/office/drawing/2010/main" w="9525">
-                <a:solidFill>
-                  <a:srgbClr val="000000"/>
-                </a:solidFill>
-                <a:miter lim="800000"/>
-                <a:headEnd/>
-                <a:tailEnd/>
-              </a14:hiddenLine>
-            </a:ext>
-          </a:extLst>
-        </p:spPr>
-        <p:txBody>
-          <a:bodyPr/>
-          <a:lstStyle>
-            <a:lvl1pPr eaLnBrk="0" hangingPunct="0">
-              <a:defRPr sz="2400">
-                <a:solidFill>
-                  <a:schemeClr val="tx1"/>
-                </a:solidFill>
-                <a:latin typeface="Arial" charset="0"/>
-                <a:ea typeface="ＭＳ Ｐゴシック" charset="0"/>
-                <a:cs typeface="ＭＳ Ｐゴシック" charset="0"/>
-              </a:defRPr>
-            </a:lvl1pPr>
-            <a:lvl2pPr marL="742950" indent="-285750" eaLnBrk="0" hangingPunct="0">
-              <a:defRPr sz="2400">
-                <a:solidFill>
-                  <a:schemeClr val="tx1"/>
-                </a:solidFill>
-                <a:latin typeface="Arial" charset="0"/>
-                <a:ea typeface="ＭＳ Ｐゴシック" charset="0"/>
-              </a:defRPr>
-            </a:lvl2pPr>
-            <a:lvl3pPr marL="1143000" indent="-228600" eaLnBrk="0" hangingPunct="0">
-              <a:defRPr sz="2400">
-                <a:solidFill>
-                  <a:schemeClr val="tx1"/>
-                </a:solidFill>
-                <a:latin typeface="Arial" charset="0"/>
-                <a:ea typeface="ＭＳ Ｐゴシック" charset="0"/>
-              </a:defRPr>
-            </a:lvl3pPr>
-            <a:lvl4pPr marL="1600200" indent="-228600" eaLnBrk="0" hangingPunct="0">
-              <a:defRPr sz="2400">
-                <a:solidFill>
-                  <a:schemeClr val="tx1"/>
-                </a:solidFill>
-                <a:latin typeface="Arial" charset="0"/>
-                <a:ea typeface="ＭＳ Ｐゴシック" charset="0"/>
-              </a:defRPr>
-            </a:lvl4pPr>
-            <a:lvl5pPr marL="2057400" indent="-228600" eaLnBrk="0" hangingPunct="0">
-              <a:defRPr sz="2400">
-                <a:solidFill>
-                  <a:schemeClr val="tx1"/>
-                </a:solidFill>
-                <a:latin typeface="Arial" charset="0"/>
-                <a:ea typeface="ＭＳ Ｐゴシック" charset="0"/>
-              </a:defRPr>
-            </a:lvl5pPr>
-            <a:lvl6pPr marL="2514600" indent="-228600" eaLnBrk="0" fontAlgn="base" hangingPunct="0">
-              <a:spcBef>
-                <a:spcPct val="0"/>
-              </a:spcBef>
-              <a:spcAft>
-                <a:spcPct val="0"/>
-              </a:spcAft>
-              <a:defRPr sz="2400">
-                <a:solidFill>
-                  <a:schemeClr val="tx1"/>
-                </a:solidFill>
-                <a:latin typeface="Arial" charset="0"/>
-                <a:ea typeface="ＭＳ Ｐゴシック" charset="0"/>
-              </a:defRPr>
-            </a:lvl6pPr>
-            <a:lvl7pPr marL="2971800" indent="-228600" eaLnBrk="0" fontAlgn="base" hangingPunct="0">
-              <a:spcBef>
-                <a:spcPct val="0"/>
-              </a:spcBef>
-              <a:spcAft>
-                <a:spcPct val="0"/>
-              </a:spcAft>
-              <a:defRPr sz="2400">
-                <a:solidFill>
-                  <a:schemeClr val="tx1"/>
-                </a:solidFill>
-                <a:latin typeface="Arial" charset="0"/>
-                <a:ea typeface="ＭＳ Ｐゴシック" charset="0"/>
-              </a:defRPr>
-            </a:lvl7pPr>
-            <a:lvl8pPr marL="3429000" indent="-228600" eaLnBrk="0" fontAlgn="base" hangingPunct="0">
-              <a:spcBef>
-                <a:spcPct val="0"/>
-              </a:spcBef>
-              <a:spcAft>
-                <a:spcPct val="0"/>
-              </a:spcAft>
-              <a:defRPr sz="2400">
-                <a:solidFill>
-                  <a:schemeClr val="tx1"/>
-                </a:solidFill>
-                <a:latin typeface="Arial" charset="0"/>
-                <a:ea typeface="ＭＳ Ｐゴシック" charset="0"/>
-              </a:defRPr>
-            </a:lvl8pPr>
-            <a:lvl9pPr marL="3886200" indent="-228600" eaLnBrk="0" fontAlgn="base" hangingPunct="0">
-              <a:spcBef>
-                <a:spcPct val="0"/>
-              </a:spcBef>
-              <a:spcAft>
-                <a:spcPct val="0"/>
-              </a:spcAft>
-              <a:defRPr sz="2400">
-                <a:solidFill>
-                  <a:schemeClr val="tx1"/>
-                </a:solidFill>
-                <a:latin typeface="Arial" charset="0"/>
-                <a:ea typeface="ＭＳ Ｐゴシック" charset="0"/>
-              </a:defRPr>
-            </a:lvl9pPr>
-          </a:lstStyle>
-          <a:p>
-            <a:pPr eaLnBrk="1" hangingPunct="1"/>
-            <a:fld id="{733075AE-EA8F-AC42-9F6C-F4AF2F1558B5}" type="datetime1">
-              <a:rPr lang="en-US" sz="1200" smtClean="0">
-                <a:latin typeface="Garamond" charset="0"/>
-              </a:rPr>
-              <a:t>12/11/18</a:t>
+            <a:fld id="{516546BE-5E60-5E44-B63C-BF570D372357}" type="datetime1">
+              <a:rPr lang="en-US" smtClean="0"/>
+              <a:t>12/12/18</a:t>
             </a:fld>
-            <a:endParaRPr lang="en-US" sz="1200">
-              <a:latin typeface="Garamond" charset="0"/>
-            </a:endParaRPr>
+            <a:endParaRPr lang="en-US"/>
           </a:p>
         </p:txBody>
       </p:sp>
@@ -8601,15 +8694,16 @@
               <a:defRPr/>
             </a:pPr>
             <a:r>
-              <a:rPr lang="en-US" altLang="en-US"/>
+              <a:rPr lang="en-US" altLang="en-US" smtClean="0"/>
               <a:t>ECE Application Programming: Exam 3 Preview</a:t>
             </a:r>
-          </a:p>
-        </p:txBody>
-      </p:sp>
-      <p:sp>
-        <p:nvSpPr>
-          <p:cNvPr id="27653" name="Slide Number Placeholder 5"/>
+            <a:endParaRPr lang="en-US" altLang="en-US"/>
+          </a:p>
+        </p:txBody>
+      </p:sp>
+      <p:sp>
+        <p:nvSpPr>
+          <p:cNvPr id="6" name="Slide Number Placeholder 5"/>
           <p:cNvSpPr>
             <a:spLocks noGrp="1"/>
           </p:cNvSpPr>
@@ -8617,158 +8711,24 @@
             <p:ph type="sldNum" sz="quarter" idx="12"/>
           </p:nvPr>
         </p:nvSpPr>
-        <p:spPr>
-          <a:noFill/>
-          <a:ln/>
-          <a:extLst>
-            <a:ext uri="{909E8E84-426E-40dd-AFC4-6F175D3DCCD1}">
-              <a14:hiddenFill xmlns="" xmlns:a14="http://schemas.microsoft.com/office/drawing/2010/main">
-                <a:solidFill>
-                  <a:srgbClr val="FFFFFF"/>
-                </a:solidFill>
-              </a14:hiddenFill>
-            </a:ext>
-            <a:ext uri="{91240B29-F687-4f45-9708-019B960494DF}">
-              <a14:hiddenLine xmlns="" xmlns:a14="http://schemas.microsoft.com/office/drawing/2010/main" w="9525">
-                <a:solidFill>
-                  <a:srgbClr val="000000"/>
-                </a:solidFill>
-                <a:miter lim="800000"/>
-                <a:headEnd/>
-                <a:tailEnd/>
-              </a14:hiddenLine>
-            </a:ext>
-          </a:extLst>
-        </p:spPr>
+        <p:spPr/>
         <p:txBody>
           <a:bodyPr/>
-          <a:lstStyle>
-            <a:lvl1pPr eaLnBrk="0" hangingPunct="0">
-              <a:defRPr sz="2400">
-                <a:solidFill>
-                  <a:schemeClr val="tx1"/>
-                </a:solidFill>
-                <a:latin typeface="Arial" charset="0"/>
-                <a:ea typeface="ＭＳ Ｐゴシック" charset="0"/>
-                <a:cs typeface="ＭＳ Ｐゴシック" charset="0"/>
-              </a:defRPr>
-            </a:lvl1pPr>
-            <a:lvl2pPr marL="742950" indent="-285750" eaLnBrk="0" hangingPunct="0">
-              <a:defRPr sz="2400">
-                <a:solidFill>
-                  <a:schemeClr val="tx1"/>
-                </a:solidFill>
-                <a:latin typeface="Arial" charset="0"/>
-                <a:ea typeface="ＭＳ Ｐゴシック" charset="0"/>
-              </a:defRPr>
-            </a:lvl2pPr>
-            <a:lvl3pPr marL="1143000" indent="-228600" eaLnBrk="0" hangingPunct="0">
-              <a:defRPr sz="2400">
-                <a:solidFill>
-                  <a:schemeClr val="tx1"/>
-                </a:solidFill>
-                <a:latin typeface="Arial" charset="0"/>
-                <a:ea typeface="ＭＳ Ｐゴシック" charset="0"/>
-              </a:defRPr>
-            </a:lvl3pPr>
-            <a:lvl4pPr marL="1600200" indent="-228600" eaLnBrk="0" hangingPunct="0">
-              <a:defRPr sz="2400">
-                <a:solidFill>
-                  <a:schemeClr val="tx1"/>
-                </a:solidFill>
-                <a:latin typeface="Arial" charset="0"/>
-                <a:ea typeface="ＭＳ Ｐゴシック" charset="0"/>
-              </a:defRPr>
-            </a:lvl4pPr>
-            <a:lvl5pPr marL="2057400" indent="-228600" eaLnBrk="0" hangingPunct="0">
-              <a:defRPr sz="2400">
-                <a:solidFill>
-                  <a:schemeClr val="tx1"/>
-                </a:solidFill>
-                <a:latin typeface="Arial" charset="0"/>
-                <a:ea typeface="ＭＳ Ｐゴシック" charset="0"/>
-              </a:defRPr>
-            </a:lvl5pPr>
-            <a:lvl6pPr marL="2514600" indent="-228600" eaLnBrk="0" fontAlgn="base" hangingPunct="0">
-              <a:spcBef>
-                <a:spcPct val="0"/>
-              </a:spcBef>
-              <a:spcAft>
-                <a:spcPct val="0"/>
-              </a:spcAft>
-              <a:defRPr sz="2400">
-                <a:solidFill>
-                  <a:schemeClr val="tx1"/>
-                </a:solidFill>
-                <a:latin typeface="Arial" charset="0"/>
-                <a:ea typeface="ＭＳ Ｐゴシック" charset="0"/>
-              </a:defRPr>
-            </a:lvl6pPr>
-            <a:lvl7pPr marL="2971800" indent="-228600" eaLnBrk="0" fontAlgn="base" hangingPunct="0">
-              <a:spcBef>
-                <a:spcPct val="0"/>
-              </a:spcBef>
-              <a:spcAft>
-                <a:spcPct val="0"/>
-              </a:spcAft>
-              <a:defRPr sz="2400">
-                <a:solidFill>
-                  <a:schemeClr val="tx1"/>
-                </a:solidFill>
-                <a:latin typeface="Arial" charset="0"/>
-                <a:ea typeface="ＭＳ Ｐゴシック" charset="0"/>
-              </a:defRPr>
-            </a:lvl7pPr>
-            <a:lvl8pPr marL="3429000" indent="-228600" eaLnBrk="0" fontAlgn="base" hangingPunct="0">
-              <a:spcBef>
-                <a:spcPct val="0"/>
-              </a:spcBef>
-              <a:spcAft>
-                <a:spcPct val="0"/>
-              </a:spcAft>
-              <a:defRPr sz="2400">
-                <a:solidFill>
-                  <a:schemeClr val="tx1"/>
-                </a:solidFill>
-                <a:latin typeface="Arial" charset="0"/>
-                <a:ea typeface="ＭＳ Ｐゴシック" charset="0"/>
-              </a:defRPr>
-            </a:lvl8pPr>
-            <a:lvl9pPr marL="3886200" indent="-228600" eaLnBrk="0" fontAlgn="base" hangingPunct="0">
-              <a:spcBef>
-                <a:spcPct val="0"/>
-              </a:spcBef>
-              <a:spcAft>
-                <a:spcPct val="0"/>
-              </a:spcAft>
-              <a:defRPr sz="2400">
-                <a:solidFill>
-                  <a:schemeClr val="tx1"/>
-                </a:solidFill>
-                <a:latin typeface="Arial" charset="0"/>
-                <a:ea typeface="ＭＳ Ｐゴシック" charset="0"/>
-              </a:defRPr>
-            </a:lvl9pPr>
-          </a:lstStyle>
-          <a:p>
-            <a:pPr eaLnBrk="1" hangingPunct="1"/>
-            <a:fld id="{A3EFFC90-FB19-C44F-92C7-1247479775C9}" type="slidenum">
-              <a:rPr lang="en-US" sz="1200">
-                <a:latin typeface="Garamond" charset="0"/>
-              </a:rPr>
-              <a:pPr eaLnBrk="1" hangingPunct="1"/>
+          <a:lstStyle/>
+          <a:p>
+            <a:fld id="{D23FD0AC-E4C5-8D4A-A8DE-DF5F74D25232}" type="slidenum">
+              <a:rPr lang="en-US" smtClean="0"/>
+              <a:pPr/>
               <a:t>14</a:t>
             </a:fld>
-            <a:endParaRPr lang="en-US" sz="1200">
-              <a:latin typeface="Garamond" charset="0"/>
-            </a:endParaRPr>
+            <a:endParaRPr lang="en-US"/>
           </a:p>
         </p:txBody>
       </p:sp>
     </p:spTree>
     <p:extLst>
       <p:ext uri="{BB962C8B-B14F-4D97-AF65-F5344CB8AC3E}">
-        <p14:creationId xmlns:p14="http://schemas.microsoft.com/office/powerpoint/2010/main" val="1370339158"/>
+        <p14:creationId xmlns:p14="http://schemas.microsoft.com/office/powerpoint/2010/main" val="1026086206"/>
       </p:ext>
     </p:extLst>
   </p:cSld>
@@ -8804,6 +8764,1453 @@
       </p:grpSpPr>
       <p:sp>
         <p:nvSpPr>
+          <p:cNvPr id="26625" name="Title 1"/>
+          <p:cNvSpPr>
+            <a:spLocks noGrp="1"/>
+          </p:cNvSpPr>
+          <p:nvPr>
+            <p:ph type="title"/>
+          </p:nvPr>
+        </p:nvSpPr>
+        <p:spPr/>
+        <p:txBody>
+          <a:bodyPr/>
+          <a:lstStyle/>
+          <a:p>
+            <a:r>
+              <a:rPr lang="en-US">
+                <a:latin typeface="Garamond" charset="0"/>
+              </a:rPr>
+              <a:t>Review: bit manipulation</a:t>
+            </a:r>
+          </a:p>
+        </p:txBody>
+      </p:sp>
+      <p:sp>
+        <p:nvSpPr>
+          <p:cNvPr id="26626" name="Content Placeholder 2"/>
+          <p:cNvSpPr>
+            <a:spLocks noGrp="1"/>
+          </p:cNvSpPr>
+          <p:nvPr>
+            <p:ph idx="1"/>
+          </p:nvPr>
+        </p:nvSpPr>
+        <p:spPr/>
+        <p:txBody>
+          <a:bodyPr>
+            <a:normAutofit/>
+          </a:bodyPr>
+          <a:lstStyle/>
+          <a:p>
+            <a:r>
+              <a:rPr lang="en-US" dirty="0">
+                <a:latin typeface="Arial" charset="0"/>
+              </a:rPr>
+              <a:t>Bitwise operators: |  &amp;  ^  ~</a:t>
+            </a:r>
+          </a:p>
+          <a:p>
+            <a:pPr lvl="1"/>
+            <a:r>
+              <a:rPr lang="en-US" dirty="0">
+                <a:latin typeface="Arial" charset="0"/>
+              </a:rPr>
+              <a:t>Used for desired logical operations</a:t>
+            </a:r>
+          </a:p>
+          <a:p>
+            <a:pPr lvl="1"/>
+            <a:r>
+              <a:rPr lang="en-US" dirty="0">
+                <a:latin typeface="Arial" charset="0"/>
+              </a:rPr>
+              <a:t>Used to set/clear bits</a:t>
+            </a:r>
+          </a:p>
+          <a:p>
+            <a:r>
+              <a:rPr lang="en-US" dirty="0">
+                <a:latin typeface="Arial" charset="0"/>
+              </a:rPr>
+              <a:t>Bit shifts: &lt;&lt;    &gt;&gt;</a:t>
+            </a:r>
+          </a:p>
+          <a:p>
+            <a:pPr lvl="1"/>
+            <a:r>
+              <a:rPr lang="en-US" dirty="0">
+                <a:latin typeface="Arial" charset="0"/>
+              </a:rPr>
+              <a:t>Used to shift bits into position</a:t>
+            </a:r>
+          </a:p>
+          <a:p>
+            <a:pPr lvl="1"/>
+            <a:r>
+              <a:rPr lang="en-US" dirty="0">
+                <a:latin typeface="Arial" charset="0"/>
+              </a:rPr>
+              <a:t>Used for multiplication/division by powers of </a:t>
+            </a:r>
+            <a:r>
+              <a:rPr lang="en-US" dirty="0" smtClean="0">
+                <a:latin typeface="Arial" charset="0"/>
+              </a:rPr>
+              <a:t>2</a:t>
+            </a:r>
+            <a:endParaRPr lang="en-US" dirty="0">
+              <a:latin typeface="Arial" charset="0"/>
+            </a:endParaRPr>
+          </a:p>
+        </p:txBody>
+      </p:sp>
+      <p:sp>
+        <p:nvSpPr>
+          <p:cNvPr id="26627" name="Date Placeholder 3"/>
+          <p:cNvSpPr>
+            <a:spLocks noGrp="1"/>
+          </p:cNvSpPr>
+          <p:nvPr>
+            <p:ph type="dt" sz="quarter" idx="10"/>
+          </p:nvPr>
+        </p:nvSpPr>
+        <p:spPr>
+          <a:noFill/>
+          <a:ln/>
+          <a:extLst>
+            <a:ext uri="{909E8E84-426E-40DD-AFC4-6F175D3DCCD1}">
+              <a14:hiddenFill xmlns:a14="http://schemas.microsoft.com/office/drawing/2010/main">
+                <a:solidFill>
+                  <a:srgbClr val="FFFFFF"/>
+                </a:solidFill>
+              </a14:hiddenFill>
+            </a:ext>
+            <a:ext uri="{91240B29-F687-4F45-9708-019B960494DF}">
+              <a14:hiddenLine xmlns:a14="http://schemas.microsoft.com/office/drawing/2010/main" w="9525">
+                <a:solidFill>
+                  <a:srgbClr val="000000"/>
+                </a:solidFill>
+                <a:miter lim="800000"/>
+                <a:headEnd/>
+                <a:tailEnd/>
+              </a14:hiddenLine>
+            </a:ext>
+          </a:extLst>
+        </p:spPr>
+        <p:txBody>
+          <a:bodyPr/>
+          <a:lstStyle>
+            <a:lvl1pPr eaLnBrk="0" hangingPunct="0">
+              <a:defRPr sz="2400">
+                <a:solidFill>
+                  <a:schemeClr val="tx1"/>
+                </a:solidFill>
+                <a:latin typeface="Arial" charset="0"/>
+                <a:ea typeface="ＭＳ Ｐゴシック" charset="0"/>
+                <a:cs typeface="ＭＳ Ｐゴシック" charset="0"/>
+              </a:defRPr>
+            </a:lvl1pPr>
+            <a:lvl2pPr marL="742950" indent="-285750" eaLnBrk="0" hangingPunct="0">
+              <a:defRPr sz="2400">
+                <a:solidFill>
+                  <a:schemeClr val="tx1"/>
+                </a:solidFill>
+                <a:latin typeface="Arial" charset="0"/>
+                <a:ea typeface="ＭＳ Ｐゴシック" charset="0"/>
+              </a:defRPr>
+            </a:lvl2pPr>
+            <a:lvl3pPr marL="1143000" indent="-228600" eaLnBrk="0" hangingPunct="0">
+              <a:defRPr sz="2400">
+                <a:solidFill>
+                  <a:schemeClr val="tx1"/>
+                </a:solidFill>
+                <a:latin typeface="Arial" charset="0"/>
+                <a:ea typeface="ＭＳ Ｐゴシック" charset="0"/>
+              </a:defRPr>
+            </a:lvl3pPr>
+            <a:lvl4pPr marL="1600200" indent="-228600" eaLnBrk="0" hangingPunct="0">
+              <a:defRPr sz="2400">
+                <a:solidFill>
+                  <a:schemeClr val="tx1"/>
+                </a:solidFill>
+                <a:latin typeface="Arial" charset="0"/>
+                <a:ea typeface="ＭＳ Ｐゴシック" charset="0"/>
+              </a:defRPr>
+            </a:lvl4pPr>
+            <a:lvl5pPr marL="2057400" indent="-228600" eaLnBrk="0" hangingPunct="0">
+              <a:defRPr sz="2400">
+                <a:solidFill>
+                  <a:schemeClr val="tx1"/>
+                </a:solidFill>
+                <a:latin typeface="Arial" charset="0"/>
+                <a:ea typeface="ＭＳ Ｐゴシック" charset="0"/>
+              </a:defRPr>
+            </a:lvl5pPr>
+            <a:lvl6pPr marL="2514600" indent="-228600" eaLnBrk="0" fontAlgn="base" hangingPunct="0">
+              <a:spcBef>
+                <a:spcPct val="0"/>
+              </a:spcBef>
+              <a:spcAft>
+                <a:spcPct val="0"/>
+              </a:spcAft>
+              <a:defRPr sz="2400">
+                <a:solidFill>
+                  <a:schemeClr val="tx1"/>
+                </a:solidFill>
+                <a:latin typeface="Arial" charset="0"/>
+                <a:ea typeface="ＭＳ Ｐゴシック" charset="0"/>
+              </a:defRPr>
+            </a:lvl6pPr>
+            <a:lvl7pPr marL="2971800" indent="-228600" eaLnBrk="0" fontAlgn="base" hangingPunct="0">
+              <a:spcBef>
+                <a:spcPct val="0"/>
+              </a:spcBef>
+              <a:spcAft>
+                <a:spcPct val="0"/>
+              </a:spcAft>
+              <a:defRPr sz="2400">
+                <a:solidFill>
+                  <a:schemeClr val="tx1"/>
+                </a:solidFill>
+                <a:latin typeface="Arial" charset="0"/>
+                <a:ea typeface="ＭＳ Ｐゴシック" charset="0"/>
+              </a:defRPr>
+            </a:lvl7pPr>
+            <a:lvl8pPr marL="3429000" indent="-228600" eaLnBrk="0" fontAlgn="base" hangingPunct="0">
+              <a:spcBef>
+                <a:spcPct val="0"/>
+              </a:spcBef>
+              <a:spcAft>
+                <a:spcPct val="0"/>
+              </a:spcAft>
+              <a:defRPr sz="2400">
+                <a:solidFill>
+                  <a:schemeClr val="tx1"/>
+                </a:solidFill>
+                <a:latin typeface="Arial" charset="0"/>
+                <a:ea typeface="ＭＳ Ｐゴシック" charset="0"/>
+              </a:defRPr>
+            </a:lvl8pPr>
+            <a:lvl9pPr marL="3886200" indent="-228600" eaLnBrk="0" fontAlgn="base" hangingPunct="0">
+              <a:spcBef>
+                <a:spcPct val="0"/>
+              </a:spcBef>
+              <a:spcAft>
+                <a:spcPct val="0"/>
+              </a:spcAft>
+              <a:defRPr sz="2400">
+                <a:solidFill>
+                  <a:schemeClr val="tx1"/>
+                </a:solidFill>
+                <a:latin typeface="Arial" charset="0"/>
+                <a:ea typeface="ＭＳ Ｐゴシック" charset="0"/>
+              </a:defRPr>
+            </a:lvl9pPr>
+          </a:lstStyle>
+          <a:p>
+            <a:pPr eaLnBrk="1" hangingPunct="1"/>
+            <a:fld id="{170F0760-F2AF-6F46-A2F7-7D79A37B8CB9}" type="datetime1">
+              <a:rPr lang="en-US" sz="1200" smtClean="0">
+                <a:latin typeface="Garamond" charset="0"/>
+              </a:rPr>
+              <a:t>12/12/18</a:t>
+            </a:fld>
+            <a:endParaRPr lang="en-US" sz="1200">
+              <a:latin typeface="Garamond" charset="0"/>
+            </a:endParaRPr>
+          </a:p>
+        </p:txBody>
+      </p:sp>
+      <p:sp>
+        <p:nvSpPr>
+          <p:cNvPr id="5" name="Footer Placeholder 4"/>
+          <p:cNvSpPr>
+            <a:spLocks noGrp="1"/>
+          </p:cNvSpPr>
+          <p:nvPr>
+            <p:ph type="ftr" sz="quarter" idx="11"/>
+          </p:nvPr>
+        </p:nvSpPr>
+        <p:spPr/>
+        <p:txBody>
+          <a:bodyPr/>
+          <a:lstStyle/>
+          <a:p>
+            <a:pPr>
+              <a:defRPr/>
+            </a:pPr>
+            <a:r>
+              <a:rPr lang="en-US" altLang="en-US"/>
+              <a:t>ECE Application Programming: Exam 3 Preview</a:t>
+            </a:r>
+          </a:p>
+        </p:txBody>
+      </p:sp>
+      <p:sp>
+        <p:nvSpPr>
+          <p:cNvPr id="26629" name="Slide Number Placeholder 5"/>
+          <p:cNvSpPr>
+            <a:spLocks noGrp="1"/>
+          </p:cNvSpPr>
+          <p:nvPr>
+            <p:ph type="sldNum" sz="quarter" idx="12"/>
+          </p:nvPr>
+        </p:nvSpPr>
+        <p:spPr>
+          <a:noFill/>
+          <a:ln/>
+          <a:extLst>
+            <a:ext uri="{909E8E84-426E-40DD-AFC4-6F175D3DCCD1}">
+              <a14:hiddenFill xmlns:a14="http://schemas.microsoft.com/office/drawing/2010/main">
+                <a:solidFill>
+                  <a:srgbClr val="FFFFFF"/>
+                </a:solidFill>
+              </a14:hiddenFill>
+            </a:ext>
+            <a:ext uri="{91240B29-F687-4F45-9708-019B960494DF}">
+              <a14:hiddenLine xmlns:a14="http://schemas.microsoft.com/office/drawing/2010/main" w="9525">
+                <a:solidFill>
+                  <a:srgbClr val="000000"/>
+                </a:solidFill>
+                <a:miter lim="800000"/>
+                <a:headEnd/>
+                <a:tailEnd/>
+              </a14:hiddenLine>
+            </a:ext>
+          </a:extLst>
+        </p:spPr>
+        <p:txBody>
+          <a:bodyPr/>
+          <a:lstStyle>
+            <a:lvl1pPr eaLnBrk="0" hangingPunct="0">
+              <a:defRPr sz="2400">
+                <a:solidFill>
+                  <a:schemeClr val="tx1"/>
+                </a:solidFill>
+                <a:latin typeface="Arial" charset="0"/>
+                <a:ea typeface="ＭＳ Ｐゴシック" charset="0"/>
+                <a:cs typeface="ＭＳ Ｐゴシック" charset="0"/>
+              </a:defRPr>
+            </a:lvl1pPr>
+            <a:lvl2pPr marL="742950" indent="-285750" eaLnBrk="0" hangingPunct="0">
+              <a:defRPr sz="2400">
+                <a:solidFill>
+                  <a:schemeClr val="tx1"/>
+                </a:solidFill>
+                <a:latin typeface="Arial" charset="0"/>
+                <a:ea typeface="ＭＳ Ｐゴシック" charset="0"/>
+              </a:defRPr>
+            </a:lvl2pPr>
+            <a:lvl3pPr marL="1143000" indent="-228600" eaLnBrk="0" hangingPunct="0">
+              <a:defRPr sz="2400">
+                <a:solidFill>
+                  <a:schemeClr val="tx1"/>
+                </a:solidFill>
+                <a:latin typeface="Arial" charset="0"/>
+                <a:ea typeface="ＭＳ Ｐゴシック" charset="0"/>
+              </a:defRPr>
+            </a:lvl3pPr>
+            <a:lvl4pPr marL="1600200" indent="-228600" eaLnBrk="0" hangingPunct="0">
+              <a:defRPr sz="2400">
+                <a:solidFill>
+                  <a:schemeClr val="tx1"/>
+                </a:solidFill>
+                <a:latin typeface="Arial" charset="0"/>
+                <a:ea typeface="ＭＳ Ｐゴシック" charset="0"/>
+              </a:defRPr>
+            </a:lvl4pPr>
+            <a:lvl5pPr marL="2057400" indent="-228600" eaLnBrk="0" hangingPunct="0">
+              <a:defRPr sz="2400">
+                <a:solidFill>
+                  <a:schemeClr val="tx1"/>
+                </a:solidFill>
+                <a:latin typeface="Arial" charset="0"/>
+                <a:ea typeface="ＭＳ Ｐゴシック" charset="0"/>
+              </a:defRPr>
+            </a:lvl5pPr>
+            <a:lvl6pPr marL="2514600" indent="-228600" eaLnBrk="0" fontAlgn="base" hangingPunct="0">
+              <a:spcBef>
+                <a:spcPct val="0"/>
+              </a:spcBef>
+              <a:spcAft>
+                <a:spcPct val="0"/>
+              </a:spcAft>
+              <a:defRPr sz="2400">
+                <a:solidFill>
+                  <a:schemeClr val="tx1"/>
+                </a:solidFill>
+                <a:latin typeface="Arial" charset="0"/>
+                <a:ea typeface="ＭＳ Ｐゴシック" charset="0"/>
+              </a:defRPr>
+            </a:lvl6pPr>
+            <a:lvl7pPr marL="2971800" indent="-228600" eaLnBrk="0" fontAlgn="base" hangingPunct="0">
+              <a:spcBef>
+                <a:spcPct val="0"/>
+              </a:spcBef>
+              <a:spcAft>
+                <a:spcPct val="0"/>
+              </a:spcAft>
+              <a:defRPr sz="2400">
+                <a:solidFill>
+                  <a:schemeClr val="tx1"/>
+                </a:solidFill>
+                <a:latin typeface="Arial" charset="0"/>
+                <a:ea typeface="ＭＳ Ｐゴシック" charset="0"/>
+              </a:defRPr>
+            </a:lvl7pPr>
+            <a:lvl8pPr marL="3429000" indent="-228600" eaLnBrk="0" fontAlgn="base" hangingPunct="0">
+              <a:spcBef>
+                <a:spcPct val="0"/>
+              </a:spcBef>
+              <a:spcAft>
+                <a:spcPct val="0"/>
+              </a:spcAft>
+              <a:defRPr sz="2400">
+                <a:solidFill>
+                  <a:schemeClr val="tx1"/>
+                </a:solidFill>
+                <a:latin typeface="Arial" charset="0"/>
+                <a:ea typeface="ＭＳ Ｐゴシック" charset="0"/>
+              </a:defRPr>
+            </a:lvl8pPr>
+            <a:lvl9pPr marL="3886200" indent="-228600" eaLnBrk="0" fontAlgn="base" hangingPunct="0">
+              <a:spcBef>
+                <a:spcPct val="0"/>
+              </a:spcBef>
+              <a:spcAft>
+                <a:spcPct val="0"/>
+              </a:spcAft>
+              <a:defRPr sz="2400">
+                <a:solidFill>
+                  <a:schemeClr val="tx1"/>
+                </a:solidFill>
+                <a:latin typeface="Arial" charset="0"/>
+                <a:ea typeface="ＭＳ Ｐゴシック" charset="0"/>
+              </a:defRPr>
+            </a:lvl9pPr>
+          </a:lstStyle>
+          <a:p>
+            <a:pPr eaLnBrk="1" hangingPunct="1"/>
+            <a:fld id="{0FDF98AE-A784-DA4F-AAA7-4DCA46B027AA}" type="slidenum">
+              <a:rPr lang="en-US" sz="1200">
+                <a:latin typeface="Garamond" charset="0"/>
+              </a:rPr>
+              <a:pPr eaLnBrk="1" hangingPunct="1"/>
+              <a:t>15</a:t>
+            </a:fld>
+            <a:endParaRPr lang="en-US" sz="1200">
+              <a:latin typeface="Garamond" charset="0"/>
+            </a:endParaRPr>
+          </a:p>
+        </p:txBody>
+      </p:sp>
+    </p:spTree>
+    <p:extLst>
+      <p:ext uri="{BB962C8B-B14F-4D97-AF65-F5344CB8AC3E}">
+        <p14:creationId xmlns:p14="http://schemas.microsoft.com/office/powerpoint/2010/main" val="1520710015"/>
+      </p:ext>
+    </p:extLst>
+  </p:cSld>
+  <p:clrMapOvr>
+    <a:masterClrMapping/>
+  </p:clrMapOvr>
+  <p:timing>
+    <p:tnLst>
+      <p:par>
+        <p:cTn id="1" dur="indefinite" restart="never" nodeType="tmRoot"/>
+      </p:par>
+    </p:tnLst>
+  </p:timing>
+</p:sld>
+</file>
+
+<file path=ppt/slides/slide16.xml><?xml version="1.0" encoding="utf-8"?>
+<p:sld xmlns:a="http://schemas.openxmlformats.org/drawingml/2006/main" xmlns:r="http://schemas.openxmlformats.org/officeDocument/2006/relationships" xmlns:p="http://schemas.openxmlformats.org/presentationml/2006/main">
+  <p:cSld>
+    <p:spTree>
+      <p:nvGrpSpPr>
+        <p:cNvPr id="1" name=""/>
+        <p:cNvGrpSpPr/>
+        <p:nvPr/>
+      </p:nvGrpSpPr>
+      <p:grpSpPr>
+        <a:xfrm>
+          <a:off x="0" y="0"/>
+          <a:ext cx="0" cy="0"/>
+          <a:chOff x="0" y="0"/>
+          <a:chExt cx="0" cy="0"/>
+        </a:xfrm>
+      </p:grpSpPr>
+      <p:sp>
+        <p:nvSpPr>
+          <p:cNvPr id="27649" name="Title 1"/>
+          <p:cNvSpPr>
+            <a:spLocks noGrp="1"/>
+          </p:cNvSpPr>
+          <p:nvPr>
+            <p:ph type="title"/>
+          </p:nvPr>
+        </p:nvSpPr>
+        <p:spPr/>
+        <p:txBody>
+          <a:bodyPr/>
+          <a:lstStyle/>
+          <a:p>
+            <a:r>
+              <a:rPr lang="en-US">
+                <a:latin typeface="Garamond" charset="0"/>
+              </a:rPr>
+              <a:t>Review: hexadecimal output</a:t>
+            </a:r>
+          </a:p>
+        </p:txBody>
+      </p:sp>
+      <p:sp>
+        <p:nvSpPr>
+          <p:cNvPr id="27650" name="Content Placeholder 2"/>
+          <p:cNvSpPr>
+            <a:spLocks noGrp="1"/>
+          </p:cNvSpPr>
+          <p:nvPr>
+            <p:ph idx="1"/>
+          </p:nvPr>
+        </p:nvSpPr>
+        <p:spPr/>
+        <p:txBody>
+          <a:bodyPr/>
+          <a:lstStyle/>
+          <a:p>
+            <a:pPr>
+              <a:lnSpc>
+                <a:spcPct val="80000"/>
+              </a:lnSpc>
+            </a:pPr>
+            <a:r>
+              <a:rPr lang="en-US" sz="2800">
+                <a:latin typeface="Arial" charset="0"/>
+              </a:rPr>
+              <a:t>To print a number in hex, use </a:t>
+            </a:r>
+            <a:r>
+              <a:rPr lang="en-US" sz="2800" b="1">
+                <a:solidFill>
+                  <a:srgbClr val="FF0000"/>
+                </a:solidFill>
+                <a:latin typeface="Courier New" charset="0"/>
+                <a:cs typeface="Courier New" charset="0"/>
+              </a:rPr>
+              <a:t>%x</a:t>
+            </a:r>
+            <a:r>
+              <a:rPr lang="en-US" sz="2800">
+                <a:latin typeface="Arial" charset="0"/>
+              </a:rPr>
+              <a:t> or </a:t>
+            </a:r>
+            <a:r>
+              <a:rPr lang="en-US" sz="2800" b="1">
+                <a:solidFill>
+                  <a:srgbClr val="FF0000"/>
+                </a:solidFill>
+                <a:latin typeface="Courier New" charset="0"/>
+                <a:cs typeface="Courier New" charset="0"/>
+              </a:rPr>
+              <a:t>%X</a:t>
+            </a:r>
+          </a:p>
+          <a:p>
+            <a:pPr lvl="1">
+              <a:lnSpc>
+                <a:spcPct val="80000"/>
+              </a:lnSpc>
+            </a:pPr>
+            <a:r>
+              <a:rPr lang="en-US" sz="2400">
+                <a:latin typeface="Courier New" charset="0"/>
+                <a:cs typeface="Courier New" charset="0"/>
+              </a:rPr>
+              <a:t>%x</a:t>
+            </a:r>
+            <a:r>
+              <a:rPr lang="en-US" sz="2400">
+                <a:latin typeface="Arial" charset="0"/>
+              </a:rPr>
+              <a:t> prints characters </a:t>
+            </a:r>
+            <a:r>
+              <a:rPr lang="en-US" sz="2400">
+                <a:latin typeface="Courier New" charset="0"/>
+                <a:cs typeface="Courier New" charset="0"/>
+              </a:rPr>
+              <a:t>a-f</a:t>
+            </a:r>
+            <a:r>
+              <a:rPr lang="en-US" sz="2400">
+                <a:latin typeface="Arial" charset="0"/>
+              </a:rPr>
+              <a:t> in lowercase</a:t>
+            </a:r>
+          </a:p>
+          <a:p>
+            <a:pPr lvl="1">
+              <a:lnSpc>
+                <a:spcPct val="80000"/>
+              </a:lnSpc>
+            </a:pPr>
+            <a:r>
+              <a:rPr lang="en-US" sz="2400">
+                <a:latin typeface="Courier New" charset="0"/>
+                <a:cs typeface="Courier New" charset="0"/>
+              </a:rPr>
+              <a:t>%X</a:t>
+            </a:r>
+            <a:r>
+              <a:rPr lang="en-US" sz="2400">
+                <a:latin typeface="Arial" charset="0"/>
+              </a:rPr>
+              <a:t> prints characters </a:t>
+            </a:r>
+            <a:r>
+              <a:rPr lang="en-US" sz="2400">
+                <a:latin typeface="Courier New" charset="0"/>
+                <a:cs typeface="Courier New" charset="0"/>
+              </a:rPr>
+              <a:t>A-F</a:t>
+            </a:r>
+            <a:r>
+              <a:rPr lang="en-US" sz="2400">
+                <a:latin typeface="Arial" charset="0"/>
+              </a:rPr>
+              <a:t> in uppercase</a:t>
+            </a:r>
+          </a:p>
+          <a:p>
+            <a:pPr>
+              <a:lnSpc>
+                <a:spcPct val="80000"/>
+              </a:lnSpc>
+            </a:pPr>
+            <a:r>
+              <a:rPr lang="en-US" sz="2800">
+                <a:latin typeface="Arial" charset="0"/>
+              </a:rPr>
+              <a:t>To show leading </a:t>
+            </a:r>
+            <a:r>
+              <a:rPr lang="en-US" sz="2800">
+                <a:latin typeface="Courier New" charset="0"/>
+                <a:cs typeface="Courier New" charset="0"/>
+              </a:rPr>
+              <a:t>0x</a:t>
+            </a:r>
+            <a:r>
+              <a:rPr lang="en-US" sz="2800">
+                <a:latin typeface="Arial" charset="0"/>
+                <a:cs typeface="Courier New" charset="0"/>
+              </a:rPr>
+              <a:t>, </a:t>
+            </a:r>
+            <a:r>
+              <a:rPr lang="en-US" sz="2800">
+                <a:latin typeface="Arial" charset="0"/>
+              </a:rPr>
+              <a:t>use the </a:t>
+            </a:r>
+            <a:r>
+              <a:rPr lang="en-US" sz="2800">
+                <a:latin typeface="Courier New" charset="0"/>
+                <a:cs typeface="Courier New" charset="0"/>
+              </a:rPr>
+              <a:t>#</a:t>
+            </a:r>
+            <a:r>
+              <a:rPr lang="en-US" sz="2800">
+                <a:latin typeface="Arial" charset="0"/>
+              </a:rPr>
+              <a:t> flag</a:t>
+            </a:r>
+          </a:p>
+          <a:p>
+            <a:pPr>
+              <a:lnSpc>
+                <a:spcPct val="80000"/>
+              </a:lnSpc>
+            </a:pPr>
+            <a:r>
+              <a:rPr lang="en-US" sz="2800">
+                <a:latin typeface="Arial" charset="0"/>
+              </a:rPr>
+              <a:t>To show leading </a:t>
+            </a:r>
+            <a:r>
+              <a:rPr lang="en-US" sz="2800">
+                <a:latin typeface="Courier New" charset="0"/>
+                <a:cs typeface="Courier New" charset="0"/>
+              </a:rPr>
+              <a:t>0</a:t>
+            </a:r>
+            <a:r>
+              <a:rPr lang="en-US" sz="2800">
+                <a:latin typeface="Arial" charset="0"/>
+              </a:rPr>
+              <a:t>s, use precision with total # chars</a:t>
+            </a:r>
+          </a:p>
+          <a:p>
+            <a:pPr lvl="1">
+              <a:lnSpc>
+                <a:spcPct val="80000"/>
+              </a:lnSpc>
+            </a:pPr>
+            <a:r>
+              <a:rPr lang="en-US" sz="2400">
+                <a:latin typeface="Arial" charset="0"/>
+              </a:rPr>
+              <a:t>Field width + 0 flag also works </a:t>
+            </a:r>
+            <a:r>
+              <a:rPr lang="en-US" sz="2400" u="sng">
+                <a:latin typeface="Arial" charset="0"/>
+              </a:rPr>
+              <a:t>unless</a:t>
+            </a:r>
+            <a:r>
+              <a:rPr lang="en-US" sz="2400">
+                <a:latin typeface="Arial" charset="0"/>
+              </a:rPr>
+              <a:t> value = 0</a:t>
+            </a:r>
+          </a:p>
+          <a:p>
+            <a:pPr>
+              <a:lnSpc>
+                <a:spcPct val="80000"/>
+              </a:lnSpc>
+            </a:pPr>
+            <a:r>
+              <a:rPr lang="en-US" sz="2800">
+                <a:latin typeface="Arial" charset="0"/>
+              </a:rPr>
+              <a:t>Examples (assume </a:t>
+            </a:r>
+            <a:r>
+              <a:rPr lang="en-US" sz="2800">
+                <a:latin typeface="Courier New" charset="0"/>
+                <a:cs typeface="Courier New" charset="0"/>
+              </a:rPr>
+              <a:t>var1 = 0x1A2B</a:t>
+            </a:r>
+            <a:r>
+              <a:rPr lang="en-US" sz="2800">
+                <a:latin typeface="Arial" charset="0"/>
+              </a:rPr>
+              <a:t>)</a:t>
+            </a:r>
+          </a:p>
+          <a:p>
+            <a:pPr lvl="1">
+              <a:lnSpc>
+                <a:spcPct val="80000"/>
+              </a:lnSpc>
+            </a:pPr>
+            <a:r>
+              <a:rPr lang="en-US" sz="2400">
+                <a:latin typeface="Courier New" charset="0"/>
+                <a:cs typeface="Courier New" charset="0"/>
+              </a:rPr>
+              <a:t>printf(</a:t>
+            </a:r>
+            <a:r>
+              <a:rPr lang="ja-JP" altLang="en-US" sz="2400">
+                <a:latin typeface="Courier New" charset="0"/>
+                <a:cs typeface="Courier New" charset="0"/>
+              </a:rPr>
+              <a:t>“</a:t>
+            </a:r>
+            <a:r>
+              <a:rPr lang="en-US" altLang="ja-JP" sz="2400">
+                <a:latin typeface="Courier New" charset="0"/>
+                <a:cs typeface="Courier New" charset="0"/>
+              </a:rPr>
+              <a:t>%x</a:t>
+            </a:r>
+            <a:r>
+              <a:rPr lang="ja-JP" altLang="en-US" sz="2400">
+                <a:latin typeface="Courier New" charset="0"/>
+                <a:cs typeface="Courier New" charset="0"/>
+              </a:rPr>
+              <a:t>”</a:t>
+            </a:r>
+            <a:r>
+              <a:rPr lang="en-US" altLang="ja-JP" sz="2400">
+                <a:latin typeface="Courier New" charset="0"/>
+                <a:cs typeface="Courier New" charset="0"/>
+              </a:rPr>
+              <a:t>, var1) </a:t>
+            </a:r>
+            <a:r>
+              <a:rPr lang="en-US" altLang="ja-JP" sz="2400">
+                <a:latin typeface="Courier New" charset="0"/>
+                <a:cs typeface="Courier New" charset="0"/>
+                <a:sym typeface="Wingdings" charset="0"/>
+              </a:rPr>
+              <a:t> </a:t>
+            </a:r>
+            <a:r>
+              <a:rPr lang="en-US" altLang="ja-JP" sz="2400" b="1">
+                <a:solidFill>
+                  <a:srgbClr val="0000FF"/>
+                </a:solidFill>
+                <a:latin typeface="Courier New" charset="0"/>
+                <a:cs typeface="Courier New" charset="0"/>
+                <a:sym typeface="Wingdings" charset="0"/>
+              </a:rPr>
+              <a:t>1a2b</a:t>
+            </a:r>
+          </a:p>
+          <a:p>
+            <a:pPr lvl="1">
+              <a:lnSpc>
+                <a:spcPct val="80000"/>
+              </a:lnSpc>
+            </a:pPr>
+            <a:r>
+              <a:rPr lang="en-US" sz="2400">
+                <a:latin typeface="Courier New" charset="0"/>
+                <a:cs typeface="Courier New" charset="0"/>
+              </a:rPr>
+              <a:t>printf(</a:t>
+            </a:r>
+            <a:r>
+              <a:rPr lang="ja-JP" altLang="en-US" sz="2400">
+                <a:latin typeface="Courier New" charset="0"/>
+                <a:cs typeface="Courier New" charset="0"/>
+              </a:rPr>
+              <a:t>“</a:t>
+            </a:r>
+            <a:r>
+              <a:rPr lang="en-US" altLang="ja-JP" sz="2400">
+                <a:latin typeface="Courier New" charset="0"/>
+                <a:cs typeface="Courier New" charset="0"/>
+              </a:rPr>
+              <a:t>%X</a:t>
+            </a:r>
+            <a:r>
+              <a:rPr lang="ja-JP" altLang="en-US" sz="2400">
+                <a:latin typeface="Courier New" charset="0"/>
+                <a:cs typeface="Courier New" charset="0"/>
+              </a:rPr>
+              <a:t>”</a:t>
+            </a:r>
+            <a:r>
+              <a:rPr lang="en-US" altLang="ja-JP" sz="2400">
+                <a:latin typeface="Courier New" charset="0"/>
+                <a:cs typeface="Courier New" charset="0"/>
+              </a:rPr>
+              <a:t>, var1) </a:t>
+            </a:r>
+            <a:r>
+              <a:rPr lang="en-US" altLang="ja-JP" sz="2400">
+                <a:latin typeface="Courier New" charset="0"/>
+                <a:cs typeface="Courier New" charset="0"/>
+                <a:sym typeface="Wingdings" charset="0"/>
+              </a:rPr>
+              <a:t> </a:t>
+            </a:r>
+            <a:r>
+              <a:rPr lang="en-US" altLang="ja-JP" sz="2400" b="1">
+                <a:solidFill>
+                  <a:srgbClr val="0000FF"/>
+                </a:solidFill>
+                <a:latin typeface="Courier New" charset="0"/>
+                <a:cs typeface="Courier New" charset="0"/>
+                <a:sym typeface="Wingdings" charset="0"/>
+              </a:rPr>
+              <a:t>1A2B</a:t>
+            </a:r>
+            <a:endParaRPr lang="en-US" altLang="ja-JP" sz="2400" b="1">
+              <a:latin typeface="Courier New" charset="0"/>
+              <a:cs typeface="Courier New" charset="0"/>
+            </a:endParaRPr>
+          </a:p>
+          <a:p>
+            <a:pPr lvl="1">
+              <a:lnSpc>
+                <a:spcPct val="80000"/>
+              </a:lnSpc>
+            </a:pPr>
+            <a:r>
+              <a:rPr lang="en-US" sz="2400">
+                <a:latin typeface="Courier New" charset="0"/>
+                <a:cs typeface="Courier New" charset="0"/>
+              </a:rPr>
+              <a:t>printf(</a:t>
+            </a:r>
+            <a:r>
+              <a:rPr lang="ja-JP" altLang="en-US" sz="2400">
+                <a:latin typeface="Courier New" charset="0"/>
+                <a:cs typeface="Courier New" charset="0"/>
+              </a:rPr>
+              <a:t>“</a:t>
+            </a:r>
+            <a:r>
+              <a:rPr lang="en-US" altLang="ja-JP" sz="2400">
+                <a:latin typeface="Courier New" charset="0"/>
+                <a:cs typeface="Courier New" charset="0"/>
+              </a:rPr>
+              <a:t>%#x</a:t>
+            </a:r>
+            <a:r>
+              <a:rPr lang="ja-JP" altLang="en-US" sz="2400">
+                <a:latin typeface="Courier New" charset="0"/>
+                <a:cs typeface="Courier New" charset="0"/>
+              </a:rPr>
+              <a:t>”</a:t>
+            </a:r>
+            <a:r>
+              <a:rPr lang="en-US" altLang="ja-JP" sz="2400">
+                <a:latin typeface="Courier New" charset="0"/>
+                <a:cs typeface="Courier New" charset="0"/>
+              </a:rPr>
+              <a:t>, var1) </a:t>
+            </a:r>
+            <a:r>
+              <a:rPr lang="en-US" altLang="ja-JP" sz="2400">
+                <a:latin typeface="Courier New" charset="0"/>
+                <a:cs typeface="Courier New" charset="0"/>
+                <a:sym typeface="Wingdings" charset="0"/>
+              </a:rPr>
+              <a:t> </a:t>
+            </a:r>
+            <a:r>
+              <a:rPr lang="en-US" altLang="ja-JP" sz="2400" b="1">
+                <a:solidFill>
+                  <a:srgbClr val="0000FF"/>
+                </a:solidFill>
+                <a:latin typeface="Courier New" charset="0"/>
+                <a:cs typeface="Courier New" charset="0"/>
+                <a:sym typeface="Wingdings" charset="0"/>
+              </a:rPr>
+              <a:t>0x1a2b</a:t>
+            </a:r>
+            <a:endParaRPr lang="en-US" altLang="ja-JP" sz="2400" b="1">
+              <a:latin typeface="Courier New" charset="0"/>
+              <a:cs typeface="Courier New" charset="0"/>
+            </a:endParaRPr>
+          </a:p>
+          <a:p>
+            <a:pPr lvl="1">
+              <a:lnSpc>
+                <a:spcPct val="80000"/>
+              </a:lnSpc>
+            </a:pPr>
+            <a:r>
+              <a:rPr lang="en-US" sz="2400">
+                <a:latin typeface="Courier New" charset="0"/>
+                <a:cs typeface="Courier New" charset="0"/>
+              </a:rPr>
+              <a:t>printf(</a:t>
+            </a:r>
+            <a:r>
+              <a:rPr lang="ja-JP" altLang="en-US" sz="2400">
+                <a:latin typeface="Courier New" charset="0"/>
+                <a:cs typeface="Courier New" charset="0"/>
+              </a:rPr>
+              <a:t>“</a:t>
+            </a:r>
+            <a:r>
+              <a:rPr lang="en-US" altLang="ja-JP" sz="2400">
+                <a:latin typeface="Courier New" charset="0"/>
+                <a:cs typeface="Courier New" charset="0"/>
+              </a:rPr>
+              <a:t>%.6x</a:t>
+            </a:r>
+            <a:r>
+              <a:rPr lang="ja-JP" altLang="en-US" sz="2400">
+                <a:latin typeface="Courier New" charset="0"/>
+                <a:cs typeface="Courier New" charset="0"/>
+              </a:rPr>
+              <a:t>”</a:t>
+            </a:r>
+            <a:r>
+              <a:rPr lang="en-US" altLang="ja-JP" sz="2400">
+                <a:latin typeface="Courier New" charset="0"/>
+                <a:cs typeface="Courier New" charset="0"/>
+              </a:rPr>
+              <a:t>, var1) </a:t>
+            </a:r>
+            <a:r>
+              <a:rPr lang="en-US" altLang="ja-JP" sz="2400">
+                <a:latin typeface="Courier New" charset="0"/>
+                <a:cs typeface="Courier New" charset="0"/>
+                <a:sym typeface="Wingdings" charset="0"/>
+              </a:rPr>
+              <a:t> </a:t>
+            </a:r>
+            <a:r>
+              <a:rPr lang="en-US" altLang="ja-JP" sz="2400" b="1">
+                <a:solidFill>
+                  <a:srgbClr val="0000FF"/>
+                </a:solidFill>
+                <a:latin typeface="Courier New" charset="0"/>
+                <a:cs typeface="Courier New" charset="0"/>
+                <a:sym typeface="Wingdings" charset="0"/>
+              </a:rPr>
+              <a:t>001a2b</a:t>
+            </a:r>
+            <a:endParaRPr lang="en-US" altLang="ja-JP" sz="2400" b="1">
+              <a:latin typeface="Courier New" charset="0"/>
+              <a:cs typeface="Courier New" charset="0"/>
+            </a:endParaRPr>
+          </a:p>
+          <a:p>
+            <a:pPr lvl="1">
+              <a:lnSpc>
+                <a:spcPct val="80000"/>
+              </a:lnSpc>
+            </a:pPr>
+            <a:r>
+              <a:rPr lang="en-US" sz="2400">
+                <a:latin typeface="Courier New" charset="0"/>
+                <a:cs typeface="Courier New" charset="0"/>
+              </a:rPr>
+              <a:t>printf(</a:t>
+            </a:r>
+            <a:r>
+              <a:rPr lang="ja-JP" altLang="en-US" sz="2400">
+                <a:latin typeface="Courier New" charset="0"/>
+                <a:cs typeface="Courier New" charset="0"/>
+              </a:rPr>
+              <a:t>“</a:t>
+            </a:r>
+            <a:r>
+              <a:rPr lang="en-US" altLang="ja-JP" sz="2400">
+                <a:latin typeface="Courier New" charset="0"/>
+                <a:cs typeface="Courier New" charset="0"/>
+              </a:rPr>
+              <a:t>%#.6x</a:t>
+            </a:r>
+            <a:r>
+              <a:rPr lang="ja-JP" altLang="en-US" sz="2400">
+                <a:latin typeface="Courier New" charset="0"/>
+                <a:cs typeface="Courier New" charset="0"/>
+              </a:rPr>
+              <a:t>”</a:t>
+            </a:r>
+            <a:r>
+              <a:rPr lang="en-US" altLang="ja-JP" sz="2400">
+                <a:latin typeface="Courier New" charset="0"/>
+                <a:cs typeface="Courier New" charset="0"/>
+              </a:rPr>
+              <a:t>, var1) </a:t>
+            </a:r>
+            <a:r>
+              <a:rPr lang="en-US" altLang="ja-JP" sz="2400">
+                <a:latin typeface="Courier New" charset="0"/>
+                <a:cs typeface="Courier New" charset="0"/>
+                <a:sym typeface="Wingdings" charset="0"/>
+              </a:rPr>
+              <a:t> </a:t>
+            </a:r>
+            <a:r>
+              <a:rPr lang="en-US" altLang="ja-JP" sz="2400" b="1">
+                <a:solidFill>
+                  <a:srgbClr val="0000FF"/>
+                </a:solidFill>
+                <a:latin typeface="Courier New" charset="0"/>
+                <a:cs typeface="Courier New" charset="0"/>
+                <a:sym typeface="Wingdings" charset="0"/>
+              </a:rPr>
+              <a:t>0x001a2b</a:t>
+            </a:r>
+            <a:endParaRPr lang="en-US" sz="2400" b="1">
+              <a:latin typeface="Courier New" charset="0"/>
+              <a:cs typeface="Courier New" charset="0"/>
+              <a:sym typeface="Wingdings" charset="0"/>
+            </a:endParaRPr>
+          </a:p>
+        </p:txBody>
+      </p:sp>
+      <p:sp>
+        <p:nvSpPr>
+          <p:cNvPr id="27651" name="Date Placeholder 3"/>
+          <p:cNvSpPr>
+            <a:spLocks noGrp="1"/>
+          </p:cNvSpPr>
+          <p:nvPr>
+            <p:ph type="dt" sz="quarter" idx="10"/>
+          </p:nvPr>
+        </p:nvSpPr>
+        <p:spPr>
+          <a:noFill/>
+          <a:ln/>
+          <a:extLst>
+            <a:ext uri="{909E8E84-426E-40DD-AFC4-6F175D3DCCD1}">
+              <a14:hiddenFill xmlns:a14="http://schemas.microsoft.com/office/drawing/2010/main">
+                <a:solidFill>
+                  <a:srgbClr val="FFFFFF"/>
+                </a:solidFill>
+              </a14:hiddenFill>
+            </a:ext>
+            <a:ext uri="{91240B29-F687-4F45-9708-019B960494DF}">
+              <a14:hiddenLine xmlns:a14="http://schemas.microsoft.com/office/drawing/2010/main" w="9525">
+                <a:solidFill>
+                  <a:srgbClr val="000000"/>
+                </a:solidFill>
+                <a:miter lim="800000"/>
+                <a:headEnd/>
+                <a:tailEnd/>
+              </a14:hiddenLine>
+            </a:ext>
+          </a:extLst>
+        </p:spPr>
+        <p:txBody>
+          <a:bodyPr/>
+          <a:lstStyle>
+            <a:lvl1pPr eaLnBrk="0" hangingPunct="0">
+              <a:defRPr sz="2400">
+                <a:solidFill>
+                  <a:schemeClr val="tx1"/>
+                </a:solidFill>
+                <a:latin typeface="Arial" charset="0"/>
+                <a:ea typeface="ＭＳ Ｐゴシック" charset="0"/>
+                <a:cs typeface="ＭＳ Ｐゴシック" charset="0"/>
+              </a:defRPr>
+            </a:lvl1pPr>
+            <a:lvl2pPr marL="742950" indent="-285750" eaLnBrk="0" hangingPunct="0">
+              <a:defRPr sz="2400">
+                <a:solidFill>
+                  <a:schemeClr val="tx1"/>
+                </a:solidFill>
+                <a:latin typeface="Arial" charset="0"/>
+                <a:ea typeface="ＭＳ Ｐゴシック" charset="0"/>
+              </a:defRPr>
+            </a:lvl2pPr>
+            <a:lvl3pPr marL="1143000" indent="-228600" eaLnBrk="0" hangingPunct="0">
+              <a:defRPr sz="2400">
+                <a:solidFill>
+                  <a:schemeClr val="tx1"/>
+                </a:solidFill>
+                <a:latin typeface="Arial" charset="0"/>
+                <a:ea typeface="ＭＳ Ｐゴシック" charset="0"/>
+              </a:defRPr>
+            </a:lvl3pPr>
+            <a:lvl4pPr marL="1600200" indent="-228600" eaLnBrk="0" hangingPunct="0">
+              <a:defRPr sz="2400">
+                <a:solidFill>
+                  <a:schemeClr val="tx1"/>
+                </a:solidFill>
+                <a:latin typeface="Arial" charset="0"/>
+                <a:ea typeface="ＭＳ Ｐゴシック" charset="0"/>
+              </a:defRPr>
+            </a:lvl4pPr>
+            <a:lvl5pPr marL="2057400" indent="-228600" eaLnBrk="0" hangingPunct="0">
+              <a:defRPr sz="2400">
+                <a:solidFill>
+                  <a:schemeClr val="tx1"/>
+                </a:solidFill>
+                <a:latin typeface="Arial" charset="0"/>
+                <a:ea typeface="ＭＳ Ｐゴシック" charset="0"/>
+              </a:defRPr>
+            </a:lvl5pPr>
+            <a:lvl6pPr marL="2514600" indent="-228600" eaLnBrk="0" fontAlgn="base" hangingPunct="0">
+              <a:spcBef>
+                <a:spcPct val="0"/>
+              </a:spcBef>
+              <a:spcAft>
+                <a:spcPct val="0"/>
+              </a:spcAft>
+              <a:defRPr sz="2400">
+                <a:solidFill>
+                  <a:schemeClr val="tx1"/>
+                </a:solidFill>
+                <a:latin typeface="Arial" charset="0"/>
+                <a:ea typeface="ＭＳ Ｐゴシック" charset="0"/>
+              </a:defRPr>
+            </a:lvl6pPr>
+            <a:lvl7pPr marL="2971800" indent="-228600" eaLnBrk="0" fontAlgn="base" hangingPunct="0">
+              <a:spcBef>
+                <a:spcPct val="0"/>
+              </a:spcBef>
+              <a:spcAft>
+                <a:spcPct val="0"/>
+              </a:spcAft>
+              <a:defRPr sz="2400">
+                <a:solidFill>
+                  <a:schemeClr val="tx1"/>
+                </a:solidFill>
+                <a:latin typeface="Arial" charset="0"/>
+                <a:ea typeface="ＭＳ Ｐゴシック" charset="0"/>
+              </a:defRPr>
+            </a:lvl7pPr>
+            <a:lvl8pPr marL="3429000" indent="-228600" eaLnBrk="0" fontAlgn="base" hangingPunct="0">
+              <a:spcBef>
+                <a:spcPct val="0"/>
+              </a:spcBef>
+              <a:spcAft>
+                <a:spcPct val="0"/>
+              </a:spcAft>
+              <a:defRPr sz="2400">
+                <a:solidFill>
+                  <a:schemeClr val="tx1"/>
+                </a:solidFill>
+                <a:latin typeface="Arial" charset="0"/>
+                <a:ea typeface="ＭＳ Ｐゴシック" charset="0"/>
+              </a:defRPr>
+            </a:lvl8pPr>
+            <a:lvl9pPr marL="3886200" indent="-228600" eaLnBrk="0" fontAlgn="base" hangingPunct="0">
+              <a:spcBef>
+                <a:spcPct val="0"/>
+              </a:spcBef>
+              <a:spcAft>
+                <a:spcPct val="0"/>
+              </a:spcAft>
+              <a:defRPr sz="2400">
+                <a:solidFill>
+                  <a:schemeClr val="tx1"/>
+                </a:solidFill>
+                <a:latin typeface="Arial" charset="0"/>
+                <a:ea typeface="ＭＳ Ｐゴシック" charset="0"/>
+              </a:defRPr>
+            </a:lvl9pPr>
+          </a:lstStyle>
+          <a:p>
+            <a:pPr eaLnBrk="1" hangingPunct="1"/>
+            <a:fld id="{9B218549-703F-A345-84AB-FA0544A1D505}" type="datetime1">
+              <a:rPr lang="en-US" sz="1200" smtClean="0">
+                <a:latin typeface="Garamond" charset="0"/>
+              </a:rPr>
+              <a:t>12/12/18</a:t>
+            </a:fld>
+            <a:endParaRPr lang="en-US" sz="1200">
+              <a:latin typeface="Garamond" charset="0"/>
+            </a:endParaRPr>
+          </a:p>
+        </p:txBody>
+      </p:sp>
+      <p:sp>
+        <p:nvSpPr>
+          <p:cNvPr id="5" name="Footer Placeholder 4"/>
+          <p:cNvSpPr>
+            <a:spLocks noGrp="1"/>
+          </p:cNvSpPr>
+          <p:nvPr>
+            <p:ph type="ftr" sz="quarter" idx="11"/>
+          </p:nvPr>
+        </p:nvSpPr>
+        <p:spPr/>
+        <p:txBody>
+          <a:bodyPr/>
+          <a:lstStyle/>
+          <a:p>
+            <a:pPr>
+              <a:defRPr/>
+            </a:pPr>
+            <a:r>
+              <a:rPr lang="en-US" altLang="en-US"/>
+              <a:t>ECE Application Programming: Exam 3 Preview</a:t>
+            </a:r>
+          </a:p>
+        </p:txBody>
+      </p:sp>
+      <p:sp>
+        <p:nvSpPr>
+          <p:cNvPr id="27653" name="Slide Number Placeholder 5"/>
+          <p:cNvSpPr>
+            <a:spLocks noGrp="1"/>
+          </p:cNvSpPr>
+          <p:nvPr>
+            <p:ph type="sldNum" sz="quarter" idx="12"/>
+          </p:nvPr>
+        </p:nvSpPr>
+        <p:spPr>
+          <a:noFill/>
+          <a:ln/>
+          <a:extLst>
+            <a:ext uri="{909E8E84-426E-40DD-AFC4-6F175D3DCCD1}">
+              <a14:hiddenFill xmlns:a14="http://schemas.microsoft.com/office/drawing/2010/main">
+                <a:solidFill>
+                  <a:srgbClr val="FFFFFF"/>
+                </a:solidFill>
+              </a14:hiddenFill>
+            </a:ext>
+            <a:ext uri="{91240B29-F687-4F45-9708-019B960494DF}">
+              <a14:hiddenLine xmlns:a14="http://schemas.microsoft.com/office/drawing/2010/main" w="9525">
+                <a:solidFill>
+                  <a:srgbClr val="000000"/>
+                </a:solidFill>
+                <a:miter lim="800000"/>
+                <a:headEnd/>
+                <a:tailEnd/>
+              </a14:hiddenLine>
+            </a:ext>
+          </a:extLst>
+        </p:spPr>
+        <p:txBody>
+          <a:bodyPr/>
+          <a:lstStyle>
+            <a:lvl1pPr eaLnBrk="0" hangingPunct="0">
+              <a:defRPr sz="2400">
+                <a:solidFill>
+                  <a:schemeClr val="tx1"/>
+                </a:solidFill>
+                <a:latin typeface="Arial" charset="0"/>
+                <a:ea typeface="ＭＳ Ｐゴシック" charset="0"/>
+                <a:cs typeface="ＭＳ Ｐゴシック" charset="0"/>
+              </a:defRPr>
+            </a:lvl1pPr>
+            <a:lvl2pPr marL="742950" indent="-285750" eaLnBrk="0" hangingPunct="0">
+              <a:defRPr sz="2400">
+                <a:solidFill>
+                  <a:schemeClr val="tx1"/>
+                </a:solidFill>
+                <a:latin typeface="Arial" charset="0"/>
+                <a:ea typeface="ＭＳ Ｐゴシック" charset="0"/>
+              </a:defRPr>
+            </a:lvl2pPr>
+            <a:lvl3pPr marL="1143000" indent="-228600" eaLnBrk="0" hangingPunct="0">
+              <a:defRPr sz="2400">
+                <a:solidFill>
+                  <a:schemeClr val="tx1"/>
+                </a:solidFill>
+                <a:latin typeface="Arial" charset="0"/>
+                <a:ea typeface="ＭＳ Ｐゴシック" charset="0"/>
+              </a:defRPr>
+            </a:lvl3pPr>
+            <a:lvl4pPr marL="1600200" indent="-228600" eaLnBrk="0" hangingPunct="0">
+              <a:defRPr sz="2400">
+                <a:solidFill>
+                  <a:schemeClr val="tx1"/>
+                </a:solidFill>
+                <a:latin typeface="Arial" charset="0"/>
+                <a:ea typeface="ＭＳ Ｐゴシック" charset="0"/>
+              </a:defRPr>
+            </a:lvl4pPr>
+            <a:lvl5pPr marL="2057400" indent="-228600" eaLnBrk="0" hangingPunct="0">
+              <a:defRPr sz="2400">
+                <a:solidFill>
+                  <a:schemeClr val="tx1"/>
+                </a:solidFill>
+                <a:latin typeface="Arial" charset="0"/>
+                <a:ea typeface="ＭＳ Ｐゴシック" charset="0"/>
+              </a:defRPr>
+            </a:lvl5pPr>
+            <a:lvl6pPr marL="2514600" indent="-228600" eaLnBrk="0" fontAlgn="base" hangingPunct="0">
+              <a:spcBef>
+                <a:spcPct val="0"/>
+              </a:spcBef>
+              <a:spcAft>
+                <a:spcPct val="0"/>
+              </a:spcAft>
+              <a:defRPr sz="2400">
+                <a:solidFill>
+                  <a:schemeClr val="tx1"/>
+                </a:solidFill>
+                <a:latin typeface="Arial" charset="0"/>
+                <a:ea typeface="ＭＳ Ｐゴシック" charset="0"/>
+              </a:defRPr>
+            </a:lvl6pPr>
+            <a:lvl7pPr marL="2971800" indent="-228600" eaLnBrk="0" fontAlgn="base" hangingPunct="0">
+              <a:spcBef>
+                <a:spcPct val="0"/>
+              </a:spcBef>
+              <a:spcAft>
+                <a:spcPct val="0"/>
+              </a:spcAft>
+              <a:defRPr sz="2400">
+                <a:solidFill>
+                  <a:schemeClr val="tx1"/>
+                </a:solidFill>
+                <a:latin typeface="Arial" charset="0"/>
+                <a:ea typeface="ＭＳ Ｐゴシック" charset="0"/>
+              </a:defRPr>
+            </a:lvl7pPr>
+            <a:lvl8pPr marL="3429000" indent="-228600" eaLnBrk="0" fontAlgn="base" hangingPunct="0">
+              <a:spcBef>
+                <a:spcPct val="0"/>
+              </a:spcBef>
+              <a:spcAft>
+                <a:spcPct val="0"/>
+              </a:spcAft>
+              <a:defRPr sz="2400">
+                <a:solidFill>
+                  <a:schemeClr val="tx1"/>
+                </a:solidFill>
+                <a:latin typeface="Arial" charset="0"/>
+                <a:ea typeface="ＭＳ Ｐゴシック" charset="0"/>
+              </a:defRPr>
+            </a:lvl8pPr>
+            <a:lvl9pPr marL="3886200" indent="-228600" eaLnBrk="0" fontAlgn="base" hangingPunct="0">
+              <a:spcBef>
+                <a:spcPct val="0"/>
+              </a:spcBef>
+              <a:spcAft>
+                <a:spcPct val="0"/>
+              </a:spcAft>
+              <a:defRPr sz="2400">
+                <a:solidFill>
+                  <a:schemeClr val="tx1"/>
+                </a:solidFill>
+                <a:latin typeface="Arial" charset="0"/>
+                <a:ea typeface="ＭＳ Ｐゴシック" charset="0"/>
+              </a:defRPr>
+            </a:lvl9pPr>
+          </a:lstStyle>
+          <a:p>
+            <a:pPr eaLnBrk="1" hangingPunct="1"/>
+            <a:fld id="{A3EFFC90-FB19-C44F-92C7-1247479775C9}" type="slidenum">
+              <a:rPr lang="en-US" sz="1200">
+                <a:latin typeface="Garamond" charset="0"/>
+              </a:rPr>
+              <a:pPr eaLnBrk="1" hangingPunct="1"/>
+              <a:t>16</a:t>
+            </a:fld>
+            <a:endParaRPr lang="en-US" sz="1200">
+              <a:latin typeface="Garamond" charset="0"/>
+            </a:endParaRPr>
+          </a:p>
+        </p:txBody>
+      </p:sp>
+    </p:spTree>
+    <p:extLst>
+      <p:ext uri="{BB962C8B-B14F-4D97-AF65-F5344CB8AC3E}">
+        <p14:creationId xmlns:p14="http://schemas.microsoft.com/office/powerpoint/2010/main" val="1370339158"/>
+      </p:ext>
+    </p:extLst>
+  </p:cSld>
+  <p:clrMapOvr>
+    <a:masterClrMapping/>
+  </p:clrMapOvr>
+  <p:timing>
+    <p:tnLst>
+      <p:par>
+        <p:cTn id="1" dur="indefinite" restart="never" nodeType="tmRoot"/>
+      </p:par>
+    </p:tnLst>
+  </p:timing>
+</p:sld>
+</file>
+
+<file path=ppt/slides/slide17.xml><?xml version="1.0" encoding="utf-8"?>
+<p:sld xmlns:a="http://schemas.openxmlformats.org/drawingml/2006/main" xmlns:r="http://schemas.openxmlformats.org/officeDocument/2006/relationships" xmlns:p="http://schemas.openxmlformats.org/presentationml/2006/main">
+  <p:cSld>
+    <p:spTree>
+      <p:nvGrpSpPr>
+        <p:cNvPr id="1" name=""/>
+        <p:cNvGrpSpPr/>
+        <p:nvPr/>
+      </p:nvGrpSpPr>
+      <p:grpSpPr>
+        <a:xfrm>
+          <a:off x="0" y="0"/>
+          <a:ext cx="0" cy="0"/>
+          <a:chOff x="0" y="0"/>
+          <a:chExt cx="0" cy="0"/>
+        </a:xfrm>
+      </p:grpSpPr>
+      <p:sp>
+        <p:nvSpPr>
           <p:cNvPr id="23554" name="Title 1"/>
           <p:cNvSpPr>
             <a:spLocks noGrp="1"/>
@@ -9072,12 +10479,11 @@
             </a:lvl9pPr>
           </a:lstStyle>
           <a:p>
-            <a:fld id="{2D544283-EED9-B047-B95A-67CA56A295EA}" type="datetime1">
+            <a:fld id="{C998E033-AF0F-FD46-B9FA-5F2A616B2D3E}" type="datetime1">
               <a:rPr lang="en-US" sz="1200" smtClean="0">
                 <a:latin typeface="+mj-lt"/>
               </a:rPr>
-              <a:pPr/>
-              <a:t>12/11/18</a:t>
+              <a:t>12/12/18</a:t>
             </a:fld>
             <a:endParaRPr lang="en-US" sz="1200" dirty="0">
               <a:latin typeface="+mj-lt"/>
@@ -9215,7 +10621,7 @@
                 <a:latin typeface="+mj-lt"/>
               </a:rPr>
               <a:pPr/>
-              <a:t>15</a:t>
+              <a:t>17</a:t>
             </a:fld>
             <a:endParaRPr lang="en-US" sz="1200" dirty="0">
               <a:latin typeface="+mj-lt"/>
@@ -9470,23 +10876,15 @@
           <a:p>
             <a:r>
               <a:rPr lang="en-US" dirty="0" smtClean="0"/>
-              <a:t>Today’s </a:t>
-            </a:r>
+              <a:t>Today’s class: exam 3 preview</a:t>
+            </a:r>
+            <a:endParaRPr lang="en-US" dirty="0"/>
+          </a:p>
+          <a:p>
+            <a:pPr lvl="1"/>
             <a:r>
               <a:rPr lang="en-US" dirty="0" smtClean="0"/>
-              <a:t>class: exam 3 preview</a:t>
-            </a:r>
-            <a:endParaRPr lang="en-US" dirty="0"/>
-          </a:p>
-          <a:p>
-            <a:pPr lvl="1"/>
-            <a:r>
-              <a:rPr lang="en-US" dirty="0" smtClean="0"/>
-              <a:t>Exam </a:t>
-            </a:r>
-            <a:r>
-              <a:rPr lang="en-US" dirty="0" smtClean="0"/>
-              <a:t>outline</a:t>
+              <a:t>Exam outline</a:t>
             </a:r>
           </a:p>
           <a:p>
@@ -9495,7 +10893,6 @@
               <a:rPr lang="en-US" dirty="0" smtClean="0"/>
               <a:t>Review of material</a:t>
             </a:r>
-            <a:endParaRPr lang="en-US" dirty="0" smtClean="0"/>
           </a:p>
         </p:txBody>
       </p:sp>
@@ -9601,9 +10998,9 @@
             </a:lvl9pPr>
           </a:lstStyle>
           <a:p>
-            <a:fld id="{ACA685CB-E582-1445-865E-548080CBC5B2}" type="datetime1">
+            <a:fld id="{F7B3042C-8EA5-2940-B8C6-94A7ED7DA038}" type="datetime1">
               <a:rPr lang="en-US" sz="1200" smtClean="0"/>
-              <a:t>12/11/18</a:t>
+              <a:t>12/12/18</a:t>
             </a:fld>
             <a:endParaRPr lang="en-US" sz="1200" dirty="0"/>
           </a:p>
@@ -9864,17 +11261,8 @@
             <a:pPr lvl="1"/>
             <a:r>
               <a:rPr lang="en-US" dirty="0" smtClean="0"/>
-              <a:t>All lectures </a:t>
-            </a:r>
-            <a:r>
-              <a:rPr lang="en-US" dirty="0" smtClean="0"/>
-              <a:t>after Exam 2 (lectures </a:t>
-            </a:r>
-            <a:r>
-              <a:rPr lang="en-US" dirty="0" smtClean="0"/>
-              <a:t>26, 29-36)</a:t>
-            </a:r>
-            <a:endParaRPr lang="en-US" dirty="0" smtClean="0"/>
+              <a:t>All lectures after Exam 2 (lectures 26, 29-36)</a:t>
+            </a:r>
           </a:p>
           <a:p>
             <a:r>
@@ -9886,15 +11274,7 @@
             <a:pPr lvl="1"/>
             <a:r>
               <a:rPr lang="en-US" dirty="0" smtClean="0"/>
-              <a:t>Code reading, writing, </a:t>
-            </a:r>
-            <a:r>
-              <a:rPr lang="en-US" dirty="0" smtClean="0"/>
-              <a:t>multiple </a:t>
-            </a:r>
-            <a:r>
-              <a:rPr lang="en-US" dirty="0" smtClean="0"/>
-              <a:t>choice questions</a:t>
+              <a:t>Code reading, writing, multiple choice questions</a:t>
             </a:r>
           </a:p>
           <a:p>
@@ -10040,12 +11420,12 @@
             </a:lvl9pPr>
           </a:lstStyle>
           <a:p>
-            <a:fld id="{DA8D2F36-E1D7-CF46-9BC1-8397F9754B4B}" type="datetime1">
+            <a:fld id="{DB55C983-71B2-FF45-AFBE-52EAA4D27C26}" type="datetime1">
               <a:rPr lang="en-US" sz="1200" smtClean="0">
                 <a:latin typeface="Garamond"/>
                 <a:cs typeface="Garamond"/>
               </a:rPr>
-              <a:t>12/11/18</a:t>
+              <a:t>12/12/18</a:t>
             </a:fld>
             <a:endParaRPr lang="en-US" sz="1200" dirty="0">
               <a:latin typeface="Garamond"/>
@@ -10300,11 +11680,7 @@
           <a:p>
             <a:r>
               <a:rPr lang="en-US" dirty="0" smtClean="0"/>
-              <a:t>Structures</a:t>
-            </a:r>
-            <a:r>
-              <a:rPr lang="en-US" dirty="0" smtClean="0"/>
-              <a:t>: CR/CW questions on</a:t>
+              <a:t>Structures: CR/CW questions on</a:t>
             </a:r>
           </a:p>
           <a:p>
@@ -10367,15 +11743,7 @@
           <a:p>
             <a:r>
               <a:rPr lang="en-US" dirty="0" smtClean="0"/>
-              <a:t>File input/output: </a:t>
-            </a:r>
-            <a:r>
-              <a:rPr lang="en-US" dirty="0" smtClean="0"/>
-              <a:t>MC/CW questions </a:t>
-            </a:r>
-            <a:r>
-              <a:rPr lang="en-US" dirty="0" smtClean="0"/>
-              <a:t>on</a:t>
+              <a:t>File input/output: MC/CW questions on</a:t>
             </a:r>
           </a:p>
           <a:p>
@@ -10424,15 +11792,7 @@
                   <a:srgbClr val="000000"/>
                 </a:solidFill>
               </a:rPr>
-              <a:t>Text file I/O </a:t>
-            </a:r>
-            <a:r>
-              <a:rPr lang="en-US" dirty="0" smtClean="0">
-                <a:solidFill>
-                  <a:srgbClr val="000000"/>
-                </a:solidFill>
-              </a:rPr>
-              <a:t>using</a:t>
+              <a:t>Text file I/O using</a:t>
             </a:r>
             <a:r>
               <a:rPr lang="en-US" dirty="0" smtClean="0"/>
@@ -10475,11 +11835,7 @@
             <a:pPr lvl="1"/>
             <a:r>
               <a:rPr lang="en-US" dirty="0" smtClean="0"/>
-              <a:t>Binary file I/O </a:t>
-            </a:r>
-            <a:r>
-              <a:rPr lang="en-US" dirty="0" smtClean="0"/>
-              <a:t>using </a:t>
+              <a:t>Binary file I/O using </a:t>
             </a:r>
             <a:r>
               <a:rPr lang="en-US" dirty="0" err="1" smtClean="0">
@@ -10564,9 +11920,9 @@
           <a:bodyPr/>
           <a:lstStyle/>
           <a:p>
-            <a:fld id="{4E9B0D57-EDEC-8A42-B42E-5BABC98372F6}" type="datetime1">
+            <a:fld id="{40194DCE-F59B-6547-9691-124164DC9931}" type="datetime1">
               <a:rPr lang="en-US" smtClean="0"/>
-              <a:t>12/11/18</a:t>
+              <a:t>12/12/18</a:t>
             </a:fld>
             <a:endParaRPr lang="en-US"/>
           </a:p>
@@ -10819,23 +12175,7 @@
           <a:p>
             <a:r>
               <a:rPr lang="en-US" dirty="0" smtClean="0"/>
-              <a:t>Extra </a:t>
-            </a:r>
-            <a:r>
-              <a:rPr lang="en-US" dirty="0" smtClean="0"/>
-              <a:t>credit: may </a:t>
-            </a:r>
-            <a:r>
-              <a:rPr lang="en-US" dirty="0" smtClean="0"/>
-              <a:t>focus on any </a:t>
-            </a:r>
-            <a:r>
-              <a:rPr lang="en-US" dirty="0" smtClean="0"/>
-              <a:t>topic </a:t>
-            </a:r>
-            <a:r>
-              <a:rPr lang="en-US" dirty="0" smtClean="0"/>
-              <a:t>above</a:t>
+              <a:t>Extra credit: may focus on any topic above</a:t>
             </a:r>
           </a:p>
           <a:p>
@@ -10844,7 +12184,6 @@
               <a:rPr lang="en-US" dirty="0" smtClean="0"/>
               <a:t>Should clearly understand earlier material, too</a:t>
             </a:r>
-            <a:endParaRPr lang="en-US" dirty="0" smtClean="0"/>
           </a:p>
           <a:p>
             <a:endParaRPr lang="en-US" dirty="0"/>
@@ -10869,9 +12208,9 @@
           <a:bodyPr/>
           <a:lstStyle/>
           <a:p>
-            <a:fld id="{7DDC1E8F-765D-ED4A-8BBF-DD30F305977D}" type="datetime1">
+            <a:fld id="{6861604F-D2B3-A642-9C86-58F0864A99E7}" type="datetime1">
               <a:rPr lang="en-US" smtClean="0"/>
-              <a:t>12/11/18</a:t>
+              <a:t>12/12/18</a:t>
             </a:fld>
             <a:endParaRPr lang="en-US"/>
           </a:p>
@@ -11009,13 +12348,13 @@
               </a:lnSpc>
             </a:pPr>
             <a:r>
-              <a:rPr lang="en-US" sz="2100">
+              <a:rPr lang="en-US" sz="2100" dirty="0">
                 <a:latin typeface="Arial" charset="0"/>
               </a:rPr>
               <a:t>User-defined types; e</a:t>
             </a:r>
             <a:r>
-              <a:rPr lang="en-US" sz="2100">
+              <a:rPr lang="en-US" sz="2100" dirty="0">
                 <a:latin typeface="Arial" charset="0"/>
                 <a:cs typeface="Courier New" charset="0"/>
               </a:rPr>
@@ -11031,18 +12370,39 @@
               <a:buNone/>
             </a:pPr>
             <a:r>
-              <a:rPr lang="en-US" sz="2100">
+              <a:rPr lang="en-US" sz="2100" dirty="0">
                 <a:latin typeface="Arial" charset="0"/>
                 <a:cs typeface="Courier New" charset="0"/>
               </a:rPr>
               <a:t>		</a:t>
             </a:r>
             <a:r>
-              <a:rPr lang="en-US" sz="2100">
+              <a:rPr lang="en-US" sz="2100" dirty="0" err="1">
                 <a:latin typeface="Courier New" charset="0"/>
                 <a:cs typeface="Courier New" charset="0"/>
               </a:rPr>
-              <a:t>typedef struct {</a:t>
+              <a:t>typedef</a:t>
+            </a:r>
+            <a:r>
+              <a:rPr lang="en-US" sz="2100" dirty="0">
+                <a:latin typeface="Courier New" charset="0"/>
+                <a:cs typeface="Courier New" charset="0"/>
+              </a:rPr>
+              <a:t> </a:t>
+            </a:r>
+            <a:r>
+              <a:rPr lang="en-US" sz="2100" dirty="0" err="1">
+                <a:latin typeface="Courier New" charset="0"/>
+                <a:cs typeface="Courier New" charset="0"/>
+              </a:rPr>
+              <a:t>struct</a:t>
+            </a:r>
+            <a:r>
+              <a:rPr lang="en-US" sz="2100" dirty="0">
+                <a:latin typeface="Courier New" charset="0"/>
+                <a:cs typeface="Courier New" charset="0"/>
+              </a:rPr>
+              <a:t> {</a:t>
             </a:r>
           </a:p>
           <a:p>
@@ -11054,7 +12414,7 @@
               <a:buNone/>
             </a:pPr>
             <a:r>
-              <a:rPr lang="en-US" sz="2100">
+              <a:rPr lang="en-US" sz="2100" dirty="0">
                 <a:latin typeface="Courier New" charset="0"/>
                 <a:cs typeface="Courier New" charset="0"/>
               </a:rPr>
@@ -11070,7 +12430,7 @@
               <a:buNone/>
             </a:pPr>
             <a:r>
-              <a:rPr lang="en-US" sz="2100">
+              <a:rPr lang="en-US" sz="2100" dirty="0">
                 <a:latin typeface="Courier New" charset="0"/>
                 <a:cs typeface="Courier New" charset="0"/>
               </a:rPr>
@@ -11086,7 +12446,7 @@
               <a:buNone/>
             </a:pPr>
             <a:r>
-              <a:rPr lang="en-US" sz="2100">
+              <a:rPr lang="en-US" sz="2100" dirty="0">
                 <a:latin typeface="Courier New" charset="0"/>
                 <a:cs typeface="Courier New" charset="0"/>
               </a:rPr>
@@ -11102,11 +12462,25 @@
               <a:buNone/>
             </a:pPr>
             <a:r>
-              <a:rPr lang="en-US" sz="2100">
+              <a:rPr lang="en-US" sz="2100" dirty="0">
                 <a:latin typeface="Courier New" charset="0"/>
                 <a:cs typeface="Courier New" charset="0"/>
               </a:rPr>
-              <a:t>			unsigned int ID;</a:t>
+              <a:t>			unsigned </a:t>
+            </a:r>
+            <a:r>
+              <a:rPr lang="en-US" sz="2100" dirty="0" err="1">
+                <a:latin typeface="Courier New" charset="0"/>
+                <a:cs typeface="Courier New" charset="0"/>
+              </a:rPr>
+              <a:t>int</a:t>
+            </a:r>
+            <a:r>
+              <a:rPr lang="en-US" sz="2100" dirty="0">
+                <a:latin typeface="Courier New" charset="0"/>
+                <a:cs typeface="Courier New" charset="0"/>
+              </a:rPr>
+              <a:t> ID;</a:t>
             </a:r>
           </a:p>
           <a:p>
@@ -11118,7 +12492,7 @@
               <a:buNone/>
             </a:pPr>
             <a:r>
-              <a:rPr lang="en-US" sz="2100">
+              <a:rPr lang="en-US" sz="2100" dirty="0">
                 <a:latin typeface="Courier New" charset="0"/>
                 <a:cs typeface="Courier New" charset="0"/>
               </a:rPr>
@@ -11134,11 +12508,25 @@
               <a:buNone/>
             </a:pPr>
             <a:r>
-              <a:rPr lang="en-US" sz="2100">
+              <a:rPr lang="en-US" sz="2100" dirty="0">
                 <a:latin typeface="Courier New" charset="0"/>
                 <a:cs typeface="Courier New" charset="0"/>
               </a:rPr>
-              <a:t>		} StudentInfo;</a:t>
+              <a:t>		} </a:t>
+            </a:r>
+            <a:r>
+              <a:rPr lang="en-US" sz="2100" dirty="0" err="1">
+                <a:latin typeface="Courier New" charset="0"/>
+                <a:cs typeface="Courier New" charset="0"/>
+              </a:rPr>
+              <a:t>StudentInfo</a:t>
+            </a:r>
+            <a:r>
+              <a:rPr lang="en-US" sz="2100" dirty="0">
+                <a:latin typeface="Courier New" charset="0"/>
+                <a:cs typeface="Courier New" charset="0"/>
+              </a:rPr>
+              <a:t>;</a:t>
             </a:r>
           </a:p>
           <a:p>
@@ -11148,7 +12536,7 @@
               </a:lnSpc>
             </a:pPr>
             <a:r>
-              <a:rPr lang="en-US" sz="2100">
+              <a:rPr lang="en-US" sz="2100" dirty="0">
                 <a:latin typeface="Arial" charset="0"/>
                 <a:cs typeface="Courier New" charset="0"/>
               </a:rPr>
@@ -11162,14 +12550,14 @@
               </a:lnSpc>
             </a:pPr>
             <a:r>
-              <a:rPr lang="en-US" sz="1800">
+              <a:rPr lang="en-US" sz="1800" dirty="0">
                 <a:latin typeface="Arial" charset="0"/>
                 <a:cs typeface="Courier New" charset="0"/>
               </a:rPr>
               <a:t>Scalar: </a:t>
             </a:r>
             <a:r>
-              <a:rPr lang="en-US" sz="1800" b="1">
+              <a:rPr lang="en-US" sz="1800" b="1" dirty="0" err="1">
                 <a:solidFill>
                   <a:srgbClr val="FF0000"/>
                 </a:solidFill>
@@ -11179,7 +12567,7 @@
               <a:t>StudentInfo</a:t>
             </a:r>
             <a:r>
-              <a:rPr lang="en-US" sz="1800">
+              <a:rPr lang="en-US" sz="1800" dirty="0">
                 <a:latin typeface="Courier New" charset="0"/>
                 <a:cs typeface="Courier New" charset="0"/>
               </a:rPr>
@@ -11193,14 +12581,14 @@
               </a:lnSpc>
             </a:pPr>
             <a:r>
-              <a:rPr lang="en-US" sz="1800">
+              <a:rPr lang="en-US" sz="1800" dirty="0">
                 <a:latin typeface="Arial" charset="0"/>
                 <a:cs typeface="Courier New" charset="0"/>
               </a:rPr>
               <a:t>Array: </a:t>
             </a:r>
             <a:r>
-              <a:rPr lang="en-US" sz="1800" b="1">
+              <a:rPr lang="en-US" sz="1800" b="1" dirty="0" err="1">
                 <a:solidFill>
                   <a:srgbClr val="FF0000"/>
                 </a:solidFill>
@@ -11210,11 +12598,25 @@
               <a:t>StudentInfo</a:t>
             </a:r>
             <a:r>
-              <a:rPr lang="en-US" sz="1800">
+              <a:rPr lang="en-US" sz="1800" dirty="0">
                 <a:latin typeface="Courier New" charset="0"/>
                 <a:cs typeface="Courier New" charset="0"/>
               </a:rPr>
-              <a:t> classList[10];</a:t>
+              <a:t> </a:t>
+            </a:r>
+            <a:r>
+              <a:rPr lang="en-US" sz="1800" dirty="0" err="1">
+                <a:latin typeface="Courier New" charset="0"/>
+                <a:cs typeface="Courier New" charset="0"/>
+              </a:rPr>
+              <a:t>classList</a:t>
+            </a:r>
+            <a:r>
+              <a:rPr lang="en-US" sz="1800" dirty="0">
+                <a:latin typeface="Courier New" charset="0"/>
+                <a:cs typeface="Courier New" charset="0"/>
+              </a:rPr>
+              <a:t>[10];</a:t>
             </a:r>
           </a:p>
           <a:p>
@@ -11224,14 +12626,14 @@
               </a:lnSpc>
             </a:pPr>
             <a:r>
-              <a:rPr lang="en-US" sz="1800">
+              <a:rPr lang="en-US" sz="1800" dirty="0">
                 <a:latin typeface="Arial" charset="0"/>
                 <a:cs typeface="Courier New" charset="0"/>
               </a:rPr>
               <a:t>Pointer: </a:t>
             </a:r>
             <a:r>
-              <a:rPr lang="en-US" sz="1800" b="1">
+              <a:rPr lang="en-US" sz="1800" b="1" dirty="0" err="1">
                 <a:solidFill>
                   <a:srgbClr val="FF0000"/>
                 </a:solidFill>
@@ -11241,127 +12643,33 @@
               <a:t>StudentInfo</a:t>
             </a:r>
             <a:r>
-              <a:rPr lang="en-US" sz="1800">
+              <a:rPr lang="en-US" sz="1800" dirty="0">
                 <a:latin typeface="Courier New" charset="0"/>
                 <a:cs typeface="Courier New" charset="0"/>
               </a:rPr>
-              <a:t> *sPtr;</a:t>
-            </a:r>
-            <a:r>
-              <a:rPr lang="en-US" sz="1800">
+              <a:t> *</a:t>
+            </a:r>
+            <a:r>
+              <a:rPr lang="en-US" sz="1800" dirty="0" err="1">
+                <a:latin typeface="Courier New" charset="0"/>
+                <a:cs typeface="Courier New" charset="0"/>
+              </a:rPr>
+              <a:t>sPtr</a:t>
+            </a:r>
+            <a:r>
+              <a:rPr lang="en-US" sz="1800" dirty="0">
+                <a:latin typeface="Courier New" charset="0"/>
+                <a:cs typeface="Courier New" charset="0"/>
+              </a:rPr>
+              <a:t>;</a:t>
+            </a:r>
+            <a:r>
+              <a:rPr lang="en-US" sz="1800" dirty="0">
                 <a:latin typeface="Arial" charset="0"/>
                 <a:cs typeface="Courier New" charset="0"/>
               </a:rPr>
               <a:t> </a:t>
             </a:r>
-          </a:p>
-          <a:p>
-            <a:pPr>
-              <a:lnSpc>
-                <a:spcPct val="80000"/>
-              </a:lnSpc>
-            </a:pPr>
-            <a:r>
-              <a:rPr lang="en-US" sz="2100">
-                <a:latin typeface="Arial" charset="0"/>
-                <a:cs typeface="Courier New" charset="0"/>
-              </a:rPr>
-              <a:t>Access members using</a:t>
-            </a:r>
-          </a:p>
-          <a:p>
-            <a:pPr lvl="1">
-              <a:lnSpc>
-                <a:spcPct val="80000"/>
-              </a:lnSpc>
-            </a:pPr>
-            <a:r>
-              <a:rPr lang="en-US" sz="1800">
-                <a:latin typeface="Arial" charset="0"/>
-                <a:cs typeface="Courier New" charset="0"/>
-              </a:rPr>
-              <a:t>Dot operator: </a:t>
-            </a:r>
-            <a:r>
-              <a:rPr lang="en-US" sz="1800">
-                <a:latin typeface="Courier New" charset="0"/>
-                <a:cs typeface="Courier New" charset="0"/>
-              </a:rPr>
-              <a:t>student1.middle = </a:t>
-            </a:r>
-            <a:r>
-              <a:rPr lang="ja-JP" altLang="en-US" sz="1800">
-                <a:latin typeface="Courier New" charset="0"/>
-                <a:cs typeface="Courier New" charset="0"/>
-              </a:rPr>
-              <a:t>‘</a:t>
-            </a:r>
-            <a:r>
-              <a:rPr lang="en-US" altLang="ja-JP" sz="1800">
-                <a:latin typeface="Courier New" charset="0"/>
-                <a:cs typeface="Courier New" charset="0"/>
-              </a:rPr>
-              <a:t>J</a:t>
-            </a:r>
-            <a:r>
-              <a:rPr lang="ja-JP" altLang="en-US" sz="1800">
-                <a:latin typeface="Courier New" charset="0"/>
-                <a:cs typeface="Courier New" charset="0"/>
-              </a:rPr>
-              <a:t>’</a:t>
-            </a:r>
-            <a:r>
-              <a:rPr lang="en-US" altLang="ja-JP" sz="1800">
-                <a:latin typeface="Courier New" charset="0"/>
-                <a:cs typeface="Courier New" charset="0"/>
-              </a:rPr>
-              <a:t>;</a:t>
-            </a:r>
-          </a:p>
-          <a:p>
-            <a:pPr lvl="1">
-              <a:lnSpc>
-                <a:spcPct val="80000"/>
-              </a:lnSpc>
-            </a:pPr>
-            <a:r>
-              <a:rPr lang="en-US" sz="1800">
-                <a:latin typeface="Arial" charset="0"/>
-                <a:cs typeface="Courier New" charset="0"/>
-              </a:rPr>
-              <a:t>Arrow (if pointers): </a:t>
-            </a:r>
-            <a:r>
-              <a:rPr lang="en-US" sz="1800">
-                <a:latin typeface="Courier New" charset="0"/>
-                <a:cs typeface="Courier New" charset="0"/>
-              </a:rPr>
-              <a:t>sPtr-&gt;GPA = 3.5;</a:t>
-            </a:r>
-          </a:p>
-          <a:p>
-            <a:pPr>
-              <a:lnSpc>
-                <a:spcPct val="80000"/>
-              </a:lnSpc>
-            </a:pPr>
-            <a:r>
-              <a:rPr lang="en-US" sz="2100">
-                <a:latin typeface="Arial" charset="0"/>
-                <a:cs typeface="Courier New" charset="0"/>
-              </a:rPr>
-              <a:t>Typically passed to functions by address </a:t>
-            </a:r>
-          </a:p>
-          <a:p>
-            <a:pPr>
-              <a:lnSpc>
-                <a:spcPct val="80000"/>
-              </a:lnSpc>
-            </a:pPr>
-            <a:endParaRPr lang="en-US" sz="2100">
-              <a:latin typeface="Arial" charset="0"/>
-            </a:endParaRPr>
           </a:p>
         </p:txBody>
       </p:sp>
@@ -11379,15 +12687,15 @@
           <a:noFill/>
           <a:ln/>
           <a:extLst>
-            <a:ext uri="{909E8E84-426E-40dd-AFC4-6F175D3DCCD1}">
-              <a14:hiddenFill xmlns:a14="http://schemas.microsoft.com/office/drawing/2010/main" xmlns="">
+            <a:ext uri="{909E8E84-426E-40DD-AFC4-6F175D3DCCD1}">
+              <a14:hiddenFill xmlns:a14="http://schemas.microsoft.com/office/drawing/2010/main">
                 <a:solidFill>
                   <a:srgbClr val="FFFFFF"/>
                 </a:solidFill>
               </a14:hiddenFill>
             </a:ext>
-            <a:ext uri="{91240B29-F687-4f45-9708-019B960494DF}">
-              <a14:hiddenLine xmlns:a14="http://schemas.microsoft.com/office/drawing/2010/main" xmlns="" w="9525">
+            <a:ext uri="{91240B29-F687-4F45-9708-019B960494DF}">
+              <a14:hiddenLine xmlns:a14="http://schemas.microsoft.com/office/drawing/2010/main" w="9525">
                 <a:solidFill>
                   <a:srgbClr val="000000"/>
                 </a:solidFill>
@@ -11510,11 +12818,11 @@
           </a:lstStyle>
           <a:p>
             <a:pPr eaLnBrk="1" hangingPunct="1"/>
-            <a:fld id="{475E9B7D-A661-6D42-A30A-779CB31B0E5B}" type="datetime1">
+            <a:fld id="{D4B8BBA5-DD66-8744-A62D-E3DBF7B59868}" type="datetime1">
               <a:rPr lang="en-US" sz="1200" smtClean="0">
                 <a:latin typeface="Garamond" charset="0"/>
               </a:rPr>
-              <a:t>12/11/18</a:t>
+              <a:t>12/12/18</a:t>
             </a:fld>
             <a:endParaRPr lang="en-US" sz="1200">
               <a:latin typeface="Garamond" charset="0"/>
@@ -11562,15 +12870,15 @@
           <a:noFill/>
           <a:ln/>
           <a:extLst>
-            <a:ext uri="{909E8E84-426E-40dd-AFC4-6F175D3DCCD1}">
-              <a14:hiddenFill xmlns:a14="http://schemas.microsoft.com/office/drawing/2010/main" xmlns="">
+            <a:ext uri="{909E8E84-426E-40DD-AFC4-6F175D3DCCD1}">
+              <a14:hiddenFill xmlns:a14="http://schemas.microsoft.com/office/drawing/2010/main">
                 <a:solidFill>
                   <a:srgbClr val="FFFFFF"/>
                 </a:solidFill>
               </a14:hiddenFill>
             </a:ext>
-            <a:ext uri="{91240B29-F687-4f45-9708-019B960494DF}">
-              <a14:hiddenLine xmlns:a14="http://schemas.microsoft.com/office/drawing/2010/main" xmlns="" w="9525">
+            <a:ext uri="{91240B29-F687-4F45-9708-019B960494DF}">
+              <a14:hiddenLine xmlns:a14="http://schemas.microsoft.com/office/drawing/2010/main" w="9525">
                 <a:solidFill>
                   <a:srgbClr val="000000"/>
                 </a:solidFill>
@@ -11745,7 +13053,7 @@
       </p:grpSpPr>
       <p:sp>
         <p:nvSpPr>
-          <p:cNvPr id="11266" name="Title 1"/>
+          <p:cNvPr id="2" name="Title 1"/>
           <p:cNvSpPr>
             <a:spLocks noGrp="1"/>
           </p:cNvSpPr>
@@ -11759,17 +13067,10 @@
           <a:lstStyle/>
           <a:p>
             <a:r>
-              <a:rPr lang="en-US" dirty="0" smtClean="0">
-                <a:latin typeface="Garamond" charset="0"/>
-              </a:rPr>
-              <a:t>Review: Nested </a:t>
-            </a:r>
-            <a:r>
-              <a:rPr lang="en-US" dirty="0">
-                <a:latin typeface="Garamond" charset="0"/>
-              </a:rPr>
-              <a:t>structures</a:t>
-            </a:r>
+              <a:rPr lang="en-US" smtClean="0"/>
+              <a:t>Review: structures (continued)</a:t>
+            </a:r>
+            <a:endParaRPr lang="en-US" dirty="0"/>
           </a:p>
         </p:txBody>
       </p:sp>
@@ -11785,449 +13086,156 @@
         </p:nvSpPr>
         <p:spPr/>
         <p:txBody>
-          <a:bodyPr>
-            <a:normAutofit fontScale="92500" lnSpcReduction="10000"/>
-          </a:bodyPr>
+          <a:bodyPr/>
           <a:lstStyle/>
           <a:p>
-            <a:pPr>
-              <a:defRPr/>
-            </a:pPr>
             <a:r>
               <a:rPr lang="en-US" dirty="0" smtClean="0"/>
-              <a:t>Structures can contain other structures:</a:t>
-            </a:r>
-          </a:p>
-          <a:p>
-            <a:pPr marL="342900" lvl="1" indent="0">
-              <a:buFont typeface="Wingdings" charset="0"/>
+              <a:t>Initialization very similar to array initialization:</a:t>
+            </a:r>
+          </a:p>
+          <a:p>
+            <a:pPr marL="344487" lvl="1" indent="0">
               <a:buNone/>
-              <a:defRPr/>
             </a:pPr>
             <a:r>
               <a:rPr lang="en-US" dirty="0" err="1" smtClean="0">
                 <a:latin typeface="Courier New" charset="0"/>
-                <a:cs typeface="Courier New" charset="0"/>
-              </a:rPr>
-              <a:t>typedef</a:t>
+                <a:ea typeface="Courier New" charset="0"/>
+                <a:cs typeface="Courier New" charset="0"/>
+              </a:rPr>
+              <a:t>StudentInfo</a:t>
             </a:r>
             <a:r>
               <a:rPr lang="en-US" dirty="0" smtClean="0">
                 <a:latin typeface="Courier New" charset="0"/>
-                <a:cs typeface="Courier New" charset="0"/>
-              </a:rPr>
-              <a:t> </a:t>
+                <a:ea typeface="Courier New" charset="0"/>
+                <a:cs typeface="Courier New" charset="0"/>
+              </a:rPr>
+              <a:t> student1 = </a:t>
+            </a:r>
+          </a:p>
+          <a:p>
+            <a:pPr marL="344487" lvl="1" indent="0">
+              <a:buNone/>
+            </a:pPr>
+            <a:r>
+              <a:rPr lang="en-US" dirty="0" smtClean="0">
+                <a:latin typeface="Courier New" charset="0"/>
+                <a:ea typeface="Courier New" charset="0"/>
+                <a:cs typeface="Courier New" charset="0"/>
+              </a:rPr>
+              <a:t>	{ “John”, ‘Q’, “Smith”, </a:t>
+            </a:r>
+          </a:p>
+          <a:p>
+            <a:pPr marL="344487" lvl="1" indent="0">
+              <a:buNone/>
+            </a:pPr>
+            <a:r>
+              <a:rPr lang="en-US" dirty="0" smtClean="0">
+                <a:latin typeface="Courier New" charset="0"/>
+                <a:ea typeface="Courier New" charset="0"/>
+                <a:cs typeface="Courier New" charset="0"/>
+              </a:rPr>
+              <a:t>		 12345678, 3.75 };</a:t>
+            </a:r>
+          </a:p>
+          <a:p>
+            <a:r>
+              <a:rPr lang="en-US" dirty="0" smtClean="0"/>
+              <a:t>Access members using</a:t>
+            </a:r>
+          </a:p>
+          <a:p>
+            <a:pPr lvl="1"/>
+            <a:r>
+              <a:rPr lang="en-US" dirty="0" smtClean="0"/>
+              <a:t>Dot operator: </a:t>
+            </a:r>
+            <a:r>
+              <a:rPr lang="en-US" dirty="0" smtClean="0">
+                <a:latin typeface="Courier New" charset="0"/>
+                <a:ea typeface="Courier New" charset="0"/>
+                <a:cs typeface="Courier New" charset="0"/>
+              </a:rPr>
+              <a:t>student1.middle = </a:t>
+            </a:r>
+            <a:r>
+              <a:rPr lang="ja-JP" altLang="en-US" dirty="0" smtClean="0">
+                <a:latin typeface="Courier New" charset="0"/>
+                <a:ea typeface="Courier New" charset="0"/>
+                <a:cs typeface="Courier New" charset="0"/>
+              </a:rPr>
+              <a:t>‘</a:t>
+            </a:r>
+            <a:r>
+              <a:rPr lang="en-US" altLang="ja-JP" dirty="0" smtClean="0">
+                <a:latin typeface="Courier New" charset="0"/>
+                <a:ea typeface="Courier New" charset="0"/>
+                <a:cs typeface="Courier New" charset="0"/>
+              </a:rPr>
+              <a:t>J</a:t>
+            </a:r>
+            <a:r>
+              <a:rPr lang="ja-JP" altLang="en-US" dirty="0" smtClean="0">
+                <a:latin typeface="Courier New" charset="0"/>
+                <a:ea typeface="Courier New" charset="0"/>
+                <a:cs typeface="Courier New" charset="0"/>
+              </a:rPr>
+              <a:t>’</a:t>
+            </a:r>
+            <a:r>
+              <a:rPr lang="en-US" altLang="ja-JP" dirty="0" smtClean="0">
+                <a:latin typeface="Courier New" charset="0"/>
+                <a:ea typeface="Courier New" charset="0"/>
+                <a:cs typeface="Courier New" charset="0"/>
+              </a:rPr>
+              <a:t>;</a:t>
+            </a:r>
+          </a:p>
+          <a:p>
+            <a:pPr lvl="1"/>
+            <a:r>
+              <a:rPr lang="en-US" dirty="0" smtClean="0"/>
+              <a:t>Arrow (if pointers): </a:t>
             </a:r>
             <a:r>
               <a:rPr lang="en-US" dirty="0" err="1" smtClean="0">
                 <a:latin typeface="Courier New" charset="0"/>
-                <a:cs typeface="Courier New" charset="0"/>
-              </a:rPr>
-              <a:t>struct</a:t>
+                <a:ea typeface="Courier New" charset="0"/>
+                <a:cs typeface="Courier New" charset="0"/>
+              </a:rPr>
+              <a:t>sPtr</a:t>
             </a:r>
             <a:r>
               <a:rPr lang="en-US" dirty="0" smtClean="0">
                 <a:latin typeface="Courier New" charset="0"/>
-                <a:cs typeface="Courier New" charset="0"/>
-              </a:rPr>
-              <a:t> {</a:t>
-            </a:r>
-          </a:p>
-          <a:p>
-            <a:pPr marL="342900" lvl="1" indent="0">
-              <a:buFont typeface="Wingdings" charset="0"/>
-              <a:buNone/>
-              <a:defRPr/>
-            </a:pPr>
-            <a:r>
-              <a:rPr lang="en-US" dirty="0" smtClean="0">
-                <a:latin typeface="Courier New" charset="0"/>
-                <a:cs typeface="Courier New" charset="0"/>
-              </a:rPr>
-              <a:t>	char first[50];	// First name</a:t>
-            </a:r>
-          </a:p>
-          <a:p>
-            <a:pPr marL="342900" lvl="1" indent="0">
-              <a:buFont typeface="Wingdings" charset="0"/>
-              <a:buNone/>
-              <a:defRPr/>
-            </a:pPr>
-            <a:r>
-              <a:rPr lang="en-US" dirty="0" smtClean="0">
-                <a:latin typeface="Courier New" charset="0"/>
-                <a:cs typeface="Courier New" charset="0"/>
-              </a:rPr>
-              <a:t>	char middle;		// Middle initial</a:t>
-            </a:r>
-          </a:p>
-          <a:p>
-            <a:pPr marL="342900" lvl="1" indent="0">
-              <a:buFont typeface="Wingdings" charset="0"/>
-              <a:buNone/>
-              <a:defRPr/>
-            </a:pPr>
-            <a:r>
-              <a:rPr lang="en-US" dirty="0" smtClean="0">
-                <a:latin typeface="Courier New" charset="0"/>
-                <a:cs typeface="Courier New" charset="0"/>
-              </a:rPr>
-              <a:t>	char last[50];		// Last name</a:t>
-            </a:r>
-          </a:p>
-          <a:p>
-            <a:pPr marL="342900" lvl="1" indent="0">
-              <a:buFont typeface="Wingdings" charset="0"/>
-              <a:buNone/>
-              <a:defRPr/>
-            </a:pPr>
-            <a:r>
-              <a:rPr lang="en-US" dirty="0" smtClean="0">
-                <a:latin typeface="Courier New" charset="0"/>
-                <a:cs typeface="Courier New" charset="0"/>
-              </a:rPr>
-              <a:t>} Name;</a:t>
-            </a:r>
-          </a:p>
-          <a:p>
-            <a:pPr marL="344487" lvl="1" indent="0">
-              <a:buFont typeface="Wingdings" charset="0"/>
-              <a:buNone/>
-              <a:defRPr/>
-            </a:pPr>
-            <a:endParaRPr lang="en-US" dirty="0" smtClean="0">
-              <a:latin typeface="Courier New"/>
-              <a:cs typeface="Courier New"/>
-            </a:endParaRPr>
-          </a:p>
-          <a:p>
-            <a:pPr marL="344487" lvl="1" indent="0">
-              <a:buFont typeface="Wingdings" charset="0"/>
-              <a:buNone/>
-              <a:defRPr/>
-            </a:pPr>
-            <a:r>
-              <a:rPr lang="en-US" dirty="0" err="1" smtClean="0">
-                <a:latin typeface="Courier New"/>
-                <a:cs typeface="Courier New"/>
-              </a:rPr>
-              <a:t>typedef</a:t>
-            </a:r>
-            <a:r>
-              <a:rPr lang="en-US" dirty="0" smtClean="0">
-                <a:latin typeface="Courier New"/>
-                <a:cs typeface="Courier New"/>
-              </a:rPr>
-              <a:t> </a:t>
-            </a:r>
-            <a:r>
-              <a:rPr lang="en-US" dirty="0" err="1" smtClean="0">
-                <a:latin typeface="Courier New"/>
-                <a:cs typeface="Courier New"/>
-              </a:rPr>
-              <a:t>struct</a:t>
-            </a:r>
-            <a:r>
-              <a:rPr lang="en-US" dirty="0" smtClean="0">
-                <a:latin typeface="Courier New"/>
-                <a:cs typeface="Courier New"/>
-              </a:rPr>
-              <a:t> {</a:t>
-            </a:r>
-          </a:p>
-          <a:p>
-            <a:pPr marL="344487" lvl="1" indent="0">
-              <a:buFont typeface="Wingdings" charset="0"/>
-              <a:buNone/>
-              <a:defRPr/>
-            </a:pPr>
-            <a:r>
-              <a:rPr lang="en-US" dirty="0">
-                <a:latin typeface="Courier New"/>
-                <a:cs typeface="Courier New"/>
-              </a:rPr>
-              <a:t>	</a:t>
-            </a:r>
-            <a:r>
-              <a:rPr lang="en-US" b="1" dirty="0" smtClean="0">
-                <a:solidFill>
-                  <a:srgbClr val="FF0000"/>
-                </a:solidFill>
-                <a:latin typeface="Courier New"/>
-                <a:cs typeface="Courier New"/>
-              </a:rPr>
-              <a:t>Name </a:t>
-            </a:r>
-            <a:r>
-              <a:rPr lang="en-US" b="1" dirty="0" err="1" smtClean="0">
-                <a:solidFill>
-                  <a:srgbClr val="FF0000"/>
-                </a:solidFill>
-                <a:latin typeface="Courier New"/>
-                <a:cs typeface="Courier New"/>
-              </a:rPr>
-              <a:t>sname</a:t>
-            </a:r>
-            <a:r>
-              <a:rPr lang="en-US" b="1" dirty="0" smtClean="0">
-                <a:solidFill>
-                  <a:srgbClr val="FF0000"/>
-                </a:solidFill>
-                <a:latin typeface="Courier New"/>
-                <a:cs typeface="Courier New"/>
-              </a:rPr>
-              <a:t>;		// Student name</a:t>
-            </a:r>
-          </a:p>
-          <a:p>
-            <a:pPr marL="344487" lvl="1" indent="0">
-              <a:buFont typeface="Wingdings" charset="0"/>
-              <a:buNone/>
-              <a:defRPr/>
-            </a:pPr>
-            <a:r>
-              <a:rPr lang="en-US" b="1" dirty="0">
-                <a:solidFill>
-                  <a:srgbClr val="FF0000"/>
-                </a:solidFill>
-                <a:latin typeface="Courier New"/>
-                <a:cs typeface="Courier New"/>
-              </a:rPr>
-              <a:t>	</a:t>
-            </a:r>
-            <a:r>
-              <a:rPr lang="en-US" dirty="0" smtClean="0">
-                <a:latin typeface="Courier New"/>
-                <a:cs typeface="Courier New"/>
-              </a:rPr>
-              <a:t>unsigned </a:t>
-            </a:r>
-            <a:r>
-              <a:rPr lang="en-US" dirty="0" err="1" smtClean="0">
-                <a:latin typeface="Courier New"/>
-                <a:cs typeface="Courier New"/>
-              </a:rPr>
-              <a:t>int</a:t>
-            </a:r>
-            <a:r>
-              <a:rPr lang="en-US" dirty="0" smtClean="0">
-                <a:latin typeface="Courier New"/>
-                <a:cs typeface="Courier New"/>
-              </a:rPr>
-              <a:t> ID;	// ID #</a:t>
-            </a:r>
-          </a:p>
-          <a:p>
-            <a:pPr marL="344487" lvl="1" indent="0">
-              <a:buFont typeface="Wingdings" charset="0"/>
-              <a:buNone/>
-              <a:defRPr/>
-            </a:pPr>
-            <a:r>
-              <a:rPr lang="en-US" dirty="0">
-                <a:latin typeface="Courier New"/>
-                <a:cs typeface="Courier New"/>
-              </a:rPr>
-              <a:t>	</a:t>
-            </a:r>
-            <a:r>
-              <a:rPr lang="en-US" dirty="0" smtClean="0">
-                <a:latin typeface="Courier New"/>
-                <a:cs typeface="Courier New"/>
-              </a:rPr>
-              <a:t>double GPA;		// Grade point</a:t>
-            </a:r>
-          </a:p>
-          <a:p>
-            <a:pPr marL="344487" lvl="1" indent="0">
-              <a:buFont typeface="Wingdings" charset="0"/>
-              <a:buNone/>
-              <a:defRPr/>
-            </a:pPr>
-            <a:r>
-              <a:rPr lang="en-US" dirty="0" smtClean="0">
-                <a:latin typeface="Courier New"/>
-                <a:cs typeface="Courier New"/>
-              </a:rPr>
-              <a:t>} </a:t>
-            </a:r>
-            <a:r>
-              <a:rPr lang="en-US" dirty="0" err="1" smtClean="0">
-                <a:latin typeface="Courier New"/>
-                <a:cs typeface="Courier New"/>
-              </a:rPr>
-              <a:t>SINew</a:t>
-            </a:r>
-            <a:r>
-              <a:rPr lang="en-US" dirty="0" smtClean="0">
-                <a:latin typeface="Courier New"/>
-                <a:cs typeface="Courier New"/>
-              </a:rPr>
-              <a:t>;</a:t>
-            </a:r>
-          </a:p>
-          <a:p>
-            <a:pPr>
-              <a:defRPr/>
-            </a:pPr>
-            <a:endParaRPr lang="en-US" dirty="0" smtClean="0">
-              <a:cs typeface="Arial"/>
-            </a:endParaRPr>
-          </a:p>
-          <a:p>
-            <a:pPr lvl="1">
-              <a:defRPr/>
-            </a:pPr>
-            <a:endParaRPr lang="en-US" dirty="0" smtClean="0">
-              <a:cs typeface="Arial"/>
-            </a:endParaRPr>
-          </a:p>
-        </p:txBody>
-      </p:sp>
-      <p:sp>
-        <p:nvSpPr>
-          <p:cNvPr id="11268" name="Date Placeholder 3"/>
+                <a:ea typeface="Courier New" charset="0"/>
+                <a:cs typeface="Courier New" charset="0"/>
+              </a:rPr>
+              <a:t>-&gt;GPA = 3.5;</a:t>
+            </a:r>
+          </a:p>
+          <a:p>
+            <a:r>
+              <a:rPr lang="en-US" dirty="0" smtClean="0"/>
+              <a:t>Typically passed to functions by address </a:t>
+            </a:r>
+          </a:p>
+          <a:p>
+            <a:endParaRPr lang="en-US" dirty="0"/>
+          </a:p>
+        </p:txBody>
+      </p:sp>
+      <p:sp>
+        <p:nvSpPr>
+          <p:cNvPr id="4" name="Date Placeholder 3"/>
           <p:cNvSpPr>
             <a:spLocks noGrp="1"/>
           </p:cNvSpPr>
           <p:nvPr>
-            <p:ph type="dt" sz="quarter" idx="10"/>
-          </p:nvPr>
-        </p:nvSpPr>
-        <p:spPr>
-          <a:noFill/>
-          <a:ln/>
-          <a:extLst>
-            <a:ext uri="{909E8E84-426E-40DD-AFC4-6F175D3DCCD1}">
-              <a14:hiddenFill xmlns:a14="http://schemas.microsoft.com/office/drawing/2010/main">
-                <a:solidFill>
-                  <a:srgbClr val="FFFFFF"/>
-                </a:solidFill>
-              </a14:hiddenFill>
-            </a:ext>
-            <a:ext uri="{91240B29-F687-4F45-9708-019B960494DF}">
-              <a14:hiddenLine xmlns:a14="http://schemas.microsoft.com/office/drawing/2010/main" w="9525">
-                <a:solidFill>
-                  <a:srgbClr val="000000"/>
-                </a:solidFill>
-                <a:miter lim="800000"/>
-                <a:headEnd/>
-                <a:tailEnd/>
-              </a14:hiddenLine>
-            </a:ext>
-          </a:extLst>
-        </p:spPr>
-        <p:txBody>
-          <a:bodyPr/>
-          <a:lstStyle>
-            <a:lvl1pPr>
-              <a:defRPr sz="3000">
-                <a:solidFill>
-                  <a:schemeClr val="tx1"/>
-                </a:solidFill>
-                <a:latin typeface="Arial" charset="0"/>
-                <a:ea typeface="ＭＳ Ｐゴシック" charset="0"/>
-                <a:cs typeface="ＭＳ Ｐゴシック" charset="0"/>
-              </a:defRPr>
-            </a:lvl1pPr>
-            <a:lvl2pPr marL="742950" indent="-285750">
-              <a:defRPr sz="2600">
-                <a:solidFill>
-                  <a:schemeClr val="tx1"/>
-                </a:solidFill>
-                <a:latin typeface="Arial" charset="0"/>
-                <a:ea typeface="ＭＳ Ｐゴシック" charset="0"/>
-              </a:defRPr>
-            </a:lvl2pPr>
-            <a:lvl3pPr marL="1143000" indent="-228600">
-              <a:defRPr sz="2200">
-                <a:solidFill>
-                  <a:schemeClr val="tx1"/>
-                </a:solidFill>
-                <a:latin typeface="Arial" charset="0"/>
-                <a:ea typeface="ＭＳ Ｐゴシック" charset="0"/>
-              </a:defRPr>
-            </a:lvl3pPr>
-            <a:lvl4pPr marL="1600200" indent="-228600">
-              <a:defRPr sz="2000">
-                <a:solidFill>
-                  <a:schemeClr val="tx1"/>
-                </a:solidFill>
-                <a:latin typeface="Arial" charset="0"/>
-                <a:ea typeface="ＭＳ Ｐゴシック" charset="0"/>
-              </a:defRPr>
-            </a:lvl4pPr>
-            <a:lvl5pPr marL="2057400" indent="-228600">
-              <a:defRPr sz="2000">
-                <a:solidFill>
-                  <a:schemeClr val="tx1"/>
-                </a:solidFill>
-                <a:latin typeface="Arial" charset="0"/>
-                <a:ea typeface="ＭＳ Ｐゴシック" charset="0"/>
-              </a:defRPr>
-            </a:lvl5pPr>
-            <a:lvl6pPr marL="2514600" indent="-228600" eaLnBrk="0" hangingPunct="0">
-              <a:buFont typeface="Wingdings" charset="0"/>
-              <a:defRPr sz="2000">
-                <a:solidFill>
-                  <a:schemeClr val="tx1"/>
-                </a:solidFill>
-                <a:latin typeface="Arial" charset="0"/>
-                <a:ea typeface="ＭＳ Ｐゴシック" charset="0"/>
-              </a:defRPr>
-            </a:lvl6pPr>
-            <a:lvl7pPr marL="2971800" indent="-228600" eaLnBrk="0" hangingPunct="0">
-              <a:buFont typeface="Wingdings" charset="0"/>
-              <a:defRPr sz="2000">
-                <a:solidFill>
-                  <a:schemeClr val="tx1"/>
-                </a:solidFill>
-                <a:latin typeface="Arial" charset="0"/>
-                <a:ea typeface="ＭＳ Ｐゴシック" charset="0"/>
-              </a:defRPr>
-            </a:lvl7pPr>
-            <a:lvl8pPr marL="3429000" indent="-228600" eaLnBrk="0" hangingPunct="0">
-              <a:buFont typeface="Wingdings" charset="0"/>
-              <a:defRPr sz="2000">
-                <a:solidFill>
-                  <a:schemeClr val="tx1"/>
-                </a:solidFill>
-                <a:latin typeface="Arial" charset="0"/>
-                <a:ea typeface="ＭＳ Ｐゴシック" charset="0"/>
-              </a:defRPr>
-            </a:lvl8pPr>
-            <a:lvl9pPr marL="3886200" indent="-228600" eaLnBrk="0" hangingPunct="0">
-              <a:buFont typeface="Wingdings" charset="0"/>
-              <a:defRPr sz="2000">
-                <a:solidFill>
-                  <a:schemeClr val="tx1"/>
-                </a:solidFill>
-                <a:latin typeface="Arial" charset="0"/>
-                <a:ea typeface="ＭＳ Ｐゴシック" charset="0"/>
-              </a:defRPr>
-            </a:lvl9pPr>
-          </a:lstStyle>
-          <a:p>
-            <a:fld id="{F635E4D0-EFE7-ED4D-84DA-53A55EDE74CE}" type="datetime1">
-              <a:rPr lang="en-US" sz="1200" smtClean="0">
-                <a:latin typeface="Garamond" charset="0"/>
-              </a:rPr>
-              <a:t>12/11/18</a:t>
-            </a:fld>
-            <a:endParaRPr lang="en-US" sz="1200">
-              <a:latin typeface="Garamond" charset="0"/>
-            </a:endParaRPr>
-          </a:p>
-        </p:txBody>
-      </p:sp>
-      <p:sp>
-        <p:nvSpPr>
-          <p:cNvPr id="5" name="Footer Placeholder 4"/>
-          <p:cNvSpPr>
-            <a:spLocks noGrp="1"/>
-          </p:cNvSpPr>
-          <p:nvPr>
-            <p:ph type="ftr" sz="quarter" idx="11"/>
+            <p:ph type="dt" sz="half" idx="10"/>
           </p:nvPr>
         </p:nvSpPr>
         <p:spPr/>
@@ -12235,12 +13243,32 @@
           <a:bodyPr/>
           <a:lstStyle/>
           <a:p>
-            <a:pPr>
-              <a:defRPr/>
-            </a:pPr>
+            <a:fld id="{DAD6D443-29EF-1241-BDDB-1CE3CC56810D}" type="datetime1">
+              <a:rPr lang="en-US" smtClean="0"/>
+              <a:t>12/12/18</a:t>
+            </a:fld>
+            <a:endParaRPr lang="en-US"/>
+          </a:p>
+        </p:txBody>
+      </p:sp>
+      <p:sp>
+        <p:nvSpPr>
+          <p:cNvPr id="5" name="Footer Placeholder 4"/>
+          <p:cNvSpPr>
+            <a:spLocks noGrp="1"/>
+          </p:cNvSpPr>
+          <p:nvPr>
+            <p:ph type="ftr" sz="quarter" idx="11"/>
+          </p:nvPr>
+        </p:nvSpPr>
+        <p:spPr/>
+        <p:txBody>
+          <a:bodyPr/>
+          <a:lstStyle/>
+          <a:p>
             <a:r>
               <a:rPr lang="en-US" altLang="en-US" smtClean="0"/>
-              <a:t>ECE Application Programming: Lecture 30</a:t>
+              <a:t>ECE Application Programming: Exam 3 Preview</a:t>
             </a:r>
             <a:endParaRPr lang="en-US" altLang="en-US"/>
           </a:p>
@@ -12248,7 +13276,7 @@
       </p:sp>
       <p:sp>
         <p:nvSpPr>
-          <p:cNvPr id="11270" name="Slide Number Placeholder 5"/>
+          <p:cNvPr id="6" name="Slide Number Placeholder 5"/>
           <p:cNvSpPr>
             <a:spLocks noGrp="1"/>
           </p:cNvSpPr>
@@ -12256,150 +13284,30 @@
             <p:ph type="sldNum" sz="quarter" idx="12"/>
           </p:nvPr>
         </p:nvSpPr>
-        <p:spPr>
-          <a:noFill/>
-          <a:ln/>
-          <a:extLst>
-            <a:ext uri="{909E8E84-426E-40DD-AFC4-6F175D3DCCD1}">
-              <a14:hiddenFill xmlns:a14="http://schemas.microsoft.com/office/drawing/2010/main">
-                <a:solidFill>
-                  <a:srgbClr val="FFFFFF"/>
-                </a:solidFill>
-              </a14:hiddenFill>
-            </a:ext>
-            <a:ext uri="{91240B29-F687-4F45-9708-019B960494DF}">
-              <a14:hiddenLine xmlns:a14="http://schemas.microsoft.com/office/drawing/2010/main" w="9525">
-                <a:solidFill>
-                  <a:srgbClr val="000000"/>
-                </a:solidFill>
-                <a:miter lim="800000"/>
-                <a:headEnd/>
-                <a:tailEnd/>
-              </a14:hiddenLine>
-            </a:ext>
-          </a:extLst>
-        </p:spPr>
+        <p:spPr/>
         <p:txBody>
           <a:bodyPr/>
-          <a:lstStyle>
-            <a:lvl1pPr>
-              <a:defRPr sz="3000">
-                <a:solidFill>
-                  <a:schemeClr val="tx1"/>
-                </a:solidFill>
-                <a:latin typeface="Arial" charset="0"/>
-                <a:ea typeface="ＭＳ Ｐゴシック" charset="0"/>
-                <a:cs typeface="ＭＳ Ｐゴシック" charset="0"/>
-              </a:defRPr>
-            </a:lvl1pPr>
-            <a:lvl2pPr marL="742950" indent="-285750">
-              <a:defRPr sz="2600">
-                <a:solidFill>
-                  <a:schemeClr val="tx1"/>
-                </a:solidFill>
-                <a:latin typeface="Arial" charset="0"/>
-                <a:ea typeface="ＭＳ Ｐゴシック" charset="0"/>
-              </a:defRPr>
-            </a:lvl2pPr>
-            <a:lvl3pPr marL="1143000" indent="-228600">
-              <a:defRPr sz="2200">
-                <a:solidFill>
-                  <a:schemeClr val="tx1"/>
-                </a:solidFill>
-                <a:latin typeface="Arial" charset="0"/>
-                <a:ea typeface="ＭＳ Ｐゴシック" charset="0"/>
-              </a:defRPr>
-            </a:lvl3pPr>
-            <a:lvl4pPr marL="1600200" indent="-228600">
-              <a:defRPr sz="2000">
-                <a:solidFill>
-                  <a:schemeClr val="tx1"/>
-                </a:solidFill>
-                <a:latin typeface="Arial" charset="0"/>
-                <a:ea typeface="ＭＳ Ｐゴシック" charset="0"/>
-              </a:defRPr>
-            </a:lvl4pPr>
-            <a:lvl5pPr marL="2057400" indent="-228600">
-              <a:defRPr sz="2000">
-                <a:solidFill>
-                  <a:schemeClr val="tx1"/>
-                </a:solidFill>
-                <a:latin typeface="Arial" charset="0"/>
-                <a:ea typeface="ＭＳ Ｐゴシック" charset="0"/>
-              </a:defRPr>
-            </a:lvl5pPr>
-            <a:lvl6pPr marL="2514600" indent="-228600" eaLnBrk="0" hangingPunct="0">
-              <a:buFont typeface="Wingdings" charset="0"/>
-              <a:defRPr sz="2000">
-                <a:solidFill>
-                  <a:schemeClr val="tx1"/>
-                </a:solidFill>
-                <a:latin typeface="Arial" charset="0"/>
-                <a:ea typeface="ＭＳ Ｐゴシック" charset="0"/>
-              </a:defRPr>
-            </a:lvl6pPr>
-            <a:lvl7pPr marL="2971800" indent="-228600" eaLnBrk="0" hangingPunct="0">
-              <a:buFont typeface="Wingdings" charset="0"/>
-              <a:defRPr sz="2000">
-                <a:solidFill>
-                  <a:schemeClr val="tx1"/>
-                </a:solidFill>
-                <a:latin typeface="Arial" charset="0"/>
-                <a:ea typeface="ＭＳ Ｐゴシック" charset="0"/>
-              </a:defRPr>
-            </a:lvl7pPr>
-            <a:lvl8pPr marL="3429000" indent="-228600" eaLnBrk="0" hangingPunct="0">
-              <a:buFont typeface="Wingdings" charset="0"/>
-              <a:defRPr sz="2000">
-                <a:solidFill>
-                  <a:schemeClr val="tx1"/>
-                </a:solidFill>
-                <a:latin typeface="Arial" charset="0"/>
-                <a:ea typeface="ＭＳ Ｐゴシック" charset="0"/>
-              </a:defRPr>
-            </a:lvl8pPr>
-            <a:lvl9pPr marL="3886200" indent="-228600" eaLnBrk="0" hangingPunct="0">
-              <a:buFont typeface="Wingdings" charset="0"/>
-              <a:defRPr sz="2000">
-                <a:solidFill>
-                  <a:schemeClr val="tx1"/>
-                </a:solidFill>
-                <a:latin typeface="Arial" charset="0"/>
-                <a:ea typeface="ＭＳ Ｐゴシック" charset="0"/>
-              </a:defRPr>
-            </a:lvl9pPr>
-          </a:lstStyle>
-          <a:p>
-            <a:fld id="{FD2A138E-BF1B-244B-964C-BD2811596FD3}" type="slidenum">
-              <a:rPr lang="en-US" sz="1200">
-                <a:latin typeface="Garamond" charset="0"/>
-              </a:rPr>
+          <a:lstStyle/>
+          <a:p>
+            <a:fld id="{D23FD0AC-E4C5-8D4A-A8DE-DF5F74D25232}" type="slidenum">
+              <a:rPr lang="en-US" smtClean="0"/>
               <a:pPr/>
               <a:t>7</a:t>
             </a:fld>
-            <a:endParaRPr lang="en-US" sz="1200">
-              <a:latin typeface="Garamond" charset="0"/>
-            </a:endParaRPr>
+            <a:endParaRPr lang="en-US"/>
           </a:p>
         </p:txBody>
       </p:sp>
     </p:spTree>
     <p:extLst>
       <p:ext uri="{BB962C8B-B14F-4D97-AF65-F5344CB8AC3E}">
-        <p14:creationId xmlns:p14="http://schemas.microsoft.com/office/powerpoint/2010/main" val="163907868"/>
+        <p14:creationId xmlns:p14="http://schemas.microsoft.com/office/powerpoint/2010/main" val="825403663"/>
       </p:ext>
     </p:extLst>
   </p:cSld>
   <p:clrMapOvr>
     <a:masterClrMapping/>
   </p:clrMapOvr>
-  <p:timing>
-    <p:tnLst>
-      <p:par>
-        <p:cTn id="1" dur="indefinite" restart="never" nodeType="tmRoot"/>
-      </p:par>
-    </p:tnLst>
-  </p:timing>
 </p:sld>
 </file>
 
@@ -12422,7 +13330,7 @@
       </p:grpSpPr>
       <p:sp>
         <p:nvSpPr>
-          <p:cNvPr id="21505" name="Title 1"/>
+          <p:cNvPr id="11266" name="Title 1"/>
           <p:cNvSpPr>
             <a:spLocks noGrp="1"/>
           </p:cNvSpPr>
@@ -12436,10 +13344,16 @@
           <a:lstStyle/>
           <a:p>
             <a:r>
-              <a:rPr lang="en-US">
+              <a:rPr lang="en-US" dirty="0" smtClean="0">
                 <a:latin typeface="Garamond" charset="0"/>
               </a:rPr>
-              <a:t>Review: Nested structures</a:t>
+              <a:t>Review: Nested </a:t>
+            </a:r>
+            <a:r>
+              <a:rPr lang="en-US" dirty="0">
+                <a:latin typeface="Garamond" charset="0"/>
+              </a:rPr>
+              <a:t>structures</a:t>
             </a:r>
           </a:p>
         </p:txBody>
@@ -12457,7 +13371,7 @@
         <p:spPr/>
         <p:txBody>
           <a:bodyPr>
-            <a:normAutofit fontScale="62500" lnSpcReduction="20000"/>
+            <a:normAutofit fontScale="92500" lnSpcReduction="10000"/>
           </a:bodyPr>
           <a:lstStyle/>
           <a:p>
@@ -12746,101 +13660,6 @@
             </a:endParaRPr>
           </a:p>
           <a:p>
-            <a:pPr>
-              <a:defRPr/>
-            </a:pPr>
-            <a:r>
-              <a:rPr lang="en-US" dirty="0" smtClean="0">
-                <a:cs typeface="Arial"/>
-              </a:rPr>
-              <a:t>Will need multiple dot operators to access field within nested structure</a:t>
-            </a:r>
-          </a:p>
-          <a:p>
-            <a:pPr lvl="1">
-              <a:defRPr/>
-            </a:pPr>
-            <a:r>
-              <a:rPr lang="en-US" dirty="0" smtClean="0">
-                <a:cs typeface="Arial"/>
-              </a:rPr>
-              <a:t>Given </a:t>
-            </a:r>
-            <a:r>
-              <a:rPr lang="en-US" dirty="0" err="1" smtClean="0">
-                <a:latin typeface="Courier New"/>
-                <a:cs typeface="Courier New"/>
-              </a:rPr>
-              <a:t>SINew</a:t>
-            </a:r>
-            <a:r>
-              <a:rPr lang="en-US" dirty="0" smtClean="0">
-                <a:latin typeface="Courier New"/>
-                <a:cs typeface="Courier New"/>
-              </a:rPr>
-              <a:t> s1;</a:t>
-            </a:r>
-          </a:p>
-          <a:p>
-            <a:pPr lvl="1">
-              <a:defRPr/>
-            </a:pPr>
-            <a:r>
-              <a:rPr lang="en-US" dirty="0" smtClean="0">
-                <a:latin typeface="Courier New"/>
-                <a:cs typeface="Courier New"/>
-              </a:rPr>
-              <a:t>s1.sname </a:t>
-            </a:r>
-            <a:r>
-              <a:rPr lang="en-US" dirty="0" smtClean="0">
-                <a:cs typeface="Arial"/>
-                <a:sym typeface="Wingdings"/>
-              </a:rPr>
-              <a:t> Name structure within </a:t>
-            </a:r>
-            <a:r>
-              <a:rPr lang="en-US" dirty="0" smtClean="0">
-                <a:latin typeface="Courier New"/>
-                <a:cs typeface="Courier New"/>
-                <a:sym typeface="Wingdings"/>
-              </a:rPr>
-              <a:t>s1</a:t>
-            </a:r>
-          </a:p>
-          <a:p>
-            <a:pPr lvl="1">
-              <a:defRPr/>
-            </a:pPr>
-            <a:r>
-              <a:rPr lang="en-US" dirty="0" smtClean="0">
-                <a:latin typeface="Courier New"/>
-                <a:cs typeface="Courier New"/>
-                <a:sym typeface="Wingdings"/>
-              </a:rPr>
-              <a:t>s1.sname.middle </a:t>
-            </a:r>
-            <a:r>
-              <a:rPr lang="en-US" dirty="0" smtClean="0">
-                <a:cs typeface="Arial"/>
-                <a:sym typeface="Wingdings"/>
-              </a:rPr>
-              <a:t> middle initial of name within </a:t>
-            </a:r>
-            <a:r>
-              <a:rPr lang="en-US" dirty="0" smtClean="0">
-                <a:latin typeface="Courier New"/>
-                <a:cs typeface="Courier New"/>
-                <a:sym typeface="Wingdings"/>
-              </a:rPr>
-              <a:t>s1</a:t>
-            </a:r>
-            <a:endParaRPr lang="en-US" dirty="0" smtClean="0">
-              <a:latin typeface="Courier New"/>
-              <a:cs typeface="Courier New"/>
-            </a:endParaRPr>
-          </a:p>
-          <a:p>
             <a:pPr lvl="1">
               <a:defRPr/>
             </a:pPr>
@@ -12852,7 +13671,7 @@
       </p:sp>
       <p:sp>
         <p:nvSpPr>
-          <p:cNvPr id="21507" name="Date Placeholder 3"/>
+          <p:cNvPr id="11268" name="Date Placeholder 3"/>
           <p:cNvSpPr>
             <a:spLocks noGrp="1"/>
           </p:cNvSpPr>
@@ -12864,15 +13683,15 @@
           <a:noFill/>
           <a:ln/>
           <a:extLst>
-            <a:ext uri="{909E8E84-426E-40dd-AFC4-6F175D3DCCD1}">
-              <a14:hiddenFill xmlns:a14="http://schemas.microsoft.com/office/drawing/2010/main" xmlns="">
+            <a:ext uri="{909E8E84-426E-40DD-AFC4-6F175D3DCCD1}">
+              <a14:hiddenFill xmlns:a14="http://schemas.microsoft.com/office/drawing/2010/main">
                 <a:solidFill>
                   <a:srgbClr val="FFFFFF"/>
                 </a:solidFill>
               </a14:hiddenFill>
             </a:ext>
-            <a:ext uri="{91240B29-F687-4f45-9708-019B960494DF}">
-              <a14:hiddenLine xmlns:a14="http://schemas.microsoft.com/office/drawing/2010/main" xmlns="" w="9525">
+            <a:ext uri="{91240B29-F687-4F45-9708-019B960494DF}">
+              <a14:hiddenLine xmlns:a14="http://schemas.microsoft.com/office/drawing/2010/main" w="9525">
                 <a:solidFill>
                   <a:srgbClr val="000000"/>
                 </a:solidFill>
@@ -12886,8 +13705,8 @@
         <p:txBody>
           <a:bodyPr/>
           <a:lstStyle>
-            <a:lvl1pPr eaLnBrk="0" hangingPunct="0">
-              <a:defRPr sz="2400">
+            <a:lvl1pPr>
+              <a:defRPr sz="3000">
                 <a:solidFill>
                   <a:schemeClr val="tx1"/>
                 </a:solidFill>
@@ -12896,8 +13715,8 @@
                 <a:cs typeface="ＭＳ Ｐゴシック" charset="0"/>
               </a:defRPr>
             </a:lvl1pPr>
-            <a:lvl2pPr marL="742950" indent="-285750" eaLnBrk="0" hangingPunct="0">
-              <a:defRPr sz="2400">
+            <a:lvl2pPr marL="742950" indent="-285750">
+              <a:defRPr sz="2600">
                 <a:solidFill>
                   <a:schemeClr val="tx1"/>
                 </a:solidFill>
@@ -12905,8 +13724,8 @@
                 <a:ea typeface="ＭＳ Ｐゴシック" charset="0"/>
               </a:defRPr>
             </a:lvl2pPr>
-            <a:lvl3pPr marL="1143000" indent="-228600" eaLnBrk="0" hangingPunct="0">
-              <a:defRPr sz="2400">
+            <a:lvl3pPr marL="1143000" indent="-228600">
+              <a:defRPr sz="2200">
                 <a:solidFill>
                   <a:schemeClr val="tx1"/>
                 </a:solidFill>
@@ -12914,8 +13733,8 @@
                 <a:ea typeface="ＭＳ Ｐゴシック" charset="0"/>
               </a:defRPr>
             </a:lvl3pPr>
-            <a:lvl4pPr marL="1600200" indent="-228600" eaLnBrk="0" hangingPunct="0">
-              <a:defRPr sz="2400">
+            <a:lvl4pPr marL="1600200" indent="-228600">
+              <a:defRPr sz="2000">
                 <a:solidFill>
                   <a:schemeClr val="tx1"/>
                 </a:solidFill>
@@ -12923,8 +13742,8 @@
                 <a:ea typeface="ＭＳ Ｐゴシック" charset="0"/>
               </a:defRPr>
             </a:lvl4pPr>
-            <a:lvl5pPr marL="2057400" indent="-228600" eaLnBrk="0" hangingPunct="0">
-              <a:defRPr sz="2400">
+            <a:lvl5pPr marL="2057400" indent="-228600">
+              <a:defRPr sz="2000">
                 <a:solidFill>
                   <a:schemeClr val="tx1"/>
                 </a:solidFill>
@@ -12932,14 +13751,9 @@
                 <a:ea typeface="ＭＳ Ｐゴシック" charset="0"/>
               </a:defRPr>
             </a:lvl5pPr>
-            <a:lvl6pPr marL="2514600" indent="-228600" eaLnBrk="0" fontAlgn="base" hangingPunct="0">
-              <a:spcBef>
-                <a:spcPct val="0"/>
-              </a:spcBef>
-              <a:spcAft>
-                <a:spcPct val="0"/>
-              </a:spcAft>
-              <a:defRPr sz="2400">
+            <a:lvl6pPr marL="2514600" indent="-228600" eaLnBrk="0" hangingPunct="0">
+              <a:buFont typeface="Wingdings" charset="0"/>
+              <a:defRPr sz="2000">
                 <a:solidFill>
                   <a:schemeClr val="tx1"/>
                 </a:solidFill>
@@ -12947,14 +13761,9 @@
                 <a:ea typeface="ＭＳ Ｐゴシック" charset="0"/>
               </a:defRPr>
             </a:lvl6pPr>
-            <a:lvl7pPr marL="2971800" indent="-228600" eaLnBrk="0" fontAlgn="base" hangingPunct="0">
-              <a:spcBef>
-                <a:spcPct val="0"/>
-              </a:spcBef>
-              <a:spcAft>
-                <a:spcPct val="0"/>
-              </a:spcAft>
-              <a:defRPr sz="2400">
+            <a:lvl7pPr marL="2971800" indent="-228600" eaLnBrk="0" hangingPunct="0">
+              <a:buFont typeface="Wingdings" charset="0"/>
+              <a:defRPr sz="2000">
                 <a:solidFill>
                   <a:schemeClr val="tx1"/>
                 </a:solidFill>
@@ -12962,14 +13771,9 @@
                 <a:ea typeface="ＭＳ Ｐゴシック" charset="0"/>
               </a:defRPr>
             </a:lvl7pPr>
-            <a:lvl8pPr marL="3429000" indent="-228600" eaLnBrk="0" fontAlgn="base" hangingPunct="0">
-              <a:spcBef>
-                <a:spcPct val="0"/>
-              </a:spcBef>
-              <a:spcAft>
-                <a:spcPct val="0"/>
-              </a:spcAft>
-              <a:defRPr sz="2400">
+            <a:lvl8pPr marL="3429000" indent="-228600" eaLnBrk="0" hangingPunct="0">
+              <a:buFont typeface="Wingdings" charset="0"/>
+              <a:defRPr sz="2000">
                 <a:solidFill>
                   <a:schemeClr val="tx1"/>
                 </a:solidFill>
@@ -12977,14 +13781,9 @@
                 <a:ea typeface="ＭＳ Ｐゴシック" charset="0"/>
               </a:defRPr>
             </a:lvl8pPr>
-            <a:lvl9pPr marL="3886200" indent="-228600" eaLnBrk="0" fontAlgn="base" hangingPunct="0">
-              <a:spcBef>
-                <a:spcPct val="0"/>
-              </a:spcBef>
-              <a:spcAft>
-                <a:spcPct val="0"/>
-              </a:spcAft>
-              <a:defRPr sz="2400">
+            <a:lvl9pPr marL="3886200" indent="-228600" eaLnBrk="0" hangingPunct="0">
+              <a:buFont typeface="Wingdings" charset="0"/>
+              <a:defRPr sz="2000">
                 <a:solidFill>
                   <a:schemeClr val="tx1"/>
                 </a:solidFill>
@@ -12994,12 +13793,11 @@
             </a:lvl9pPr>
           </a:lstStyle>
           <a:p>
-            <a:pPr eaLnBrk="1" hangingPunct="1"/>
-            <a:fld id="{ED2B5F3C-D7DC-564B-A7BC-0D16E7039C3A}" type="datetime1">
+            <a:fld id="{BB5DFCD0-A1AD-C24B-9630-185D1F1CDB46}" type="datetime1">
               <a:rPr lang="en-US" sz="1200" smtClean="0">
                 <a:latin typeface="Garamond" charset="0"/>
               </a:rPr>
-              <a:t>12/11/18</a:t>
+              <a:t>12/12/18</a:t>
             </a:fld>
             <a:endParaRPr lang="en-US" sz="1200">
               <a:latin typeface="Garamond" charset="0"/>
@@ -13035,7 +13833,7 @@
       </p:sp>
       <p:sp>
         <p:nvSpPr>
-          <p:cNvPr id="21509" name="Slide Number Placeholder 5"/>
+          <p:cNvPr id="11270" name="Slide Number Placeholder 5"/>
           <p:cNvSpPr>
             <a:spLocks noGrp="1"/>
           </p:cNvSpPr>
@@ -13047,15 +13845,15 @@
           <a:noFill/>
           <a:ln/>
           <a:extLst>
-            <a:ext uri="{909E8E84-426E-40dd-AFC4-6F175D3DCCD1}">
-              <a14:hiddenFill xmlns:a14="http://schemas.microsoft.com/office/drawing/2010/main" xmlns="">
+            <a:ext uri="{909E8E84-426E-40DD-AFC4-6F175D3DCCD1}">
+              <a14:hiddenFill xmlns:a14="http://schemas.microsoft.com/office/drawing/2010/main">
                 <a:solidFill>
                   <a:srgbClr val="FFFFFF"/>
                 </a:solidFill>
               </a14:hiddenFill>
             </a:ext>
-            <a:ext uri="{91240B29-F687-4f45-9708-019B960494DF}">
-              <a14:hiddenLine xmlns:a14="http://schemas.microsoft.com/office/drawing/2010/main" xmlns="" w="9525">
+            <a:ext uri="{91240B29-F687-4F45-9708-019B960494DF}">
+              <a14:hiddenLine xmlns:a14="http://schemas.microsoft.com/office/drawing/2010/main" w="9525">
                 <a:solidFill>
                   <a:srgbClr val="000000"/>
                 </a:solidFill>
@@ -13069,8 +13867,8 @@
         <p:txBody>
           <a:bodyPr/>
           <a:lstStyle>
-            <a:lvl1pPr eaLnBrk="0" hangingPunct="0">
-              <a:defRPr sz="2400">
+            <a:lvl1pPr>
+              <a:defRPr sz="3000">
                 <a:solidFill>
                   <a:schemeClr val="tx1"/>
                 </a:solidFill>
@@ -13079,8 +13877,8 @@
                 <a:cs typeface="ＭＳ Ｐゴシック" charset="0"/>
               </a:defRPr>
             </a:lvl1pPr>
-            <a:lvl2pPr marL="742950" indent="-285750" eaLnBrk="0" hangingPunct="0">
-              <a:defRPr sz="2400">
+            <a:lvl2pPr marL="742950" indent="-285750">
+              <a:defRPr sz="2600">
                 <a:solidFill>
                   <a:schemeClr val="tx1"/>
                 </a:solidFill>
@@ -13088,8 +13886,8 @@
                 <a:ea typeface="ＭＳ Ｐゴシック" charset="0"/>
               </a:defRPr>
             </a:lvl2pPr>
-            <a:lvl3pPr marL="1143000" indent="-228600" eaLnBrk="0" hangingPunct="0">
-              <a:defRPr sz="2400">
+            <a:lvl3pPr marL="1143000" indent="-228600">
+              <a:defRPr sz="2200">
                 <a:solidFill>
                   <a:schemeClr val="tx1"/>
                 </a:solidFill>
@@ -13097,8 +13895,8 @@
                 <a:ea typeface="ＭＳ Ｐゴシック" charset="0"/>
               </a:defRPr>
             </a:lvl3pPr>
-            <a:lvl4pPr marL="1600200" indent="-228600" eaLnBrk="0" hangingPunct="0">
-              <a:defRPr sz="2400">
+            <a:lvl4pPr marL="1600200" indent="-228600">
+              <a:defRPr sz="2000">
                 <a:solidFill>
                   <a:schemeClr val="tx1"/>
                 </a:solidFill>
@@ -13106,8 +13904,8 @@
                 <a:ea typeface="ＭＳ Ｐゴシック" charset="0"/>
               </a:defRPr>
             </a:lvl4pPr>
-            <a:lvl5pPr marL="2057400" indent="-228600" eaLnBrk="0" hangingPunct="0">
-              <a:defRPr sz="2400">
+            <a:lvl5pPr marL="2057400" indent="-228600">
+              <a:defRPr sz="2000">
                 <a:solidFill>
                   <a:schemeClr val="tx1"/>
                 </a:solidFill>
@@ -13115,14 +13913,9 @@
                 <a:ea typeface="ＭＳ Ｐゴシック" charset="0"/>
               </a:defRPr>
             </a:lvl5pPr>
-            <a:lvl6pPr marL="2514600" indent="-228600" eaLnBrk="0" fontAlgn="base" hangingPunct="0">
-              <a:spcBef>
-                <a:spcPct val="0"/>
-              </a:spcBef>
-              <a:spcAft>
-                <a:spcPct val="0"/>
-              </a:spcAft>
-              <a:defRPr sz="2400">
+            <a:lvl6pPr marL="2514600" indent="-228600" eaLnBrk="0" hangingPunct="0">
+              <a:buFont typeface="Wingdings" charset="0"/>
+              <a:defRPr sz="2000">
                 <a:solidFill>
                   <a:schemeClr val="tx1"/>
                 </a:solidFill>
@@ -13130,14 +13923,9 @@
                 <a:ea typeface="ＭＳ Ｐゴシック" charset="0"/>
               </a:defRPr>
             </a:lvl6pPr>
-            <a:lvl7pPr marL="2971800" indent="-228600" eaLnBrk="0" fontAlgn="base" hangingPunct="0">
-              <a:spcBef>
-                <a:spcPct val="0"/>
-              </a:spcBef>
-              <a:spcAft>
-                <a:spcPct val="0"/>
-              </a:spcAft>
-              <a:defRPr sz="2400">
+            <a:lvl7pPr marL="2971800" indent="-228600" eaLnBrk="0" hangingPunct="0">
+              <a:buFont typeface="Wingdings" charset="0"/>
+              <a:defRPr sz="2000">
                 <a:solidFill>
                   <a:schemeClr val="tx1"/>
                 </a:solidFill>
@@ -13145,14 +13933,9 @@
                 <a:ea typeface="ＭＳ Ｐゴシック" charset="0"/>
               </a:defRPr>
             </a:lvl7pPr>
-            <a:lvl8pPr marL="3429000" indent="-228600" eaLnBrk="0" fontAlgn="base" hangingPunct="0">
-              <a:spcBef>
-                <a:spcPct val="0"/>
-              </a:spcBef>
-              <a:spcAft>
-                <a:spcPct val="0"/>
-              </a:spcAft>
-              <a:defRPr sz="2400">
+            <a:lvl8pPr marL="3429000" indent="-228600" eaLnBrk="0" hangingPunct="0">
+              <a:buFont typeface="Wingdings" charset="0"/>
+              <a:defRPr sz="2000">
                 <a:solidFill>
                   <a:schemeClr val="tx1"/>
                 </a:solidFill>
@@ -13160,14 +13943,9 @@
                 <a:ea typeface="ＭＳ Ｐゴシック" charset="0"/>
               </a:defRPr>
             </a:lvl8pPr>
-            <a:lvl9pPr marL="3886200" indent="-228600" eaLnBrk="0" fontAlgn="base" hangingPunct="0">
-              <a:spcBef>
-                <a:spcPct val="0"/>
-              </a:spcBef>
-              <a:spcAft>
-                <a:spcPct val="0"/>
-              </a:spcAft>
-              <a:defRPr sz="2400">
+            <a:lvl9pPr marL="3886200" indent="-228600" eaLnBrk="0" hangingPunct="0">
+              <a:buFont typeface="Wingdings" charset="0"/>
+              <a:defRPr sz="2000">
                 <a:solidFill>
                   <a:schemeClr val="tx1"/>
                 </a:solidFill>
@@ -13177,12 +13955,11 @@
             </a:lvl9pPr>
           </a:lstStyle>
           <a:p>
-            <a:pPr eaLnBrk="1" hangingPunct="1"/>
-            <a:fld id="{BFC53569-A361-114C-ADD3-D2DB4D632F5E}" type="slidenum">
+            <a:fld id="{FD2A138E-BF1B-244B-964C-BD2811596FD3}" type="slidenum">
               <a:rPr lang="en-US" sz="1200">
                 <a:latin typeface="Garamond" charset="0"/>
               </a:rPr>
-              <a:pPr eaLnBrk="1" hangingPunct="1"/>
+              <a:pPr/>
               <a:t>8</a:t>
             </a:fld>
             <a:endParaRPr lang="en-US" sz="1200">
@@ -13194,7 +13971,7 @@
     </p:spTree>
     <p:extLst>
       <p:ext uri="{BB962C8B-B14F-4D97-AF65-F5344CB8AC3E}">
-        <p14:creationId xmlns:p14="http://schemas.microsoft.com/office/powerpoint/2010/main" val="492027434"/>
+        <p14:creationId xmlns:p14="http://schemas.microsoft.com/office/powerpoint/2010/main" val="163907868"/>
       </p:ext>
     </p:extLst>
   </p:cSld>
@@ -13245,11 +14022,7 @@
           <a:p>
             <a:r>
               <a:rPr lang="en-US" dirty="0" smtClean="0"/>
-              <a:t>Review: Nested </a:t>
-            </a:r>
-            <a:r>
-              <a:rPr lang="en-US" dirty="0" smtClean="0"/>
-              <a:t>structure accesses</a:t>
+              <a:t>Review: Nested structure accesses</a:t>
             </a:r>
             <a:endParaRPr lang="en-US" dirty="0"/>
           </a:p>
@@ -13527,9 +14300,9 @@
             <a:pPr>
               <a:defRPr/>
             </a:pPr>
-            <a:fld id="{28BDE8AE-32E0-114A-9846-75598CBA3938}" type="datetime1">
+            <a:fld id="{AFC10E84-1732-E147-B4C3-33591279BADA}" type="datetime1">
               <a:rPr lang="en-US" smtClean="0"/>
-              <a:t>12/11/18</a:t>
+              <a:t>12/12/18</a:t>
             </a:fld>
             <a:endParaRPr lang="en-US"/>
           </a:p>
@@ -13555,7 +14328,7 @@
             </a:pPr>
             <a:r>
               <a:rPr lang="en-US" altLang="en-US" smtClean="0"/>
-              <a:t>ECE Application Programming: Lecture 30</a:t>
+              <a:t>ECE Application Programming: Exam 3 Preview</a:t>
             </a:r>
             <a:endParaRPr lang="en-US" altLang="en-US"/>
           </a:p>
@@ -13600,6 +14373,13 @@
   <p:clrMapOvr>
     <a:masterClrMapping/>
   </p:clrMapOvr>
+  <p:timing>
+    <p:tnLst>
+      <p:par>
+        <p:cTn id="1" dur="indefinite" restart="never" nodeType="tmRoot"/>
+      </p:par>
+    </p:tnLst>
+  </p:timing>
 </p:sld>
 </file>
 
